--- a/iz2/Презентация.pptx
+++ b/iz2/Презентация.pptx
@@ -13,6 +13,37 @@
     <p:sldId id="262" r:id="rId7"/>
     <p:sldId id="258" r:id="rId8"/>
     <p:sldId id="263" r:id="rId9"/>
+    <p:sldId id="273" r:id="rId10"/>
+    <p:sldId id="274" r:id="rId11"/>
+    <p:sldId id="275" r:id="rId12"/>
+    <p:sldId id="276" r:id="rId13"/>
+    <p:sldId id="277" r:id="rId14"/>
+    <p:sldId id="264" r:id="rId15"/>
+    <p:sldId id="265" r:id="rId16"/>
+    <p:sldId id="266" r:id="rId17"/>
+    <p:sldId id="283" r:id="rId18"/>
+    <p:sldId id="284" r:id="rId19"/>
+    <p:sldId id="285" r:id="rId20"/>
+    <p:sldId id="286" r:id="rId21"/>
+    <p:sldId id="287" r:id="rId22"/>
+    <p:sldId id="267" r:id="rId23"/>
+    <p:sldId id="268" r:id="rId24"/>
+    <p:sldId id="269" r:id="rId25"/>
+    <p:sldId id="278" r:id="rId26"/>
+    <p:sldId id="279" r:id="rId27"/>
+    <p:sldId id="280" r:id="rId28"/>
+    <p:sldId id="281" r:id="rId29"/>
+    <p:sldId id="282" r:id="rId30"/>
+    <p:sldId id="270" r:id="rId31"/>
+    <p:sldId id="271" r:id="rId32"/>
+    <p:sldId id="272" r:id="rId33"/>
+    <p:sldId id="288" r:id="rId34"/>
+    <p:sldId id="289" r:id="rId35"/>
+    <p:sldId id="290" r:id="rId36"/>
+    <p:sldId id="291" r:id="rId37"/>
+    <p:sldId id="292" r:id="rId38"/>
+    <p:sldId id="293" r:id="rId39"/>
+    <p:sldId id="294" r:id="rId40"/>
   </p:sldIdLst>
   <p:sldSz cx="12192000" cy="6858000"/>
   <p:notesSz cx="6858000" cy="9144000"/>
@@ -111,6 +142,11 @@
       </a:defRPr>
     </a:lvl9pPr>
   </p:defaultTextStyle>
+  <p:extLst>
+    <p:ext uri="{EFAFB233-063F-42B5-8137-9DF3F51BA10A}">
+      <p15:sldGuideLst xmlns:p15="http://schemas.microsoft.com/office/powerpoint/2012/main"/>
+    </p:ext>
+  </p:extLst>
 </p:presentation>
 </file>
 
@@ -253,7 +289,7 @@
           <a:p>
             <a:fld id="{2621A0E2-EB49-46AF-BE08-F716F4E2D908}" type="datetimeFigureOut">
               <a:rPr lang="ru-RU" smtClean="0"/>
-              <a:t>02.12.2024</a:t>
+              <a:t>06.12.2024</a:t>
             </a:fld>
             <a:endParaRPr lang="ru-RU"/>
           </a:p>
@@ -433,7 +469,7 @@
           <a:p>
             <a:fld id="{2621A0E2-EB49-46AF-BE08-F716F4E2D908}" type="datetimeFigureOut">
               <a:rPr lang="ru-RU" smtClean="0"/>
-              <a:t>02.12.2024</a:t>
+              <a:t>06.12.2024</a:t>
             </a:fld>
             <a:endParaRPr lang="ru-RU"/>
           </a:p>
@@ -617,7 +653,7 @@
           <a:p>
             <a:fld id="{2621A0E2-EB49-46AF-BE08-F716F4E2D908}" type="datetimeFigureOut">
               <a:rPr lang="ru-RU" smtClean="0"/>
-              <a:t>02.12.2024</a:t>
+              <a:t>06.12.2024</a:t>
             </a:fld>
             <a:endParaRPr lang="ru-RU"/>
           </a:p>
@@ -787,7 +823,7 @@
           <a:p>
             <a:fld id="{2621A0E2-EB49-46AF-BE08-F716F4E2D908}" type="datetimeFigureOut">
               <a:rPr lang="ru-RU" smtClean="0"/>
-              <a:t>02.12.2024</a:t>
+              <a:t>06.12.2024</a:t>
             </a:fld>
             <a:endParaRPr lang="ru-RU"/>
           </a:p>
@@ -1035,7 +1071,7 @@
           <a:p>
             <a:fld id="{2621A0E2-EB49-46AF-BE08-F716F4E2D908}" type="datetimeFigureOut">
               <a:rPr lang="ru-RU" smtClean="0"/>
-              <a:t>02.12.2024</a:t>
+              <a:t>06.12.2024</a:t>
             </a:fld>
             <a:endParaRPr lang="ru-RU"/>
           </a:p>
@@ -1272,7 +1308,7 @@
           <a:p>
             <a:fld id="{2621A0E2-EB49-46AF-BE08-F716F4E2D908}" type="datetimeFigureOut">
               <a:rPr lang="ru-RU" smtClean="0"/>
-              <a:t>02.12.2024</a:t>
+              <a:t>06.12.2024</a:t>
             </a:fld>
             <a:endParaRPr lang="ru-RU"/>
           </a:p>
@@ -1657,7 +1693,7 @@
           <a:p>
             <a:fld id="{2621A0E2-EB49-46AF-BE08-F716F4E2D908}" type="datetimeFigureOut">
               <a:rPr lang="ru-RU" smtClean="0"/>
-              <a:t>02.12.2024</a:t>
+              <a:t>06.12.2024</a:t>
             </a:fld>
             <a:endParaRPr lang="ru-RU"/>
           </a:p>
@@ -1775,7 +1811,7 @@
           <a:p>
             <a:fld id="{2621A0E2-EB49-46AF-BE08-F716F4E2D908}" type="datetimeFigureOut">
               <a:rPr lang="ru-RU" smtClean="0"/>
-              <a:t>02.12.2024</a:t>
+              <a:t>06.12.2024</a:t>
             </a:fld>
             <a:endParaRPr lang="ru-RU"/>
           </a:p>
@@ -1870,7 +1906,7 @@
           <a:p>
             <a:fld id="{2621A0E2-EB49-46AF-BE08-F716F4E2D908}" type="datetimeFigureOut">
               <a:rPr lang="ru-RU" smtClean="0"/>
-              <a:t>02.12.2024</a:t>
+              <a:t>06.12.2024</a:t>
             </a:fld>
             <a:endParaRPr lang="ru-RU"/>
           </a:p>
@@ -2121,7 +2157,7 @@
           <a:p>
             <a:fld id="{2621A0E2-EB49-46AF-BE08-F716F4E2D908}" type="datetimeFigureOut">
               <a:rPr lang="ru-RU" smtClean="0"/>
-              <a:t>02.12.2024</a:t>
+              <a:t>06.12.2024</a:t>
             </a:fld>
             <a:endParaRPr lang="ru-RU"/>
           </a:p>
@@ -2512,7 +2548,7 @@
           <a:p>
             <a:fld id="{2621A0E2-EB49-46AF-BE08-F716F4E2D908}" type="datetimeFigureOut">
               <a:rPr lang="ru-RU" smtClean="0"/>
-              <a:t>02.12.2024</a:t>
+              <a:t>06.12.2024</a:t>
             </a:fld>
             <a:endParaRPr lang="ru-RU"/>
           </a:p>
@@ -2730,7 +2766,7 @@
           <a:p>
             <a:fld id="{2621A0E2-EB49-46AF-BE08-F716F4E2D908}" type="datetimeFigureOut">
               <a:rPr lang="ru-RU" smtClean="0"/>
-              <a:t>02.12.2024</a:t>
+              <a:t>06.12.2024</a:t>
             </a:fld>
             <a:endParaRPr lang="ru-RU"/>
           </a:p>
@@ -3684,6 +3720,2610 @@
 </p:sld>
 </file>
 
+<file path=ppt/slides/slide10.xml><?xml version="1.0" encoding="utf-8"?>
+<p:sld xmlns:a="http://schemas.openxmlformats.org/drawingml/2006/main" xmlns:r="http://schemas.openxmlformats.org/officeDocument/2006/relationships" xmlns:p="http://schemas.openxmlformats.org/presentationml/2006/main">
+  <p:cSld>
+    <p:spTree>
+      <p:nvGrpSpPr>
+        <p:cNvPr id="1" name="">
+          <a:extLst>
+            <a:ext uri="{FF2B5EF4-FFF2-40B4-BE49-F238E27FC236}">
+              <a16:creationId xmlns:a16="http://schemas.microsoft.com/office/drawing/2014/main" id="{49CAB707-1DB8-51CD-C7EC-B66DCDA75A24}"/>
+            </a:ext>
+          </a:extLst>
+        </p:cNvPr>
+        <p:cNvGrpSpPr/>
+        <p:nvPr/>
+      </p:nvGrpSpPr>
+      <p:grpSpPr>
+        <a:xfrm>
+          <a:off x="0" y="0"/>
+          <a:ext cx="0" cy="0"/>
+          <a:chOff x="0" y="0"/>
+          <a:chExt cx="0" cy="0"/>
+        </a:xfrm>
+      </p:grpSpPr>
+      <p:sp>
+        <p:nvSpPr>
+          <p:cNvPr id="2" name="Заголовок 1">
+            <a:extLst>
+              <a:ext uri="{FF2B5EF4-FFF2-40B4-BE49-F238E27FC236}">
+                <a16:creationId xmlns:a16="http://schemas.microsoft.com/office/drawing/2014/main" id="{9E1B3CCB-15B4-F070-A78D-67540A863295}"/>
+              </a:ext>
+            </a:extLst>
+          </p:cNvPr>
+          <p:cNvSpPr>
+            <a:spLocks noGrp="1"/>
+          </p:cNvSpPr>
+          <p:nvPr>
+            <p:ph type="title"/>
+          </p:nvPr>
+        </p:nvSpPr>
+        <p:spPr/>
+        <p:txBody>
+          <a:bodyPr>
+            <a:noAutofit/>
+          </a:bodyPr>
+          <a:lstStyle/>
+          <a:p>
+            <a:pPr algn="l"/>
+            <a:r>
+              <a:rPr lang="ru-RU" sz="4400" cap="none" dirty="0"/>
+              <a:t>Результаты работа алгоритма</a:t>
+            </a:r>
+            <a:endParaRPr lang="ru-RU" sz="4400" dirty="0"/>
+          </a:p>
+        </p:txBody>
+      </p:sp>
+      <p:sp>
+        <p:nvSpPr>
+          <p:cNvPr id="3" name="Объект 2">
+            <a:extLst>
+              <a:ext uri="{FF2B5EF4-FFF2-40B4-BE49-F238E27FC236}">
+                <a16:creationId xmlns:a16="http://schemas.microsoft.com/office/drawing/2014/main" id="{F03796EA-6E43-735A-024B-980655A64A3E}"/>
+              </a:ext>
+            </a:extLst>
+          </p:cNvPr>
+          <p:cNvSpPr>
+            <a:spLocks noGrp="1"/>
+          </p:cNvSpPr>
+          <p:nvPr>
+            <p:ph idx="1"/>
+          </p:nvPr>
+        </p:nvSpPr>
+        <p:spPr/>
+        <p:txBody>
+          <a:bodyPr/>
+          <a:lstStyle/>
+          <a:p>
+            <a:r>
+              <a:rPr lang="ru-RU" dirty="0"/>
+              <a:t>Результаты работы алгоритма </a:t>
+            </a:r>
+            <a:r>
+              <a:rPr lang="ru-RU" dirty="0" err="1"/>
+              <a:t>Канни</a:t>
+            </a:r>
+            <a:r>
+              <a:rPr lang="ru-RU" dirty="0"/>
+              <a:t> для 3-х пороговых значений на изображении 2</a:t>
+            </a:r>
+          </a:p>
+          <a:p>
+            <a:endParaRPr lang="ru-RU" dirty="0"/>
+          </a:p>
+        </p:txBody>
+      </p:sp>
+      <p:pic>
+        <p:nvPicPr>
+          <p:cNvPr id="12" name="Рисунок 11">
+            <a:extLst>
+              <a:ext uri="{FF2B5EF4-FFF2-40B4-BE49-F238E27FC236}">
+                <a16:creationId xmlns:a16="http://schemas.microsoft.com/office/drawing/2014/main" id="{5E0231E2-058A-8FA1-A618-C5A520E6A240}"/>
+              </a:ext>
+            </a:extLst>
+          </p:cNvPr>
+          <p:cNvPicPr>
+            <a:picLocks noChangeAspect="1"/>
+          </p:cNvPicPr>
+          <p:nvPr/>
+        </p:nvPicPr>
+        <p:blipFill>
+          <a:blip r:embed="rId2"/>
+          <a:stretch>
+            <a:fillRect/>
+          </a:stretch>
+        </p:blipFill>
+        <p:spPr>
+          <a:xfrm>
+            <a:off x="1001983" y="2848788"/>
+            <a:ext cx="2923245" cy="3105963"/>
+          </a:xfrm>
+          <a:prstGeom prst="rect">
+            <a:avLst/>
+          </a:prstGeom>
+        </p:spPr>
+      </p:pic>
+      <p:pic>
+        <p:nvPicPr>
+          <p:cNvPr id="14" name="Рисунок 13">
+            <a:extLst>
+              <a:ext uri="{FF2B5EF4-FFF2-40B4-BE49-F238E27FC236}">
+                <a16:creationId xmlns:a16="http://schemas.microsoft.com/office/drawing/2014/main" id="{33015973-E70B-8516-9AE6-05E20EC1FBF6}"/>
+              </a:ext>
+            </a:extLst>
+          </p:cNvPr>
+          <p:cNvPicPr>
+            <a:picLocks noChangeAspect="1"/>
+          </p:cNvPicPr>
+          <p:nvPr/>
+        </p:nvPicPr>
+        <p:blipFill>
+          <a:blip r:embed="rId3"/>
+          <a:stretch>
+            <a:fillRect/>
+          </a:stretch>
+        </p:blipFill>
+        <p:spPr>
+          <a:xfrm>
+            <a:off x="4636002" y="2799420"/>
+            <a:ext cx="2846465" cy="3165363"/>
+          </a:xfrm>
+          <a:prstGeom prst="rect">
+            <a:avLst/>
+          </a:prstGeom>
+        </p:spPr>
+      </p:pic>
+      <p:pic>
+        <p:nvPicPr>
+          <p:cNvPr id="16" name="Рисунок 15">
+            <a:extLst>
+              <a:ext uri="{FF2B5EF4-FFF2-40B4-BE49-F238E27FC236}">
+                <a16:creationId xmlns:a16="http://schemas.microsoft.com/office/drawing/2014/main" id="{576FEAF8-ADFE-FF86-C3CA-CDCB357A1FBD}"/>
+              </a:ext>
+            </a:extLst>
+          </p:cNvPr>
+          <p:cNvPicPr>
+            <a:picLocks noChangeAspect="1"/>
+          </p:cNvPicPr>
+          <p:nvPr/>
+        </p:nvPicPr>
+        <p:blipFill>
+          <a:blip r:embed="rId4"/>
+          <a:stretch>
+            <a:fillRect/>
+          </a:stretch>
+        </p:blipFill>
+        <p:spPr>
+          <a:xfrm>
+            <a:off x="8269675" y="2780254"/>
+            <a:ext cx="2892696" cy="3207383"/>
+          </a:xfrm>
+          <a:prstGeom prst="rect">
+            <a:avLst/>
+          </a:prstGeom>
+        </p:spPr>
+      </p:pic>
+    </p:spTree>
+    <p:extLst>
+      <p:ext uri="{BB962C8B-B14F-4D97-AF65-F5344CB8AC3E}">
+        <p14:creationId xmlns:p14="http://schemas.microsoft.com/office/powerpoint/2010/main" val="1048655478"/>
+      </p:ext>
+    </p:extLst>
+  </p:cSld>
+  <p:clrMapOvr>
+    <a:masterClrMapping/>
+  </p:clrMapOvr>
+</p:sld>
+</file>
+
+<file path=ppt/slides/slide11.xml><?xml version="1.0" encoding="utf-8"?>
+<p:sld xmlns:a="http://schemas.openxmlformats.org/drawingml/2006/main" xmlns:r="http://schemas.openxmlformats.org/officeDocument/2006/relationships" xmlns:p="http://schemas.openxmlformats.org/presentationml/2006/main">
+  <p:cSld>
+    <p:spTree>
+      <p:nvGrpSpPr>
+        <p:cNvPr id="1" name="">
+          <a:extLst>
+            <a:ext uri="{FF2B5EF4-FFF2-40B4-BE49-F238E27FC236}">
+              <a16:creationId xmlns:a16="http://schemas.microsoft.com/office/drawing/2014/main" id="{2EAA787C-54AD-15A6-4B50-44852BA07876}"/>
+            </a:ext>
+          </a:extLst>
+        </p:cNvPr>
+        <p:cNvGrpSpPr/>
+        <p:nvPr/>
+      </p:nvGrpSpPr>
+      <p:grpSpPr>
+        <a:xfrm>
+          <a:off x="0" y="0"/>
+          <a:ext cx="0" cy="0"/>
+          <a:chOff x="0" y="0"/>
+          <a:chExt cx="0" cy="0"/>
+        </a:xfrm>
+      </p:grpSpPr>
+      <p:sp>
+        <p:nvSpPr>
+          <p:cNvPr id="2" name="Заголовок 1">
+            <a:extLst>
+              <a:ext uri="{FF2B5EF4-FFF2-40B4-BE49-F238E27FC236}">
+                <a16:creationId xmlns:a16="http://schemas.microsoft.com/office/drawing/2014/main" id="{D2360D94-5C24-467D-B78E-DBD2F9414952}"/>
+              </a:ext>
+            </a:extLst>
+          </p:cNvPr>
+          <p:cNvSpPr>
+            <a:spLocks noGrp="1"/>
+          </p:cNvSpPr>
+          <p:nvPr>
+            <p:ph type="title"/>
+          </p:nvPr>
+        </p:nvSpPr>
+        <p:spPr/>
+        <p:txBody>
+          <a:bodyPr>
+            <a:noAutofit/>
+          </a:bodyPr>
+          <a:lstStyle/>
+          <a:p>
+            <a:pPr algn="l"/>
+            <a:r>
+              <a:rPr lang="ru-RU" sz="4400" cap="none" dirty="0"/>
+              <a:t>Результаты работа алгоритма</a:t>
+            </a:r>
+            <a:endParaRPr lang="ru-RU" sz="4400" dirty="0"/>
+          </a:p>
+        </p:txBody>
+      </p:sp>
+      <p:sp>
+        <p:nvSpPr>
+          <p:cNvPr id="3" name="Объект 2">
+            <a:extLst>
+              <a:ext uri="{FF2B5EF4-FFF2-40B4-BE49-F238E27FC236}">
+                <a16:creationId xmlns:a16="http://schemas.microsoft.com/office/drawing/2014/main" id="{DB87C14E-891E-9199-E388-57DDF5760D22}"/>
+              </a:ext>
+            </a:extLst>
+          </p:cNvPr>
+          <p:cNvSpPr>
+            <a:spLocks noGrp="1"/>
+          </p:cNvSpPr>
+          <p:nvPr>
+            <p:ph idx="1"/>
+          </p:nvPr>
+        </p:nvSpPr>
+        <p:spPr/>
+        <p:txBody>
+          <a:bodyPr/>
+          <a:lstStyle/>
+          <a:p>
+            <a:r>
+              <a:rPr lang="ru-RU" dirty="0"/>
+              <a:t>Результаты работы алгоритма </a:t>
+            </a:r>
+            <a:r>
+              <a:rPr lang="ru-RU" dirty="0" err="1"/>
+              <a:t>Канни</a:t>
+            </a:r>
+            <a:r>
+              <a:rPr lang="ru-RU" dirty="0"/>
+              <a:t> для 3-х пороговых значений на изображении 3</a:t>
+            </a:r>
+          </a:p>
+          <a:p>
+            <a:endParaRPr lang="ru-RU" dirty="0"/>
+          </a:p>
+        </p:txBody>
+      </p:sp>
+      <p:pic>
+        <p:nvPicPr>
+          <p:cNvPr id="6" name="Рисунок 5">
+            <a:extLst>
+              <a:ext uri="{FF2B5EF4-FFF2-40B4-BE49-F238E27FC236}">
+                <a16:creationId xmlns:a16="http://schemas.microsoft.com/office/drawing/2014/main" id="{1CDFCEFE-19E9-603C-7D82-DED7EFA81E03}"/>
+              </a:ext>
+            </a:extLst>
+          </p:cNvPr>
+          <p:cNvPicPr>
+            <a:picLocks noChangeAspect="1"/>
+          </p:cNvPicPr>
+          <p:nvPr/>
+        </p:nvPicPr>
+        <p:blipFill>
+          <a:blip r:embed="rId2"/>
+          <a:stretch>
+            <a:fillRect/>
+          </a:stretch>
+        </p:blipFill>
+        <p:spPr>
+          <a:xfrm>
+            <a:off x="1089683" y="2941789"/>
+            <a:ext cx="2467556" cy="3232618"/>
+          </a:xfrm>
+          <a:prstGeom prst="rect">
+            <a:avLst/>
+          </a:prstGeom>
+        </p:spPr>
+      </p:pic>
+      <p:pic>
+        <p:nvPicPr>
+          <p:cNvPr id="8" name="Рисунок 7">
+            <a:extLst>
+              <a:ext uri="{FF2B5EF4-FFF2-40B4-BE49-F238E27FC236}">
+                <a16:creationId xmlns:a16="http://schemas.microsoft.com/office/drawing/2014/main" id="{815D046D-239D-A345-508B-02F156970A9A}"/>
+              </a:ext>
+            </a:extLst>
+          </p:cNvPr>
+          <p:cNvPicPr>
+            <a:picLocks noChangeAspect="1"/>
+          </p:cNvPicPr>
+          <p:nvPr/>
+        </p:nvPicPr>
+        <p:blipFill>
+          <a:blip r:embed="rId3"/>
+          <a:stretch>
+            <a:fillRect/>
+          </a:stretch>
+        </p:blipFill>
+        <p:spPr>
+          <a:xfrm>
+            <a:off x="4433539" y="2927580"/>
+            <a:ext cx="2837056" cy="3261347"/>
+          </a:xfrm>
+          <a:prstGeom prst="rect">
+            <a:avLst/>
+          </a:prstGeom>
+        </p:spPr>
+      </p:pic>
+      <p:pic>
+        <p:nvPicPr>
+          <p:cNvPr id="10" name="Рисунок 9">
+            <a:extLst>
+              <a:ext uri="{FF2B5EF4-FFF2-40B4-BE49-F238E27FC236}">
+                <a16:creationId xmlns:a16="http://schemas.microsoft.com/office/drawing/2014/main" id="{171A57DA-12D0-5C5D-500B-ADD1E63E7CE1}"/>
+              </a:ext>
+            </a:extLst>
+          </p:cNvPr>
+          <p:cNvPicPr>
+            <a:picLocks noChangeAspect="1"/>
+          </p:cNvPicPr>
+          <p:nvPr/>
+        </p:nvPicPr>
+        <p:blipFill>
+          <a:blip r:embed="rId4"/>
+          <a:stretch>
+            <a:fillRect/>
+          </a:stretch>
+        </p:blipFill>
+        <p:spPr>
+          <a:xfrm>
+            <a:off x="8286982" y="2966223"/>
+            <a:ext cx="2864238" cy="3233855"/>
+          </a:xfrm>
+          <a:prstGeom prst="rect">
+            <a:avLst/>
+          </a:prstGeom>
+        </p:spPr>
+      </p:pic>
+    </p:spTree>
+    <p:extLst>
+      <p:ext uri="{BB962C8B-B14F-4D97-AF65-F5344CB8AC3E}">
+        <p14:creationId xmlns:p14="http://schemas.microsoft.com/office/powerpoint/2010/main" val="2234062827"/>
+      </p:ext>
+    </p:extLst>
+  </p:cSld>
+  <p:clrMapOvr>
+    <a:masterClrMapping/>
+  </p:clrMapOvr>
+</p:sld>
+</file>
+
+<file path=ppt/slides/slide12.xml><?xml version="1.0" encoding="utf-8"?>
+<p:sld xmlns:a="http://schemas.openxmlformats.org/drawingml/2006/main" xmlns:r="http://schemas.openxmlformats.org/officeDocument/2006/relationships" xmlns:p="http://schemas.openxmlformats.org/presentationml/2006/main">
+  <p:cSld>
+    <p:spTree>
+      <p:nvGrpSpPr>
+        <p:cNvPr id="1" name="">
+          <a:extLst>
+            <a:ext uri="{FF2B5EF4-FFF2-40B4-BE49-F238E27FC236}">
+              <a16:creationId xmlns:a16="http://schemas.microsoft.com/office/drawing/2014/main" id="{9985F81C-936C-0A22-CD5C-A4067FC6732A}"/>
+            </a:ext>
+          </a:extLst>
+        </p:cNvPr>
+        <p:cNvGrpSpPr/>
+        <p:nvPr/>
+      </p:nvGrpSpPr>
+      <p:grpSpPr>
+        <a:xfrm>
+          <a:off x="0" y="0"/>
+          <a:ext cx="0" cy="0"/>
+          <a:chOff x="0" y="0"/>
+          <a:chExt cx="0" cy="0"/>
+        </a:xfrm>
+      </p:grpSpPr>
+      <p:sp>
+        <p:nvSpPr>
+          <p:cNvPr id="2" name="Заголовок 1">
+            <a:extLst>
+              <a:ext uri="{FF2B5EF4-FFF2-40B4-BE49-F238E27FC236}">
+                <a16:creationId xmlns:a16="http://schemas.microsoft.com/office/drawing/2014/main" id="{FF03E7C2-3D4E-664C-AA68-BE80E8858406}"/>
+              </a:ext>
+            </a:extLst>
+          </p:cNvPr>
+          <p:cNvSpPr>
+            <a:spLocks noGrp="1"/>
+          </p:cNvSpPr>
+          <p:nvPr>
+            <p:ph type="title"/>
+          </p:nvPr>
+        </p:nvSpPr>
+        <p:spPr/>
+        <p:txBody>
+          <a:bodyPr>
+            <a:noAutofit/>
+          </a:bodyPr>
+          <a:lstStyle/>
+          <a:p>
+            <a:pPr algn="l"/>
+            <a:r>
+              <a:rPr lang="ru-RU" sz="4400" cap="none" dirty="0"/>
+              <a:t>Результаты работа алгоритма</a:t>
+            </a:r>
+            <a:endParaRPr lang="ru-RU" sz="4400" dirty="0"/>
+          </a:p>
+        </p:txBody>
+      </p:sp>
+      <p:sp>
+        <p:nvSpPr>
+          <p:cNvPr id="3" name="Объект 2">
+            <a:extLst>
+              <a:ext uri="{FF2B5EF4-FFF2-40B4-BE49-F238E27FC236}">
+                <a16:creationId xmlns:a16="http://schemas.microsoft.com/office/drawing/2014/main" id="{4CCB2939-A9DD-3F4A-989C-3183741A9E4F}"/>
+              </a:ext>
+            </a:extLst>
+          </p:cNvPr>
+          <p:cNvSpPr>
+            <a:spLocks noGrp="1"/>
+          </p:cNvSpPr>
+          <p:nvPr>
+            <p:ph idx="1"/>
+          </p:nvPr>
+        </p:nvSpPr>
+        <p:spPr/>
+        <p:txBody>
+          <a:bodyPr/>
+          <a:lstStyle/>
+          <a:p>
+            <a:r>
+              <a:rPr lang="ru-RU" dirty="0"/>
+              <a:t>Результаты работы алгоритма </a:t>
+            </a:r>
+            <a:r>
+              <a:rPr lang="ru-RU" dirty="0" err="1"/>
+              <a:t>Канни</a:t>
+            </a:r>
+            <a:r>
+              <a:rPr lang="ru-RU" dirty="0"/>
+              <a:t> для 3-х пороговых значений на изображении 4</a:t>
+            </a:r>
+          </a:p>
+          <a:p>
+            <a:endParaRPr lang="ru-RU" dirty="0"/>
+          </a:p>
+        </p:txBody>
+      </p:sp>
+      <p:pic>
+        <p:nvPicPr>
+          <p:cNvPr id="6" name="Рисунок 5">
+            <a:extLst>
+              <a:ext uri="{FF2B5EF4-FFF2-40B4-BE49-F238E27FC236}">
+                <a16:creationId xmlns:a16="http://schemas.microsoft.com/office/drawing/2014/main" id="{82CC6091-AF13-76A6-BDF0-772CEC3A505C}"/>
+              </a:ext>
+            </a:extLst>
+          </p:cNvPr>
+          <p:cNvPicPr>
+            <a:picLocks noChangeAspect="1"/>
+          </p:cNvPicPr>
+          <p:nvPr/>
+        </p:nvPicPr>
+        <p:blipFill>
+          <a:blip r:embed="rId2"/>
+          <a:stretch>
+            <a:fillRect/>
+          </a:stretch>
+        </p:blipFill>
+        <p:spPr>
+          <a:xfrm>
+            <a:off x="342319" y="2759927"/>
+            <a:ext cx="3404491" cy="3072161"/>
+          </a:xfrm>
+          <a:prstGeom prst="rect">
+            <a:avLst/>
+          </a:prstGeom>
+        </p:spPr>
+      </p:pic>
+      <p:pic>
+        <p:nvPicPr>
+          <p:cNvPr id="8" name="Рисунок 7">
+            <a:extLst>
+              <a:ext uri="{FF2B5EF4-FFF2-40B4-BE49-F238E27FC236}">
+                <a16:creationId xmlns:a16="http://schemas.microsoft.com/office/drawing/2014/main" id="{14417395-E260-E071-9A68-14148FAAF634}"/>
+              </a:ext>
+            </a:extLst>
+          </p:cNvPr>
+          <p:cNvPicPr>
+            <a:picLocks noChangeAspect="1"/>
+          </p:cNvPicPr>
+          <p:nvPr/>
+        </p:nvPicPr>
+        <p:blipFill>
+          <a:blip r:embed="rId3"/>
+          <a:stretch>
+            <a:fillRect/>
+          </a:stretch>
+        </p:blipFill>
+        <p:spPr>
+          <a:xfrm>
+            <a:off x="4234095" y="2724848"/>
+            <a:ext cx="3549457" cy="3074308"/>
+          </a:xfrm>
+          <a:prstGeom prst="rect">
+            <a:avLst/>
+          </a:prstGeom>
+        </p:spPr>
+      </p:pic>
+      <p:pic>
+        <p:nvPicPr>
+          <p:cNvPr id="10" name="Рисунок 9">
+            <a:extLst>
+              <a:ext uri="{FF2B5EF4-FFF2-40B4-BE49-F238E27FC236}">
+                <a16:creationId xmlns:a16="http://schemas.microsoft.com/office/drawing/2014/main" id="{AEDC3275-B34B-0C23-FCCC-0F3A8132029A}"/>
+              </a:ext>
+            </a:extLst>
+          </p:cNvPr>
+          <p:cNvPicPr>
+            <a:picLocks noChangeAspect="1"/>
+          </p:cNvPicPr>
+          <p:nvPr/>
+        </p:nvPicPr>
+        <p:blipFill>
+          <a:blip r:embed="rId4"/>
+          <a:stretch>
+            <a:fillRect/>
+          </a:stretch>
+        </p:blipFill>
+        <p:spPr>
+          <a:xfrm>
+            <a:off x="8198112" y="2732049"/>
+            <a:ext cx="3677937" cy="3077736"/>
+          </a:xfrm>
+          <a:prstGeom prst="rect">
+            <a:avLst/>
+          </a:prstGeom>
+        </p:spPr>
+      </p:pic>
+    </p:spTree>
+    <p:extLst>
+      <p:ext uri="{BB962C8B-B14F-4D97-AF65-F5344CB8AC3E}">
+        <p14:creationId xmlns:p14="http://schemas.microsoft.com/office/powerpoint/2010/main" val="3958005280"/>
+      </p:ext>
+    </p:extLst>
+  </p:cSld>
+  <p:clrMapOvr>
+    <a:masterClrMapping/>
+  </p:clrMapOvr>
+</p:sld>
+</file>
+
+<file path=ppt/slides/slide13.xml><?xml version="1.0" encoding="utf-8"?>
+<p:sld xmlns:a="http://schemas.openxmlformats.org/drawingml/2006/main" xmlns:r="http://schemas.openxmlformats.org/officeDocument/2006/relationships" xmlns:p="http://schemas.openxmlformats.org/presentationml/2006/main">
+  <p:cSld>
+    <p:spTree>
+      <p:nvGrpSpPr>
+        <p:cNvPr id="1" name="">
+          <a:extLst>
+            <a:ext uri="{FF2B5EF4-FFF2-40B4-BE49-F238E27FC236}">
+              <a16:creationId xmlns:a16="http://schemas.microsoft.com/office/drawing/2014/main" id="{4BE7BFDD-128B-75CB-037B-ECBCED7133F1}"/>
+            </a:ext>
+          </a:extLst>
+        </p:cNvPr>
+        <p:cNvGrpSpPr/>
+        <p:nvPr/>
+      </p:nvGrpSpPr>
+      <p:grpSpPr>
+        <a:xfrm>
+          <a:off x="0" y="0"/>
+          <a:ext cx="0" cy="0"/>
+          <a:chOff x="0" y="0"/>
+          <a:chExt cx="0" cy="0"/>
+        </a:xfrm>
+      </p:grpSpPr>
+      <p:sp>
+        <p:nvSpPr>
+          <p:cNvPr id="2" name="Заголовок 1">
+            <a:extLst>
+              <a:ext uri="{FF2B5EF4-FFF2-40B4-BE49-F238E27FC236}">
+                <a16:creationId xmlns:a16="http://schemas.microsoft.com/office/drawing/2014/main" id="{7DDF55BE-B54D-E413-0AEF-A588D92EF681}"/>
+              </a:ext>
+            </a:extLst>
+          </p:cNvPr>
+          <p:cNvSpPr>
+            <a:spLocks noGrp="1"/>
+          </p:cNvSpPr>
+          <p:nvPr>
+            <p:ph type="title"/>
+          </p:nvPr>
+        </p:nvSpPr>
+        <p:spPr/>
+        <p:txBody>
+          <a:bodyPr>
+            <a:noAutofit/>
+          </a:bodyPr>
+          <a:lstStyle/>
+          <a:p>
+            <a:pPr algn="l"/>
+            <a:r>
+              <a:rPr lang="ru-RU" sz="4400" cap="none" dirty="0"/>
+              <a:t>Результаты работа алгоритма</a:t>
+            </a:r>
+            <a:endParaRPr lang="ru-RU" sz="4400" dirty="0"/>
+          </a:p>
+        </p:txBody>
+      </p:sp>
+      <p:sp>
+        <p:nvSpPr>
+          <p:cNvPr id="3" name="Объект 2">
+            <a:extLst>
+              <a:ext uri="{FF2B5EF4-FFF2-40B4-BE49-F238E27FC236}">
+                <a16:creationId xmlns:a16="http://schemas.microsoft.com/office/drawing/2014/main" id="{728D48A9-F282-239C-8346-1EBFF9D44001}"/>
+              </a:ext>
+            </a:extLst>
+          </p:cNvPr>
+          <p:cNvSpPr>
+            <a:spLocks noGrp="1"/>
+          </p:cNvSpPr>
+          <p:nvPr>
+            <p:ph idx="1"/>
+          </p:nvPr>
+        </p:nvSpPr>
+        <p:spPr/>
+        <p:txBody>
+          <a:bodyPr/>
+          <a:lstStyle/>
+          <a:p>
+            <a:r>
+              <a:rPr lang="ru-RU" dirty="0"/>
+              <a:t>Результаты работы алгоритма </a:t>
+            </a:r>
+            <a:r>
+              <a:rPr lang="ru-RU" dirty="0" err="1"/>
+              <a:t>Канни</a:t>
+            </a:r>
+            <a:r>
+              <a:rPr lang="ru-RU" dirty="0"/>
+              <a:t> для 3-х пороговых значений на изображении 5</a:t>
+            </a:r>
+          </a:p>
+          <a:p>
+            <a:endParaRPr lang="ru-RU" dirty="0"/>
+          </a:p>
+        </p:txBody>
+      </p:sp>
+      <p:pic>
+        <p:nvPicPr>
+          <p:cNvPr id="6" name="Рисунок 5">
+            <a:extLst>
+              <a:ext uri="{FF2B5EF4-FFF2-40B4-BE49-F238E27FC236}">
+                <a16:creationId xmlns:a16="http://schemas.microsoft.com/office/drawing/2014/main" id="{ACBF1CA2-710B-77A9-7080-74A67D5FECC7}"/>
+              </a:ext>
+            </a:extLst>
+          </p:cNvPr>
+          <p:cNvPicPr>
+            <a:picLocks noChangeAspect="1"/>
+          </p:cNvPicPr>
+          <p:nvPr/>
+        </p:nvPicPr>
+        <p:blipFill>
+          <a:blip r:embed="rId2"/>
+          <a:stretch>
+            <a:fillRect/>
+          </a:stretch>
+        </p:blipFill>
+        <p:spPr>
+          <a:xfrm>
+            <a:off x="585322" y="2873064"/>
+            <a:ext cx="3615459" cy="2646789"/>
+          </a:xfrm>
+          <a:prstGeom prst="rect">
+            <a:avLst/>
+          </a:prstGeom>
+        </p:spPr>
+      </p:pic>
+      <p:pic>
+        <p:nvPicPr>
+          <p:cNvPr id="8" name="Рисунок 7">
+            <a:extLst>
+              <a:ext uri="{FF2B5EF4-FFF2-40B4-BE49-F238E27FC236}">
+                <a16:creationId xmlns:a16="http://schemas.microsoft.com/office/drawing/2014/main" id="{428AB809-38D1-C8D1-A3D2-5E07CAAFC552}"/>
+              </a:ext>
+            </a:extLst>
+          </p:cNvPr>
+          <p:cNvPicPr>
+            <a:picLocks noChangeAspect="1"/>
+          </p:cNvPicPr>
+          <p:nvPr/>
+        </p:nvPicPr>
+        <p:blipFill>
+          <a:blip r:embed="rId3"/>
+          <a:stretch>
+            <a:fillRect/>
+          </a:stretch>
+        </p:blipFill>
+        <p:spPr>
+          <a:xfrm>
+            <a:off x="4371858" y="2914534"/>
+            <a:ext cx="3433996" cy="2611958"/>
+          </a:xfrm>
+          <a:prstGeom prst="rect">
+            <a:avLst/>
+          </a:prstGeom>
+        </p:spPr>
+      </p:pic>
+      <p:pic>
+        <p:nvPicPr>
+          <p:cNvPr id="10" name="Рисунок 9">
+            <a:extLst>
+              <a:ext uri="{FF2B5EF4-FFF2-40B4-BE49-F238E27FC236}">
+                <a16:creationId xmlns:a16="http://schemas.microsoft.com/office/drawing/2014/main" id="{B8BCC528-03BA-9F75-5CB0-843EBDF40F42}"/>
+              </a:ext>
+            </a:extLst>
+          </p:cNvPr>
+          <p:cNvPicPr>
+            <a:picLocks noChangeAspect="1"/>
+          </p:cNvPicPr>
+          <p:nvPr/>
+        </p:nvPicPr>
+        <p:blipFill>
+          <a:blip r:embed="rId4"/>
+          <a:stretch>
+            <a:fillRect/>
+          </a:stretch>
+        </p:blipFill>
+        <p:spPr>
+          <a:xfrm>
+            <a:off x="8051761" y="2925684"/>
+            <a:ext cx="3478600" cy="2594170"/>
+          </a:xfrm>
+          <a:prstGeom prst="rect">
+            <a:avLst/>
+          </a:prstGeom>
+        </p:spPr>
+      </p:pic>
+    </p:spTree>
+    <p:extLst>
+      <p:ext uri="{BB962C8B-B14F-4D97-AF65-F5344CB8AC3E}">
+        <p14:creationId xmlns:p14="http://schemas.microsoft.com/office/powerpoint/2010/main" val="1703785626"/>
+      </p:ext>
+    </p:extLst>
+  </p:cSld>
+  <p:clrMapOvr>
+    <a:masterClrMapping/>
+  </p:clrMapOvr>
+</p:sld>
+</file>
+
+<file path=ppt/slides/slide14.xml><?xml version="1.0" encoding="utf-8"?>
+<p:sld xmlns:a="http://schemas.openxmlformats.org/drawingml/2006/main" xmlns:r="http://schemas.openxmlformats.org/officeDocument/2006/relationships" xmlns:p="http://schemas.openxmlformats.org/presentationml/2006/main">
+  <p:cSld>
+    <p:spTree>
+      <p:nvGrpSpPr>
+        <p:cNvPr id="1" name="">
+          <a:extLst>
+            <a:ext uri="{FF2B5EF4-FFF2-40B4-BE49-F238E27FC236}">
+              <a16:creationId xmlns:a16="http://schemas.microsoft.com/office/drawing/2014/main" id="{C206F326-0A37-5873-DEAA-369024E7A525}"/>
+            </a:ext>
+          </a:extLst>
+        </p:cNvPr>
+        <p:cNvGrpSpPr/>
+        <p:nvPr/>
+      </p:nvGrpSpPr>
+      <p:grpSpPr>
+        <a:xfrm>
+          <a:off x="0" y="0"/>
+          <a:ext cx="0" cy="0"/>
+          <a:chOff x="0" y="0"/>
+          <a:chExt cx="0" cy="0"/>
+        </a:xfrm>
+      </p:grpSpPr>
+      <p:sp>
+        <p:nvSpPr>
+          <p:cNvPr id="2" name="Заголовок 1">
+            <a:extLst>
+              <a:ext uri="{FF2B5EF4-FFF2-40B4-BE49-F238E27FC236}">
+                <a16:creationId xmlns:a16="http://schemas.microsoft.com/office/drawing/2014/main" id="{80E652BE-4DE3-D575-DA1E-9225107342DB}"/>
+              </a:ext>
+            </a:extLst>
+          </p:cNvPr>
+          <p:cNvSpPr>
+            <a:spLocks noGrp="1"/>
+          </p:cNvSpPr>
+          <p:nvPr>
+            <p:ph type="title"/>
+          </p:nvPr>
+        </p:nvSpPr>
+        <p:spPr>
+          <a:xfrm>
+            <a:off x="1072888" y="536664"/>
+            <a:ext cx="10047694" cy="1049235"/>
+          </a:xfrm>
+        </p:spPr>
+        <p:txBody>
+          <a:bodyPr>
+            <a:normAutofit/>
+          </a:bodyPr>
+          <a:lstStyle/>
+          <a:p>
+            <a:pPr algn="l"/>
+            <a:r>
+              <a:rPr lang="ru-RU" sz="4400" cap="none" dirty="0"/>
+              <a:t>Альтернативный оператор</a:t>
+            </a:r>
+            <a:endParaRPr lang="ru-RU" sz="4400" dirty="0"/>
+          </a:p>
+        </p:txBody>
+      </p:sp>
+      <p:sp>
+        <p:nvSpPr>
+          <p:cNvPr id="3" name="Объект 2">
+            <a:extLst>
+              <a:ext uri="{FF2B5EF4-FFF2-40B4-BE49-F238E27FC236}">
+                <a16:creationId xmlns:a16="http://schemas.microsoft.com/office/drawing/2014/main" id="{3B524C02-6196-6F5F-A926-A36BB64ABD31}"/>
+              </a:ext>
+            </a:extLst>
+          </p:cNvPr>
+          <p:cNvSpPr>
+            <a:spLocks noGrp="1"/>
+          </p:cNvSpPr>
+          <p:nvPr>
+            <p:ph idx="1"/>
+          </p:nvPr>
+        </p:nvSpPr>
+        <p:spPr>
+          <a:xfrm>
+            <a:off x="1071418" y="1468582"/>
+            <a:ext cx="10049163" cy="4738254"/>
+          </a:xfrm>
+        </p:spPr>
+        <p:txBody>
+          <a:bodyPr/>
+          <a:lstStyle/>
+          <a:p>
+            <a:r>
+              <a:rPr lang="ru-RU" dirty="0"/>
+              <a:t>В качестве альтернативного оператора был выбран оператор </a:t>
+            </a:r>
+            <a:r>
+              <a:rPr lang="ru-RU" dirty="0" err="1"/>
+              <a:t>Щарра</a:t>
+            </a:r>
+            <a:r>
+              <a:rPr lang="en-US" dirty="0"/>
+              <a:t>.</a:t>
+            </a:r>
+          </a:p>
+          <a:p>
+            <a:r>
+              <a:rPr lang="ru-RU" dirty="0"/>
+              <a:t>Его преимуществом является большая чувствительность к деталям и лучшая вращательная симметрия</a:t>
+            </a:r>
+          </a:p>
+          <a:p>
+            <a:endParaRPr lang="ru-RU" dirty="0"/>
+          </a:p>
+        </p:txBody>
+      </p:sp>
+      <p:pic>
+        <p:nvPicPr>
+          <p:cNvPr id="7" name="Рисунок 6">
+            <a:extLst>
+              <a:ext uri="{FF2B5EF4-FFF2-40B4-BE49-F238E27FC236}">
+                <a16:creationId xmlns:a16="http://schemas.microsoft.com/office/drawing/2014/main" id="{660042A2-66CB-6C42-3179-19EC2B6CC12A}"/>
+              </a:ext>
+            </a:extLst>
+          </p:cNvPr>
+          <p:cNvPicPr>
+            <a:picLocks noChangeAspect="1"/>
+          </p:cNvPicPr>
+          <p:nvPr/>
+        </p:nvPicPr>
+        <p:blipFill>
+          <a:blip r:embed="rId2"/>
+          <a:stretch>
+            <a:fillRect/>
+          </a:stretch>
+        </p:blipFill>
+        <p:spPr>
+          <a:xfrm>
+            <a:off x="739403" y="3407829"/>
+            <a:ext cx="3936956" cy="2323898"/>
+          </a:xfrm>
+          <a:prstGeom prst="rect">
+            <a:avLst/>
+          </a:prstGeom>
+        </p:spPr>
+      </p:pic>
+      <p:pic>
+        <p:nvPicPr>
+          <p:cNvPr id="9" name="Рисунок 8">
+            <a:extLst>
+              <a:ext uri="{FF2B5EF4-FFF2-40B4-BE49-F238E27FC236}">
+                <a16:creationId xmlns:a16="http://schemas.microsoft.com/office/drawing/2014/main" id="{92C7E1AC-910A-29D8-5905-BE665F87C4D9}"/>
+              </a:ext>
+            </a:extLst>
+          </p:cNvPr>
+          <p:cNvPicPr>
+            <a:picLocks noChangeAspect="1"/>
+          </p:cNvPicPr>
+          <p:nvPr/>
+        </p:nvPicPr>
+        <p:blipFill>
+          <a:blip r:embed="rId3"/>
+          <a:stretch>
+            <a:fillRect/>
+          </a:stretch>
+        </p:blipFill>
+        <p:spPr>
+          <a:xfrm>
+            <a:off x="6490010" y="3437086"/>
+            <a:ext cx="3936380" cy="2294642"/>
+          </a:xfrm>
+          <a:prstGeom prst="rect">
+            <a:avLst/>
+          </a:prstGeom>
+        </p:spPr>
+      </p:pic>
+    </p:spTree>
+    <p:extLst>
+      <p:ext uri="{BB962C8B-B14F-4D97-AF65-F5344CB8AC3E}">
+        <p14:creationId xmlns:p14="http://schemas.microsoft.com/office/powerpoint/2010/main" val="2599019356"/>
+      </p:ext>
+    </p:extLst>
+  </p:cSld>
+  <p:clrMapOvr>
+    <a:masterClrMapping/>
+  </p:clrMapOvr>
+</p:sld>
+</file>
+
+<file path=ppt/slides/slide15.xml><?xml version="1.0" encoding="utf-8"?>
+<p:sld xmlns:a="http://schemas.openxmlformats.org/drawingml/2006/main" xmlns:r="http://schemas.openxmlformats.org/officeDocument/2006/relationships" xmlns:p="http://schemas.openxmlformats.org/presentationml/2006/main">
+  <p:cSld>
+    <p:spTree>
+      <p:nvGrpSpPr>
+        <p:cNvPr id="1" name="">
+          <a:extLst>
+            <a:ext uri="{FF2B5EF4-FFF2-40B4-BE49-F238E27FC236}">
+              <a16:creationId xmlns:a16="http://schemas.microsoft.com/office/drawing/2014/main" id="{52E9E0D4-1CBE-C7EE-3AF0-7235158664FA}"/>
+            </a:ext>
+          </a:extLst>
+        </p:cNvPr>
+        <p:cNvGrpSpPr/>
+        <p:nvPr/>
+      </p:nvGrpSpPr>
+      <p:grpSpPr>
+        <a:xfrm>
+          <a:off x="0" y="0"/>
+          <a:ext cx="0" cy="0"/>
+          <a:chOff x="0" y="0"/>
+          <a:chExt cx="0" cy="0"/>
+        </a:xfrm>
+      </p:grpSpPr>
+      <p:sp>
+        <p:nvSpPr>
+          <p:cNvPr id="2" name="Заголовок 1">
+            <a:extLst>
+              <a:ext uri="{FF2B5EF4-FFF2-40B4-BE49-F238E27FC236}">
+                <a16:creationId xmlns:a16="http://schemas.microsoft.com/office/drawing/2014/main" id="{CAE8A836-08E3-9F34-E19A-828ED709A6A5}"/>
+              </a:ext>
+            </a:extLst>
+          </p:cNvPr>
+          <p:cNvSpPr>
+            <a:spLocks noGrp="1"/>
+          </p:cNvSpPr>
+          <p:nvPr>
+            <p:ph type="title"/>
+          </p:nvPr>
+        </p:nvSpPr>
+        <p:spPr>
+          <a:xfrm>
+            <a:off x="692728" y="804519"/>
+            <a:ext cx="10658764" cy="1049235"/>
+          </a:xfrm>
+        </p:spPr>
+        <p:txBody>
+          <a:bodyPr>
+            <a:normAutofit/>
+          </a:bodyPr>
+          <a:lstStyle/>
+          <a:p>
+            <a:pPr algn="l"/>
+            <a:r>
+              <a:rPr lang="ru-RU" sz="4400" cap="none" dirty="0"/>
+              <a:t>Выбранные параметры размытия Гаусса</a:t>
+            </a:r>
+            <a:endParaRPr lang="ru-RU" sz="4400" dirty="0"/>
+          </a:p>
+        </p:txBody>
+      </p:sp>
+      <p:graphicFrame>
+        <p:nvGraphicFramePr>
+          <p:cNvPr id="4" name="Объект 3">
+            <a:extLst>
+              <a:ext uri="{FF2B5EF4-FFF2-40B4-BE49-F238E27FC236}">
+                <a16:creationId xmlns:a16="http://schemas.microsoft.com/office/drawing/2014/main" id="{1B24329F-B8BD-034F-BF9E-739840F9EAC2}"/>
+              </a:ext>
+            </a:extLst>
+          </p:cNvPr>
+          <p:cNvGraphicFramePr>
+            <a:graphicFrameLocks noGrp="1"/>
+          </p:cNvGraphicFramePr>
+          <p:nvPr>
+            <p:ph idx="1"/>
+            <p:extLst>
+              <p:ext uri="{D42A27DB-BD31-4B8C-83A1-F6EECF244321}">
+                <p14:modId xmlns:p14="http://schemas.microsoft.com/office/powerpoint/2010/main" val="2201148828"/>
+              </p:ext>
+            </p:extLst>
+          </p:nvPr>
+        </p:nvGraphicFramePr>
+        <p:xfrm>
+          <a:off x="1792720" y="2006887"/>
+          <a:ext cx="8635136" cy="3885912"/>
+        </p:xfrm>
+        <a:graphic>
+          <a:graphicData uri="http://schemas.openxmlformats.org/drawingml/2006/table">
+            <a:tbl>
+              <a:tblPr firstRow="1" bandRow="1">
+                <a:tableStyleId>{5C22544A-7EE6-4342-B048-85BDC9FD1C3A}</a:tableStyleId>
+              </a:tblPr>
+              <a:tblGrid>
+                <a:gridCol w="2158784">
+                  <a:extLst>
+                    <a:ext uri="{9D8B030D-6E8A-4147-A177-3AD203B41FA5}">
+                      <a16:colId xmlns:a16="http://schemas.microsoft.com/office/drawing/2014/main" val="1670820282"/>
+                    </a:ext>
+                  </a:extLst>
+                </a:gridCol>
+                <a:gridCol w="2158784">
+                  <a:extLst>
+                    <a:ext uri="{9D8B030D-6E8A-4147-A177-3AD203B41FA5}">
+                      <a16:colId xmlns:a16="http://schemas.microsoft.com/office/drawing/2014/main" val="3621433772"/>
+                    </a:ext>
+                  </a:extLst>
+                </a:gridCol>
+                <a:gridCol w="2158784">
+                  <a:extLst>
+                    <a:ext uri="{9D8B030D-6E8A-4147-A177-3AD203B41FA5}">
+                      <a16:colId xmlns:a16="http://schemas.microsoft.com/office/drawing/2014/main" val="796691448"/>
+                    </a:ext>
+                  </a:extLst>
+                </a:gridCol>
+                <a:gridCol w="2158784">
+                  <a:extLst>
+                    <a:ext uri="{9D8B030D-6E8A-4147-A177-3AD203B41FA5}">
+                      <a16:colId xmlns:a16="http://schemas.microsoft.com/office/drawing/2014/main" val="1662342609"/>
+                    </a:ext>
+                  </a:extLst>
+                </a:gridCol>
+              </a:tblGrid>
+              <a:tr h="647652">
+                <a:tc>
+                  <a:txBody>
+                    <a:bodyPr/>
+                    <a:lstStyle/>
+                    <a:p>
+                      <a:r>
+                        <a:rPr lang="ru-RU" dirty="0"/>
+                        <a:t>Изображение</a:t>
+                      </a:r>
+                    </a:p>
+                  </a:txBody>
+                  <a:tcPr/>
+                </a:tc>
+                <a:tc>
+                  <a:txBody>
+                    <a:bodyPr/>
+                    <a:lstStyle/>
+                    <a:p>
+                      <a:r>
+                        <a:rPr lang="ru-RU" dirty="0"/>
+                        <a:t>Размер ядра </a:t>
+                      </a:r>
+                    </a:p>
+                  </a:txBody>
+                  <a:tcPr/>
+                </a:tc>
+                <a:tc>
+                  <a:txBody>
+                    <a:bodyPr/>
+                    <a:lstStyle/>
+                    <a:p>
+                      <a:r>
+                        <a:rPr lang="en-US" dirty="0" err="1"/>
+                        <a:t>SigmaX</a:t>
+                      </a:r>
+                      <a:endParaRPr lang="ru-RU" dirty="0"/>
+                    </a:p>
+                  </a:txBody>
+                  <a:tcPr/>
+                </a:tc>
+                <a:tc>
+                  <a:txBody>
+                    <a:bodyPr/>
+                    <a:lstStyle/>
+                    <a:p>
+                      <a:r>
+                        <a:rPr lang="en-US" dirty="0" err="1"/>
+                        <a:t>SigmaY</a:t>
+                      </a:r>
+                      <a:endParaRPr lang="ru-RU" dirty="0"/>
+                    </a:p>
+                  </a:txBody>
+                  <a:tcPr/>
+                </a:tc>
+                <a:extLst>
+                  <a:ext uri="{0D108BD9-81ED-4DB2-BD59-A6C34878D82A}">
+                    <a16:rowId xmlns:a16="http://schemas.microsoft.com/office/drawing/2014/main" val="377884934"/>
+                  </a:ext>
+                </a:extLst>
+              </a:tr>
+              <a:tr h="647652">
+                <a:tc>
+                  <a:txBody>
+                    <a:bodyPr/>
+                    <a:lstStyle/>
+                    <a:p>
+                      <a:r>
+                        <a:rPr lang="en-US" dirty="0"/>
+                        <a:t>testImage1</a:t>
+                      </a:r>
+                      <a:endParaRPr lang="ru-RU" dirty="0"/>
+                    </a:p>
+                  </a:txBody>
+                  <a:tcPr/>
+                </a:tc>
+                <a:tc>
+                  <a:txBody>
+                    <a:bodyPr/>
+                    <a:lstStyle/>
+                    <a:p>
+                      <a:r>
+                        <a:rPr lang="en-US" dirty="0"/>
+                        <a:t>5</a:t>
+                      </a:r>
+                      <a:endParaRPr lang="ru-RU" dirty="0"/>
+                    </a:p>
+                  </a:txBody>
+                  <a:tcPr/>
+                </a:tc>
+                <a:tc>
+                  <a:txBody>
+                    <a:bodyPr/>
+                    <a:lstStyle/>
+                    <a:p>
+                      <a:r>
+                        <a:rPr lang="en-US" dirty="0"/>
+                        <a:t>12</a:t>
+                      </a:r>
+                      <a:endParaRPr lang="ru-RU" dirty="0"/>
+                    </a:p>
+                  </a:txBody>
+                  <a:tcPr/>
+                </a:tc>
+                <a:tc>
+                  <a:txBody>
+                    <a:bodyPr/>
+                    <a:lstStyle/>
+                    <a:p>
+                      <a:r>
+                        <a:rPr lang="en-US" dirty="0"/>
+                        <a:t>12</a:t>
+                      </a:r>
+                      <a:endParaRPr lang="ru-RU" dirty="0"/>
+                    </a:p>
+                  </a:txBody>
+                  <a:tcPr/>
+                </a:tc>
+                <a:extLst>
+                  <a:ext uri="{0D108BD9-81ED-4DB2-BD59-A6C34878D82A}">
+                    <a16:rowId xmlns:a16="http://schemas.microsoft.com/office/drawing/2014/main" val="4115670497"/>
+                  </a:ext>
+                </a:extLst>
+              </a:tr>
+              <a:tr h="647652">
+                <a:tc>
+                  <a:txBody>
+                    <a:bodyPr/>
+                    <a:lstStyle/>
+                    <a:p>
+                      <a:r>
+                        <a:rPr lang="en-US" dirty="0"/>
+                        <a:t>testImage2</a:t>
+                      </a:r>
+                      <a:endParaRPr lang="ru-RU" dirty="0"/>
+                    </a:p>
+                  </a:txBody>
+                  <a:tcPr/>
+                </a:tc>
+                <a:tc>
+                  <a:txBody>
+                    <a:bodyPr/>
+                    <a:lstStyle/>
+                    <a:p>
+                      <a:r>
+                        <a:rPr lang="en-US" dirty="0"/>
+                        <a:t>5</a:t>
+                      </a:r>
+                      <a:endParaRPr lang="ru-RU" dirty="0"/>
+                    </a:p>
+                  </a:txBody>
+                  <a:tcPr/>
+                </a:tc>
+                <a:tc>
+                  <a:txBody>
+                    <a:bodyPr/>
+                    <a:lstStyle/>
+                    <a:p>
+                      <a:r>
+                        <a:rPr lang="en-US" dirty="0"/>
+                        <a:t>12</a:t>
+                      </a:r>
+                      <a:endParaRPr lang="ru-RU" dirty="0"/>
+                    </a:p>
+                  </a:txBody>
+                  <a:tcPr/>
+                </a:tc>
+                <a:tc>
+                  <a:txBody>
+                    <a:bodyPr/>
+                    <a:lstStyle/>
+                    <a:p>
+                      <a:r>
+                        <a:rPr lang="en-US" dirty="0"/>
+                        <a:t>12</a:t>
+                      </a:r>
+                      <a:endParaRPr lang="ru-RU" dirty="0"/>
+                    </a:p>
+                  </a:txBody>
+                  <a:tcPr/>
+                </a:tc>
+                <a:extLst>
+                  <a:ext uri="{0D108BD9-81ED-4DB2-BD59-A6C34878D82A}">
+                    <a16:rowId xmlns:a16="http://schemas.microsoft.com/office/drawing/2014/main" val="941241545"/>
+                  </a:ext>
+                </a:extLst>
+              </a:tr>
+              <a:tr h="647652">
+                <a:tc>
+                  <a:txBody>
+                    <a:bodyPr/>
+                    <a:lstStyle/>
+                    <a:p>
+                      <a:r>
+                        <a:rPr lang="en-US" dirty="0"/>
+                        <a:t>testImage3</a:t>
+                      </a:r>
+                      <a:endParaRPr lang="ru-RU" dirty="0"/>
+                    </a:p>
+                  </a:txBody>
+                  <a:tcPr/>
+                </a:tc>
+                <a:tc>
+                  <a:txBody>
+                    <a:bodyPr/>
+                    <a:lstStyle/>
+                    <a:p>
+                      <a:r>
+                        <a:rPr lang="en-US" dirty="0"/>
+                        <a:t>5</a:t>
+                      </a:r>
+                      <a:endParaRPr lang="ru-RU" dirty="0"/>
+                    </a:p>
+                  </a:txBody>
+                  <a:tcPr/>
+                </a:tc>
+                <a:tc>
+                  <a:txBody>
+                    <a:bodyPr/>
+                    <a:lstStyle/>
+                    <a:p>
+                      <a:r>
+                        <a:rPr lang="en-US" dirty="0"/>
+                        <a:t>12</a:t>
+                      </a:r>
+                      <a:endParaRPr lang="ru-RU" dirty="0"/>
+                    </a:p>
+                  </a:txBody>
+                  <a:tcPr/>
+                </a:tc>
+                <a:tc>
+                  <a:txBody>
+                    <a:bodyPr/>
+                    <a:lstStyle/>
+                    <a:p>
+                      <a:r>
+                        <a:rPr lang="en-US" dirty="0"/>
+                        <a:t>12</a:t>
+                      </a:r>
+                      <a:endParaRPr lang="ru-RU" dirty="0"/>
+                    </a:p>
+                  </a:txBody>
+                  <a:tcPr/>
+                </a:tc>
+                <a:extLst>
+                  <a:ext uri="{0D108BD9-81ED-4DB2-BD59-A6C34878D82A}">
+                    <a16:rowId xmlns:a16="http://schemas.microsoft.com/office/drawing/2014/main" val="2034160746"/>
+                  </a:ext>
+                </a:extLst>
+              </a:tr>
+              <a:tr h="647652">
+                <a:tc>
+                  <a:txBody>
+                    <a:bodyPr/>
+                    <a:lstStyle/>
+                    <a:p>
+                      <a:r>
+                        <a:rPr lang="en-US" dirty="0"/>
+                        <a:t>testImage4</a:t>
+                      </a:r>
+                      <a:endParaRPr lang="ru-RU" dirty="0"/>
+                    </a:p>
+                  </a:txBody>
+                  <a:tcPr/>
+                </a:tc>
+                <a:tc>
+                  <a:txBody>
+                    <a:bodyPr/>
+                    <a:lstStyle/>
+                    <a:p>
+                      <a:r>
+                        <a:rPr lang="ru-RU" dirty="0"/>
+                        <a:t>5</a:t>
+                      </a:r>
+                    </a:p>
+                  </a:txBody>
+                  <a:tcPr/>
+                </a:tc>
+                <a:tc>
+                  <a:txBody>
+                    <a:bodyPr/>
+                    <a:lstStyle/>
+                    <a:p>
+                      <a:r>
+                        <a:rPr lang="ru-RU" dirty="0"/>
+                        <a:t>1</a:t>
+                      </a:r>
+                      <a:r>
+                        <a:rPr lang="en-US" dirty="0"/>
+                        <a:t>2</a:t>
+                      </a:r>
+                      <a:endParaRPr lang="ru-RU" dirty="0"/>
+                    </a:p>
+                  </a:txBody>
+                  <a:tcPr/>
+                </a:tc>
+                <a:tc>
+                  <a:txBody>
+                    <a:bodyPr/>
+                    <a:lstStyle/>
+                    <a:p>
+                      <a:r>
+                        <a:rPr lang="ru-RU" dirty="0"/>
+                        <a:t>1</a:t>
+                      </a:r>
+                      <a:r>
+                        <a:rPr lang="en-US" dirty="0"/>
+                        <a:t>2</a:t>
+                      </a:r>
+                      <a:endParaRPr lang="ru-RU" dirty="0"/>
+                    </a:p>
+                  </a:txBody>
+                  <a:tcPr/>
+                </a:tc>
+                <a:extLst>
+                  <a:ext uri="{0D108BD9-81ED-4DB2-BD59-A6C34878D82A}">
+                    <a16:rowId xmlns:a16="http://schemas.microsoft.com/office/drawing/2014/main" val="1757122455"/>
+                  </a:ext>
+                </a:extLst>
+              </a:tr>
+              <a:tr h="647652">
+                <a:tc>
+                  <a:txBody>
+                    <a:bodyPr/>
+                    <a:lstStyle/>
+                    <a:p>
+                      <a:r>
+                        <a:rPr lang="en-US" dirty="0"/>
+                        <a:t>testImage5</a:t>
+                      </a:r>
+                      <a:endParaRPr lang="ru-RU" dirty="0"/>
+                    </a:p>
+                  </a:txBody>
+                  <a:tcPr/>
+                </a:tc>
+                <a:tc>
+                  <a:txBody>
+                    <a:bodyPr/>
+                    <a:lstStyle/>
+                    <a:p>
+                      <a:r>
+                        <a:rPr lang="en-US" dirty="0"/>
+                        <a:t>5</a:t>
+                      </a:r>
+                      <a:endParaRPr lang="ru-RU" dirty="0"/>
+                    </a:p>
+                  </a:txBody>
+                  <a:tcPr/>
+                </a:tc>
+                <a:tc>
+                  <a:txBody>
+                    <a:bodyPr/>
+                    <a:lstStyle/>
+                    <a:p>
+                      <a:r>
+                        <a:rPr lang="en-US" dirty="0"/>
+                        <a:t>12</a:t>
+                      </a:r>
+                      <a:endParaRPr lang="ru-RU" dirty="0"/>
+                    </a:p>
+                  </a:txBody>
+                  <a:tcPr/>
+                </a:tc>
+                <a:tc>
+                  <a:txBody>
+                    <a:bodyPr/>
+                    <a:lstStyle/>
+                    <a:p>
+                      <a:r>
+                        <a:rPr lang="en-US" dirty="0"/>
+                        <a:t>12</a:t>
+                      </a:r>
+                      <a:endParaRPr lang="ru-RU" dirty="0"/>
+                    </a:p>
+                  </a:txBody>
+                  <a:tcPr/>
+                </a:tc>
+                <a:extLst>
+                  <a:ext uri="{0D108BD9-81ED-4DB2-BD59-A6C34878D82A}">
+                    <a16:rowId xmlns:a16="http://schemas.microsoft.com/office/drawing/2014/main" val="3005754936"/>
+                  </a:ext>
+                </a:extLst>
+              </a:tr>
+            </a:tbl>
+          </a:graphicData>
+        </a:graphic>
+      </p:graphicFrame>
+    </p:spTree>
+    <p:extLst>
+      <p:ext uri="{BB962C8B-B14F-4D97-AF65-F5344CB8AC3E}">
+        <p14:creationId xmlns:p14="http://schemas.microsoft.com/office/powerpoint/2010/main" val="1426983133"/>
+      </p:ext>
+    </p:extLst>
+  </p:cSld>
+  <p:clrMapOvr>
+    <a:masterClrMapping/>
+  </p:clrMapOvr>
+</p:sld>
+</file>
+
+<file path=ppt/slides/slide16.xml><?xml version="1.0" encoding="utf-8"?>
+<p:sld xmlns:a="http://schemas.openxmlformats.org/drawingml/2006/main" xmlns:r="http://schemas.openxmlformats.org/officeDocument/2006/relationships" xmlns:p="http://schemas.openxmlformats.org/presentationml/2006/main">
+  <p:cSld>
+    <p:spTree>
+      <p:nvGrpSpPr>
+        <p:cNvPr id="1" name="">
+          <a:extLst>
+            <a:ext uri="{FF2B5EF4-FFF2-40B4-BE49-F238E27FC236}">
+              <a16:creationId xmlns:a16="http://schemas.microsoft.com/office/drawing/2014/main" id="{795FBD31-9DC0-499A-D739-96C9689460CE}"/>
+            </a:ext>
+          </a:extLst>
+        </p:cNvPr>
+        <p:cNvGrpSpPr/>
+        <p:nvPr/>
+      </p:nvGrpSpPr>
+      <p:grpSpPr>
+        <a:xfrm>
+          <a:off x="0" y="0"/>
+          <a:ext cx="0" cy="0"/>
+          <a:chOff x="0" y="0"/>
+          <a:chExt cx="0" cy="0"/>
+        </a:xfrm>
+      </p:grpSpPr>
+      <p:sp>
+        <p:nvSpPr>
+          <p:cNvPr id="2" name="Заголовок 1">
+            <a:extLst>
+              <a:ext uri="{FF2B5EF4-FFF2-40B4-BE49-F238E27FC236}">
+                <a16:creationId xmlns:a16="http://schemas.microsoft.com/office/drawing/2014/main" id="{61F0DAD0-5CC5-E55B-39FA-A96F6FECCAD9}"/>
+              </a:ext>
+            </a:extLst>
+          </p:cNvPr>
+          <p:cNvSpPr>
+            <a:spLocks noGrp="1"/>
+          </p:cNvSpPr>
+          <p:nvPr>
+            <p:ph type="title"/>
+          </p:nvPr>
+        </p:nvSpPr>
+        <p:spPr>
+          <a:xfrm>
+            <a:off x="1459345" y="804519"/>
+            <a:ext cx="9310255" cy="1049235"/>
+          </a:xfrm>
+        </p:spPr>
+        <p:txBody>
+          <a:bodyPr>
+            <a:noAutofit/>
+          </a:bodyPr>
+          <a:lstStyle/>
+          <a:p>
+            <a:pPr algn="l"/>
+            <a:r>
+              <a:rPr lang="ru-RU" sz="4400" cap="none" dirty="0"/>
+              <a:t>Выбранные пороговые значения</a:t>
+            </a:r>
+            <a:endParaRPr lang="ru-RU" sz="4400" dirty="0"/>
+          </a:p>
+        </p:txBody>
+      </p:sp>
+      <p:graphicFrame>
+        <p:nvGraphicFramePr>
+          <p:cNvPr id="4" name="Объект 3">
+            <a:extLst>
+              <a:ext uri="{FF2B5EF4-FFF2-40B4-BE49-F238E27FC236}">
+                <a16:creationId xmlns:a16="http://schemas.microsoft.com/office/drawing/2014/main" id="{7C008E12-988E-5749-E8D6-84059AEF7643}"/>
+              </a:ext>
+            </a:extLst>
+          </p:cNvPr>
+          <p:cNvGraphicFramePr>
+            <a:graphicFrameLocks/>
+          </p:cNvGraphicFramePr>
+          <p:nvPr>
+            <p:extLst>
+              <p:ext uri="{D42A27DB-BD31-4B8C-83A1-F6EECF244321}">
+                <p14:modId xmlns:p14="http://schemas.microsoft.com/office/powerpoint/2010/main" val="2940199164"/>
+              </p:ext>
+            </p:extLst>
+          </p:nvPr>
+        </p:nvGraphicFramePr>
+        <p:xfrm>
+          <a:off x="1423265" y="1831396"/>
+          <a:ext cx="8635136" cy="3885912"/>
+        </p:xfrm>
+        <a:graphic>
+          <a:graphicData uri="http://schemas.openxmlformats.org/drawingml/2006/table">
+            <a:tbl>
+              <a:tblPr firstRow="1" bandRow="1">
+                <a:tableStyleId>{5C22544A-7EE6-4342-B048-85BDC9FD1C3A}</a:tableStyleId>
+              </a:tblPr>
+              <a:tblGrid>
+                <a:gridCol w="2158784">
+                  <a:extLst>
+                    <a:ext uri="{9D8B030D-6E8A-4147-A177-3AD203B41FA5}">
+                      <a16:colId xmlns:a16="http://schemas.microsoft.com/office/drawing/2014/main" val="1670820282"/>
+                    </a:ext>
+                  </a:extLst>
+                </a:gridCol>
+                <a:gridCol w="2158784">
+                  <a:extLst>
+                    <a:ext uri="{9D8B030D-6E8A-4147-A177-3AD203B41FA5}">
+                      <a16:colId xmlns:a16="http://schemas.microsoft.com/office/drawing/2014/main" val="3621433772"/>
+                    </a:ext>
+                  </a:extLst>
+                </a:gridCol>
+                <a:gridCol w="2158784">
+                  <a:extLst>
+                    <a:ext uri="{9D8B030D-6E8A-4147-A177-3AD203B41FA5}">
+                      <a16:colId xmlns:a16="http://schemas.microsoft.com/office/drawing/2014/main" val="796691448"/>
+                    </a:ext>
+                  </a:extLst>
+                </a:gridCol>
+                <a:gridCol w="2158784">
+                  <a:extLst>
+                    <a:ext uri="{9D8B030D-6E8A-4147-A177-3AD203B41FA5}">
+                      <a16:colId xmlns:a16="http://schemas.microsoft.com/office/drawing/2014/main" val="1662342609"/>
+                    </a:ext>
+                  </a:extLst>
+                </a:gridCol>
+              </a:tblGrid>
+              <a:tr h="647652">
+                <a:tc>
+                  <a:txBody>
+                    <a:bodyPr/>
+                    <a:lstStyle/>
+                    <a:p>
+                      <a:r>
+                        <a:rPr lang="ru-RU" dirty="0"/>
+                        <a:t>Изображение</a:t>
+                      </a:r>
+                    </a:p>
+                  </a:txBody>
+                  <a:tcPr/>
+                </a:tc>
+                <a:tc>
+                  <a:txBody>
+                    <a:bodyPr/>
+                    <a:lstStyle/>
+                    <a:p>
+                      <a:r>
+                        <a:rPr lang="ru-RU" dirty="0"/>
+                        <a:t>Пороговые значения 1</a:t>
+                      </a:r>
+                    </a:p>
+                  </a:txBody>
+                  <a:tcPr/>
+                </a:tc>
+                <a:tc>
+                  <a:txBody>
+                    <a:bodyPr/>
+                    <a:lstStyle/>
+                    <a:p>
+                      <a:r>
+                        <a:rPr lang="ru-RU" dirty="0"/>
+                        <a:t>Пороговые значения 2</a:t>
+                      </a:r>
+                    </a:p>
+                  </a:txBody>
+                  <a:tcPr/>
+                </a:tc>
+                <a:tc>
+                  <a:txBody>
+                    <a:bodyPr/>
+                    <a:lstStyle/>
+                    <a:p>
+                      <a:r>
+                        <a:rPr lang="ru-RU" dirty="0"/>
+                        <a:t>Пороговые значения 3</a:t>
+                      </a:r>
+                    </a:p>
+                  </a:txBody>
+                  <a:tcPr/>
+                </a:tc>
+                <a:extLst>
+                  <a:ext uri="{0D108BD9-81ED-4DB2-BD59-A6C34878D82A}">
+                    <a16:rowId xmlns:a16="http://schemas.microsoft.com/office/drawing/2014/main" val="377884934"/>
+                  </a:ext>
+                </a:extLst>
+              </a:tr>
+              <a:tr h="647652">
+                <a:tc>
+                  <a:txBody>
+                    <a:bodyPr/>
+                    <a:lstStyle/>
+                    <a:p>
+                      <a:r>
+                        <a:rPr lang="en-US" dirty="0"/>
+                        <a:t>testImage1</a:t>
+                      </a:r>
+                      <a:endParaRPr lang="ru-RU" dirty="0"/>
+                    </a:p>
+                  </a:txBody>
+                  <a:tcPr/>
+                </a:tc>
+                <a:tc>
+                  <a:txBody>
+                    <a:bodyPr/>
+                    <a:lstStyle/>
+                    <a:p>
+                      <a:r>
+                        <a:rPr lang="ru-RU" dirty="0"/>
+                        <a:t>(</a:t>
+                      </a:r>
+                      <a:r>
+                        <a:rPr lang="en-US" dirty="0"/>
+                        <a:t>850,1000)</a:t>
+                      </a:r>
+                      <a:endParaRPr lang="ru-RU" dirty="0"/>
+                    </a:p>
+                  </a:txBody>
+                  <a:tcPr/>
+                </a:tc>
+                <a:tc>
+                  <a:txBody>
+                    <a:bodyPr/>
+                    <a:lstStyle/>
+                    <a:p>
+                      <a:r>
+                        <a:rPr lang="en-US" dirty="0"/>
+                        <a:t>(900,1000)</a:t>
+                      </a:r>
+                      <a:endParaRPr lang="ru-RU" dirty="0"/>
+                    </a:p>
+                  </a:txBody>
+                  <a:tcPr/>
+                </a:tc>
+                <a:tc>
+                  <a:txBody>
+                    <a:bodyPr/>
+                    <a:lstStyle/>
+                    <a:p>
+                      <a:r>
+                        <a:rPr lang="en-US" dirty="0"/>
+                        <a:t>(900,1050)</a:t>
+                      </a:r>
+                      <a:endParaRPr lang="ru-RU" dirty="0"/>
+                    </a:p>
+                  </a:txBody>
+                  <a:tcPr/>
+                </a:tc>
+                <a:extLst>
+                  <a:ext uri="{0D108BD9-81ED-4DB2-BD59-A6C34878D82A}">
+                    <a16:rowId xmlns:a16="http://schemas.microsoft.com/office/drawing/2014/main" val="4115670497"/>
+                  </a:ext>
+                </a:extLst>
+              </a:tr>
+              <a:tr h="647652">
+                <a:tc>
+                  <a:txBody>
+                    <a:bodyPr/>
+                    <a:lstStyle/>
+                    <a:p>
+                      <a:r>
+                        <a:rPr lang="en-US" dirty="0"/>
+                        <a:t>testImage2</a:t>
+                      </a:r>
+                      <a:endParaRPr lang="ru-RU" dirty="0"/>
+                    </a:p>
+                  </a:txBody>
+                  <a:tcPr/>
+                </a:tc>
+                <a:tc>
+                  <a:txBody>
+                    <a:bodyPr/>
+                    <a:lstStyle/>
+                    <a:p>
+                      <a:r>
+                        <a:rPr lang="en-US" dirty="0"/>
+                        <a:t>(400,450)</a:t>
+                      </a:r>
+                      <a:endParaRPr lang="ru-RU" dirty="0"/>
+                    </a:p>
+                  </a:txBody>
+                  <a:tcPr/>
+                </a:tc>
+                <a:tc>
+                  <a:txBody>
+                    <a:bodyPr/>
+                    <a:lstStyle/>
+                    <a:p>
+                      <a:r>
+                        <a:rPr lang="en-US" dirty="0"/>
+                        <a:t>(300,400)</a:t>
+                      </a:r>
+                      <a:endParaRPr lang="ru-RU" dirty="0"/>
+                    </a:p>
+                  </a:txBody>
+                  <a:tcPr/>
+                </a:tc>
+                <a:tc>
+                  <a:txBody>
+                    <a:bodyPr/>
+                    <a:lstStyle/>
+                    <a:p>
+                      <a:r>
+                        <a:rPr lang="en-US" dirty="0"/>
+                        <a:t>(300,450)</a:t>
+                      </a:r>
+                      <a:endParaRPr lang="ru-RU" dirty="0"/>
+                    </a:p>
+                  </a:txBody>
+                  <a:tcPr/>
+                </a:tc>
+                <a:extLst>
+                  <a:ext uri="{0D108BD9-81ED-4DB2-BD59-A6C34878D82A}">
+                    <a16:rowId xmlns:a16="http://schemas.microsoft.com/office/drawing/2014/main" val="941241545"/>
+                  </a:ext>
+                </a:extLst>
+              </a:tr>
+              <a:tr h="647652">
+                <a:tc>
+                  <a:txBody>
+                    <a:bodyPr/>
+                    <a:lstStyle/>
+                    <a:p>
+                      <a:r>
+                        <a:rPr lang="en-US" dirty="0"/>
+                        <a:t>testImage3</a:t>
+                      </a:r>
+                      <a:endParaRPr lang="ru-RU" dirty="0"/>
+                    </a:p>
+                  </a:txBody>
+                  <a:tcPr/>
+                </a:tc>
+                <a:tc>
+                  <a:txBody>
+                    <a:bodyPr/>
+                    <a:lstStyle/>
+                    <a:p>
+                      <a:r>
+                        <a:rPr lang="ru-RU" dirty="0"/>
+                        <a:t>(</a:t>
+                      </a:r>
+                      <a:r>
+                        <a:rPr lang="en-US" dirty="0"/>
+                        <a:t>300,450)</a:t>
+                      </a:r>
+                      <a:endParaRPr lang="ru-RU" dirty="0"/>
+                    </a:p>
+                  </a:txBody>
+                  <a:tcPr/>
+                </a:tc>
+                <a:tc>
+                  <a:txBody>
+                    <a:bodyPr/>
+                    <a:lstStyle/>
+                    <a:p>
+                      <a:r>
+                        <a:rPr lang="en-US" dirty="0"/>
+                        <a:t>(350,500)</a:t>
+                      </a:r>
+                      <a:endParaRPr lang="ru-RU" dirty="0"/>
+                    </a:p>
+                  </a:txBody>
+                  <a:tcPr/>
+                </a:tc>
+                <a:tc>
+                  <a:txBody>
+                    <a:bodyPr/>
+                    <a:lstStyle/>
+                    <a:p>
+                      <a:r>
+                        <a:rPr lang="en-US" dirty="0"/>
+                        <a:t>(250,300)</a:t>
+                      </a:r>
+                      <a:endParaRPr lang="ru-RU" dirty="0"/>
+                    </a:p>
+                  </a:txBody>
+                  <a:tcPr/>
+                </a:tc>
+                <a:extLst>
+                  <a:ext uri="{0D108BD9-81ED-4DB2-BD59-A6C34878D82A}">
+                    <a16:rowId xmlns:a16="http://schemas.microsoft.com/office/drawing/2014/main" val="2034160746"/>
+                  </a:ext>
+                </a:extLst>
+              </a:tr>
+              <a:tr h="647652">
+                <a:tc>
+                  <a:txBody>
+                    <a:bodyPr/>
+                    <a:lstStyle/>
+                    <a:p>
+                      <a:r>
+                        <a:rPr lang="en-US" dirty="0"/>
+                        <a:t>testImage4</a:t>
+                      </a:r>
+                      <a:endParaRPr lang="ru-RU" dirty="0"/>
+                    </a:p>
+                  </a:txBody>
+                  <a:tcPr/>
+                </a:tc>
+                <a:tc>
+                  <a:txBody>
+                    <a:bodyPr/>
+                    <a:lstStyle/>
+                    <a:p>
+                      <a:r>
+                        <a:rPr lang="en-US" dirty="0"/>
+                        <a:t>(250,300)</a:t>
+                      </a:r>
+                      <a:endParaRPr lang="ru-RU" dirty="0"/>
+                    </a:p>
+                  </a:txBody>
+                  <a:tcPr/>
+                </a:tc>
+                <a:tc>
+                  <a:txBody>
+                    <a:bodyPr/>
+                    <a:lstStyle/>
+                    <a:p>
+                      <a:r>
+                        <a:rPr lang="en-US" dirty="0"/>
+                        <a:t>(300,400)</a:t>
+                      </a:r>
+                      <a:endParaRPr lang="ru-RU" dirty="0"/>
+                    </a:p>
+                  </a:txBody>
+                  <a:tcPr/>
+                </a:tc>
+                <a:tc>
+                  <a:txBody>
+                    <a:bodyPr/>
+                    <a:lstStyle/>
+                    <a:p>
+                      <a:r>
+                        <a:rPr lang="en-US" dirty="0"/>
+                        <a:t>(300,450)</a:t>
+                      </a:r>
+                      <a:endParaRPr lang="ru-RU" dirty="0"/>
+                    </a:p>
+                  </a:txBody>
+                  <a:tcPr/>
+                </a:tc>
+                <a:extLst>
+                  <a:ext uri="{0D108BD9-81ED-4DB2-BD59-A6C34878D82A}">
+                    <a16:rowId xmlns:a16="http://schemas.microsoft.com/office/drawing/2014/main" val="1757122455"/>
+                  </a:ext>
+                </a:extLst>
+              </a:tr>
+              <a:tr h="647652">
+                <a:tc>
+                  <a:txBody>
+                    <a:bodyPr/>
+                    <a:lstStyle/>
+                    <a:p>
+                      <a:r>
+                        <a:rPr lang="en-US" dirty="0"/>
+                        <a:t>testImage5</a:t>
+                      </a:r>
+                      <a:endParaRPr lang="ru-RU" dirty="0"/>
+                    </a:p>
+                  </a:txBody>
+                  <a:tcPr/>
+                </a:tc>
+                <a:tc>
+                  <a:txBody>
+                    <a:bodyPr/>
+                    <a:lstStyle/>
+                    <a:p>
+                      <a:r>
+                        <a:rPr lang="en-US" dirty="0"/>
+                        <a:t>(500,600)</a:t>
+                      </a:r>
+                      <a:endParaRPr lang="ru-RU" dirty="0"/>
+                    </a:p>
+                  </a:txBody>
+                  <a:tcPr/>
+                </a:tc>
+                <a:tc>
+                  <a:txBody>
+                    <a:bodyPr/>
+                    <a:lstStyle/>
+                    <a:p>
+                      <a:r>
+                        <a:rPr lang="en-US" dirty="0"/>
+                        <a:t>(600,700)</a:t>
+                      </a:r>
+                      <a:endParaRPr lang="ru-RU" dirty="0"/>
+                    </a:p>
+                  </a:txBody>
+                  <a:tcPr/>
+                </a:tc>
+                <a:tc>
+                  <a:txBody>
+                    <a:bodyPr/>
+                    <a:lstStyle/>
+                    <a:p>
+                      <a:r>
+                        <a:rPr lang="en-US" dirty="0"/>
+                        <a:t>(650,800)</a:t>
+                      </a:r>
+                      <a:endParaRPr lang="ru-RU" dirty="0"/>
+                    </a:p>
+                  </a:txBody>
+                  <a:tcPr/>
+                </a:tc>
+                <a:extLst>
+                  <a:ext uri="{0D108BD9-81ED-4DB2-BD59-A6C34878D82A}">
+                    <a16:rowId xmlns:a16="http://schemas.microsoft.com/office/drawing/2014/main" val="3005754936"/>
+                  </a:ext>
+                </a:extLst>
+              </a:tr>
+            </a:tbl>
+          </a:graphicData>
+        </a:graphic>
+      </p:graphicFrame>
+    </p:spTree>
+    <p:extLst>
+      <p:ext uri="{BB962C8B-B14F-4D97-AF65-F5344CB8AC3E}">
+        <p14:creationId xmlns:p14="http://schemas.microsoft.com/office/powerpoint/2010/main" val="88561011"/>
+      </p:ext>
+    </p:extLst>
+  </p:cSld>
+  <p:clrMapOvr>
+    <a:masterClrMapping/>
+  </p:clrMapOvr>
+</p:sld>
+</file>
+
+<file path=ppt/slides/slide17.xml><?xml version="1.0" encoding="utf-8"?>
+<p:sld xmlns:a="http://schemas.openxmlformats.org/drawingml/2006/main" xmlns:r="http://schemas.openxmlformats.org/officeDocument/2006/relationships" xmlns:p="http://schemas.openxmlformats.org/presentationml/2006/main">
+  <p:cSld>
+    <p:spTree>
+      <p:nvGrpSpPr>
+        <p:cNvPr id="1" name="">
+          <a:extLst>
+            <a:ext uri="{FF2B5EF4-FFF2-40B4-BE49-F238E27FC236}">
+              <a16:creationId xmlns:a16="http://schemas.microsoft.com/office/drawing/2014/main" id="{AE0578D3-605D-7BE3-A0A6-A37839C28339}"/>
+            </a:ext>
+          </a:extLst>
+        </p:cNvPr>
+        <p:cNvGrpSpPr/>
+        <p:nvPr/>
+      </p:nvGrpSpPr>
+      <p:grpSpPr>
+        <a:xfrm>
+          <a:off x="0" y="0"/>
+          <a:ext cx="0" cy="0"/>
+          <a:chOff x="0" y="0"/>
+          <a:chExt cx="0" cy="0"/>
+        </a:xfrm>
+      </p:grpSpPr>
+      <p:sp>
+        <p:nvSpPr>
+          <p:cNvPr id="2" name="Заголовок 1">
+            <a:extLst>
+              <a:ext uri="{FF2B5EF4-FFF2-40B4-BE49-F238E27FC236}">
+                <a16:creationId xmlns:a16="http://schemas.microsoft.com/office/drawing/2014/main" id="{A73D8B8C-3041-E3D0-C112-D3101BC858E9}"/>
+              </a:ext>
+            </a:extLst>
+          </p:cNvPr>
+          <p:cNvSpPr>
+            <a:spLocks noGrp="1"/>
+          </p:cNvSpPr>
+          <p:nvPr>
+            <p:ph type="title"/>
+          </p:nvPr>
+        </p:nvSpPr>
+        <p:spPr/>
+        <p:txBody>
+          <a:bodyPr>
+            <a:noAutofit/>
+          </a:bodyPr>
+          <a:lstStyle/>
+          <a:p>
+            <a:pPr algn="l"/>
+            <a:r>
+              <a:rPr lang="ru-RU" sz="4400" cap="none" dirty="0"/>
+              <a:t>Результаты работа алгоритма</a:t>
+            </a:r>
+            <a:endParaRPr lang="ru-RU" sz="4400" dirty="0"/>
+          </a:p>
+        </p:txBody>
+      </p:sp>
+      <p:sp>
+        <p:nvSpPr>
+          <p:cNvPr id="3" name="Объект 2">
+            <a:extLst>
+              <a:ext uri="{FF2B5EF4-FFF2-40B4-BE49-F238E27FC236}">
+                <a16:creationId xmlns:a16="http://schemas.microsoft.com/office/drawing/2014/main" id="{BB253A0D-99EF-DF76-BF66-06D0EB445B9E}"/>
+              </a:ext>
+            </a:extLst>
+          </p:cNvPr>
+          <p:cNvSpPr>
+            <a:spLocks noGrp="1"/>
+          </p:cNvSpPr>
+          <p:nvPr>
+            <p:ph idx="1"/>
+          </p:nvPr>
+        </p:nvSpPr>
+        <p:spPr>
+          <a:xfrm>
+            <a:off x="1081668" y="2015732"/>
+            <a:ext cx="10069551" cy="3450613"/>
+          </a:xfrm>
+        </p:spPr>
+        <p:txBody>
+          <a:bodyPr/>
+          <a:lstStyle/>
+          <a:p>
+            <a:r>
+              <a:rPr lang="ru-RU" dirty="0"/>
+              <a:t>Результаты работы алгоритма </a:t>
+            </a:r>
+            <a:r>
+              <a:rPr lang="ru-RU" dirty="0" err="1"/>
+              <a:t>Канни</a:t>
+            </a:r>
+            <a:r>
+              <a:rPr lang="ru-RU" dirty="0"/>
+              <a:t> для 3-х пороговых значений на изображении 1</a:t>
+            </a:r>
+          </a:p>
+        </p:txBody>
+      </p:sp>
+      <p:pic>
+        <p:nvPicPr>
+          <p:cNvPr id="14" name="Рисунок 13">
+            <a:extLst>
+              <a:ext uri="{FF2B5EF4-FFF2-40B4-BE49-F238E27FC236}">
+                <a16:creationId xmlns:a16="http://schemas.microsoft.com/office/drawing/2014/main" id="{D7B186DA-8324-97B9-B307-C0AE0A186A35}"/>
+              </a:ext>
+            </a:extLst>
+          </p:cNvPr>
+          <p:cNvPicPr>
+            <a:picLocks noChangeAspect="1"/>
+          </p:cNvPicPr>
+          <p:nvPr/>
+        </p:nvPicPr>
+        <p:blipFill>
+          <a:blip r:embed="rId2"/>
+          <a:stretch>
+            <a:fillRect/>
+          </a:stretch>
+        </p:blipFill>
+        <p:spPr>
+          <a:xfrm>
+            <a:off x="512722" y="2875155"/>
+            <a:ext cx="3521445" cy="2945781"/>
+          </a:xfrm>
+          <a:prstGeom prst="rect">
+            <a:avLst/>
+          </a:prstGeom>
+        </p:spPr>
+      </p:pic>
+      <p:pic>
+        <p:nvPicPr>
+          <p:cNvPr id="16" name="Рисунок 15">
+            <a:extLst>
+              <a:ext uri="{FF2B5EF4-FFF2-40B4-BE49-F238E27FC236}">
+                <a16:creationId xmlns:a16="http://schemas.microsoft.com/office/drawing/2014/main" id="{75A5FADA-1E2F-16AB-7033-FB010EBC2C78}"/>
+              </a:ext>
+            </a:extLst>
+          </p:cNvPr>
+          <p:cNvPicPr>
+            <a:picLocks noChangeAspect="1"/>
+          </p:cNvPicPr>
+          <p:nvPr/>
+        </p:nvPicPr>
+        <p:blipFill>
+          <a:blip r:embed="rId3"/>
+          <a:stretch>
+            <a:fillRect/>
+          </a:stretch>
+        </p:blipFill>
+        <p:spPr>
+          <a:xfrm>
+            <a:off x="4343980" y="2860751"/>
+            <a:ext cx="3570607" cy="2937883"/>
+          </a:xfrm>
+          <a:prstGeom prst="rect">
+            <a:avLst/>
+          </a:prstGeom>
+        </p:spPr>
+      </p:pic>
+      <p:pic>
+        <p:nvPicPr>
+          <p:cNvPr id="18" name="Рисунок 17">
+            <a:extLst>
+              <a:ext uri="{FF2B5EF4-FFF2-40B4-BE49-F238E27FC236}">
+                <a16:creationId xmlns:a16="http://schemas.microsoft.com/office/drawing/2014/main" id="{4BA05642-DF39-1600-0163-223A78458CB3}"/>
+              </a:ext>
+            </a:extLst>
+          </p:cNvPr>
+          <p:cNvPicPr>
+            <a:picLocks noChangeAspect="1"/>
+          </p:cNvPicPr>
+          <p:nvPr/>
+        </p:nvPicPr>
+        <p:blipFill>
+          <a:blip r:embed="rId4"/>
+          <a:stretch>
+            <a:fillRect/>
+          </a:stretch>
+        </p:blipFill>
+        <p:spPr>
+          <a:xfrm>
+            <a:off x="8256315" y="2873529"/>
+            <a:ext cx="3252897" cy="2902803"/>
+          </a:xfrm>
+          <a:prstGeom prst="rect">
+            <a:avLst/>
+          </a:prstGeom>
+        </p:spPr>
+      </p:pic>
+    </p:spTree>
+    <p:extLst>
+      <p:ext uri="{BB962C8B-B14F-4D97-AF65-F5344CB8AC3E}">
+        <p14:creationId xmlns:p14="http://schemas.microsoft.com/office/powerpoint/2010/main" val="185411703"/>
+      </p:ext>
+    </p:extLst>
+  </p:cSld>
+  <p:clrMapOvr>
+    <a:masterClrMapping/>
+  </p:clrMapOvr>
+</p:sld>
+</file>
+
+<file path=ppt/slides/slide18.xml><?xml version="1.0" encoding="utf-8"?>
+<p:sld xmlns:a="http://schemas.openxmlformats.org/drawingml/2006/main" xmlns:r="http://schemas.openxmlformats.org/officeDocument/2006/relationships" xmlns:p="http://schemas.openxmlformats.org/presentationml/2006/main">
+  <p:cSld>
+    <p:spTree>
+      <p:nvGrpSpPr>
+        <p:cNvPr id="1" name="">
+          <a:extLst>
+            <a:ext uri="{FF2B5EF4-FFF2-40B4-BE49-F238E27FC236}">
+              <a16:creationId xmlns:a16="http://schemas.microsoft.com/office/drawing/2014/main" id="{3AFD14D2-880D-A819-1223-24E791A858F7}"/>
+            </a:ext>
+          </a:extLst>
+        </p:cNvPr>
+        <p:cNvGrpSpPr/>
+        <p:nvPr/>
+      </p:nvGrpSpPr>
+      <p:grpSpPr>
+        <a:xfrm>
+          <a:off x="0" y="0"/>
+          <a:ext cx="0" cy="0"/>
+          <a:chOff x="0" y="0"/>
+          <a:chExt cx="0" cy="0"/>
+        </a:xfrm>
+      </p:grpSpPr>
+      <p:sp>
+        <p:nvSpPr>
+          <p:cNvPr id="2" name="Заголовок 1">
+            <a:extLst>
+              <a:ext uri="{FF2B5EF4-FFF2-40B4-BE49-F238E27FC236}">
+                <a16:creationId xmlns:a16="http://schemas.microsoft.com/office/drawing/2014/main" id="{75629939-368E-81CF-E9BE-D72E49DD2027}"/>
+              </a:ext>
+            </a:extLst>
+          </p:cNvPr>
+          <p:cNvSpPr>
+            <a:spLocks noGrp="1"/>
+          </p:cNvSpPr>
+          <p:nvPr>
+            <p:ph type="title"/>
+          </p:nvPr>
+        </p:nvSpPr>
+        <p:spPr/>
+        <p:txBody>
+          <a:bodyPr>
+            <a:noAutofit/>
+          </a:bodyPr>
+          <a:lstStyle/>
+          <a:p>
+            <a:pPr algn="l"/>
+            <a:r>
+              <a:rPr lang="ru-RU" sz="4400" cap="none" dirty="0"/>
+              <a:t>Результаты работа алгоритма</a:t>
+            </a:r>
+            <a:endParaRPr lang="ru-RU" sz="4400" dirty="0"/>
+          </a:p>
+        </p:txBody>
+      </p:sp>
+      <p:sp>
+        <p:nvSpPr>
+          <p:cNvPr id="3" name="Объект 2">
+            <a:extLst>
+              <a:ext uri="{FF2B5EF4-FFF2-40B4-BE49-F238E27FC236}">
+                <a16:creationId xmlns:a16="http://schemas.microsoft.com/office/drawing/2014/main" id="{0217319D-E7CF-9E22-8A03-2BA0ED5FFB3E}"/>
+              </a:ext>
+            </a:extLst>
+          </p:cNvPr>
+          <p:cNvSpPr>
+            <a:spLocks noGrp="1"/>
+          </p:cNvSpPr>
+          <p:nvPr>
+            <p:ph idx="1"/>
+          </p:nvPr>
+        </p:nvSpPr>
+        <p:spPr/>
+        <p:txBody>
+          <a:bodyPr/>
+          <a:lstStyle/>
+          <a:p>
+            <a:r>
+              <a:rPr lang="ru-RU" dirty="0"/>
+              <a:t>Результаты работы алгоритма </a:t>
+            </a:r>
+            <a:r>
+              <a:rPr lang="ru-RU" dirty="0" err="1"/>
+              <a:t>Канни</a:t>
+            </a:r>
+            <a:r>
+              <a:rPr lang="ru-RU" dirty="0"/>
+              <a:t> для 3-х пороговых значений на изображении 2</a:t>
+            </a:r>
+          </a:p>
+          <a:p>
+            <a:endParaRPr lang="ru-RU" dirty="0"/>
+          </a:p>
+        </p:txBody>
+      </p:sp>
+      <p:pic>
+        <p:nvPicPr>
+          <p:cNvPr id="14" name="Рисунок 13">
+            <a:extLst>
+              <a:ext uri="{FF2B5EF4-FFF2-40B4-BE49-F238E27FC236}">
+                <a16:creationId xmlns:a16="http://schemas.microsoft.com/office/drawing/2014/main" id="{2F14089E-1EB8-BE54-5B66-F0DDCA123578}"/>
+              </a:ext>
+            </a:extLst>
+          </p:cNvPr>
+          <p:cNvPicPr>
+            <a:picLocks noChangeAspect="1"/>
+          </p:cNvPicPr>
+          <p:nvPr/>
+        </p:nvPicPr>
+        <p:blipFill>
+          <a:blip r:embed="rId2"/>
+          <a:stretch>
+            <a:fillRect/>
+          </a:stretch>
+        </p:blipFill>
+        <p:spPr>
+          <a:xfrm>
+            <a:off x="1060876" y="2869464"/>
+            <a:ext cx="2908958" cy="3128661"/>
+          </a:xfrm>
+          <a:prstGeom prst="rect">
+            <a:avLst/>
+          </a:prstGeom>
+        </p:spPr>
+      </p:pic>
+      <p:pic>
+        <p:nvPicPr>
+          <p:cNvPr id="16" name="Рисунок 15">
+            <a:extLst>
+              <a:ext uri="{FF2B5EF4-FFF2-40B4-BE49-F238E27FC236}">
+                <a16:creationId xmlns:a16="http://schemas.microsoft.com/office/drawing/2014/main" id="{89088101-32B3-A916-1D64-103938F6BCF3}"/>
+              </a:ext>
+            </a:extLst>
+          </p:cNvPr>
+          <p:cNvPicPr>
+            <a:picLocks noChangeAspect="1"/>
+          </p:cNvPicPr>
+          <p:nvPr/>
+        </p:nvPicPr>
+        <p:blipFill>
+          <a:blip r:embed="rId3"/>
+          <a:stretch>
+            <a:fillRect/>
+          </a:stretch>
+        </p:blipFill>
+        <p:spPr>
+          <a:xfrm>
+            <a:off x="4672593" y="2819979"/>
+            <a:ext cx="2876783" cy="3157073"/>
+          </a:xfrm>
+          <a:prstGeom prst="rect">
+            <a:avLst/>
+          </a:prstGeom>
+        </p:spPr>
+      </p:pic>
+      <p:pic>
+        <p:nvPicPr>
+          <p:cNvPr id="18" name="Рисунок 17">
+            <a:extLst>
+              <a:ext uri="{FF2B5EF4-FFF2-40B4-BE49-F238E27FC236}">
+                <a16:creationId xmlns:a16="http://schemas.microsoft.com/office/drawing/2014/main" id="{B92BC602-B9D9-538F-06EF-7C982DE50B78}"/>
+              </a:ext>
+            </a:extLst>
+          </p:cNvPr>
+          <p:cNvPicPr>
+            <a:picLocks noChangeAspect="1"/>
+          </p:cNvPicPr>
+          <p:nvPr/>
+        </p:nvPicPr>
+        <p:blipFill>
+          <a:blip r:embed="rId4"/>
+          <a:stretch>
+            <a:fillRect/>
+          </a:stretch>
+        </p:blipFill>
+        <p:spPr>
+          <a:xfrm>
+            <a:off x="8250624" y="2834384"/>
+            <a:ext cx="2922898" cy="3163466"/>
+          </a:xfrm>
+          <a:prstGeom prst="rect">
+            <a:avLst/>
+          </a:prstGeom>
+        </p:spPr>
+      </p:pic>
+    </p:spTree>
+    <p:extLst>
+      <p:ext uri="{BB962C8B-B14F-4D97-AF65-F5344CB8AC3E}">
+        <p14:creationId xmlns:p14="http://schemas.microsoft.com/office/powerpoint/2010/main" val="2150511609"/>
+      </p:ext>
+    </p:extLst>
+  </p:cSld>
+  <p:clrMapOvr>
+    <a:masterClrMapping/>
+  </p:clrMapOvr>
+</p:sld>
+</file>
+
+<file path=ppt/slides/slide19.xml><?xml version="1.0" encoding="utf-8"?>
+<p:sld xmlns:a="http://schemas.openxmlformats.org/drawingml/2006/main" xmlns:r="http://schemas.openxmlformats.org/officeDocument/2006/relationships" xmlns:p="http://schemas.openxmlformats.org/presentationml/2006/main">
+  <p:cSld>
+    <p:spTree>
+      <p:nvGrpSpPr>
+        <p:cNvPr id="1" name="">
+          <a:extLst>
+            <a:ext uri="{FF2B5EF4-FFF2-40B4-BE49-F238E27FC236}">
+              <a16:creationId xmlns:a16="http://schemas.microsoft.com/office/drawing/2014/main" id="{449C213A-6C5C-CA08-6F1C-748693DD6E4C}"/>
+            </a:ext>
+          </a:extLst>
+        </p:cNvPr>
+        <p:cNvGrpSpPr/>
+        <p:nvPr/>
+      </p:nvGrpSpPr>
+      <p:grpSpPr>
+        <a:xfrm>
+          <a:off x="0" y="0"/>
+          <a:ext cx="0" cy="0"/>
+          <a:chOff x="0" y="0"/>
+          <a:chExt cx="0" cy="0"/>
+        </a:xfrm>
+      </p:grpSpPr>
+      <p:sp>
+        <p:nvSpPr>
+          <p:cNvPr id="2" name="Заголовок 1">
+            <a:extLst>
+              <a:ext uri="{FF2B5EF4-FFF2-40B4-BE49-F238E27FC236}">
+                <a16:creationId xmlns:a16="http://schemas.microsoft.com/office/drawing/2014/main" id="{91482529-739B-9EF7-A9C4-5119CAD3CFC2}"/>
+              </a:ext>
+            </a:extLst>
+          </p:cNvPr>
+          <p:cNvSpPr>
+            <a:spLocks noGrp="1"/>
+          </p:cNvSpPr>
+          <p:nvPr>
+            <p:ph type="title"/>
+          </p:nvPr>
+        </p:nvSpPr>
+        <p:spPr/>
+        <p:txBody>
+          <a:bodyPr>
+            <a:noAutofit/>
+          </a:bodyPr>
+          <a:lstStyle/>
+          <a:p>
+            <a:pPr algn="l"/>
+            <a:r>
+              <a:rPr lang="ru-RU" sz="4400" cap="none" dirty="0"/>
+              <a:t>Результаты работа алгоритма</a:t>
+            </a:r>
+            <a:endParaRPr lang="ru-RU" sz="4400" dirty="0"/>
+          </a:p>
+        </p:txBody>
+      </p:sp>
+      <p:sp>
+        <p:nvSpPr>
+          <p:cNvPr id="3" name="Объект 2">
+            <a:extLst>
+              <a:ext uri="{FF2B5EF4-FFF2-40B4-BE49-F238E27FC236}">
+                <a16:creationId xmlns:a16="http://schemas.microsoft.com/office/drawing/2014/main" id="{6854BFE3-86B9-A63F-D410-867E79CFEE3A}"/>
+              </a:ext>
+            </a:extLst>
+          </p:cNvPr>
+          <p:cNvSpPr>
+            <a:spLocks noGrp="1"/>
+          </p:cNvSpPr>
+          <p:nvPr>
+            <p:ph idx="1"/>
+          </p:nvPr>
+        </p:nvSpPr>
+        <p:spPr/>
+        <p:txBody>
+          <a:bodyPr/>
+          <a:lstStyle/>
+          <a:p>
+            <a:r>
+              <a:rPr lang="ru-RU" dirty="0"/>
+              <a:t>Результаты работы алгоритма </a:t>
+            </a:r>
+            <a:r>
+              <a:rPr lang="ru-RU" dirty="0" err="1"/>
+              <a:t>Канни</a:t>
+            </a:r>
+            <a:r>
+              <a:rPr lang="ru-RU" dirty="0"/>
+              <a:t> для 3-х пороговых значений на изображении 3</a:t>
+            </a:r>
+          </a:p>
+          <a:p>
+            <a:endParaRPr lang="ru-RU" dirty="0"/>
+          </a:p>
+        </p:txBody>
+      </p:sp>
+      <p:pic>
+        <p:nvPicPr>
+          <p:cNvPr id="5" name="Рисунок 4">
+            <a:extLst>
+              <a:ext uri="{FF2B5EF4-FFF2-40B4-BE49-F238E27FC236}">
+                <a16:creationId xmlns:a16="http://schemas.microsoft.com/office/drawing/2014/main" id="{73AF700F-614C-8E9E-0D18-188DD32295F6}"/>
+              </a:ext>
+            </a:extLst>
+          </p:cNvPr>
+          <p:cNvPicPr>
+            <a:picLocks noChangeAspect="1"/>
+          </p:cNvPicPr>
+          <p:nvPr/>
+        </p:nvPicPr>
+        <p:blipFill>
+          <a:blip r:embed="rId2"/>
+          <a:stretch>
+            <a:fillRect/>
+          </a:stretch>
+        </p:blipFill>
+        <p:spPr>
+          <a:xfrm>
+            <a:off x="810902" y="2935378"/>
+            <a:ext cx="2824395" cy="3097432"/>
+          </a:xfrm>
+          <a:prstGeom prst="rect">
+            <a:avLst/>
+          </a:prstGeom>
+        </p:spPr>
+      </p:pic>
+      <p:pic>
+        <p:nvPicPr>
+          <p:cNvPr id="9" name="Рисунок 8">
+            <a:extLst>
+              <a:ext uri="{FF2B5EF4-FFF2-40B4-BE49-F238E27FC236}">
+                <a16:creationId xmlns:a16="http://schemas.microsoft.com/office/drawing/2014/main" id="{09768AD4-7BD3-0D62-64A1-9C3C67A47DE0}"/>
+              </a:ext>
+            </a:extLst>
+          </p:cNvPr>
+          <p:cNvPicPr>
+            <a:picLocks noChangeAspect="1"/>
+          </p:cNvPicPr>
+          <p:nvPr/>
+        </p:nvPicPr>
+        <p:blipFill>
+          <a:blip r:embed="rId3"/>
+          <a:stretch>
+            <a:fillRect/>
+          </a:stretch>
+        </p:blipFill>
+        <p:spPr>
+          <a:xfrm>
+            <a:off x="4105275" y="2887302"/>
+            <a:ext cx="3232227" cy="3123205"/>
+          </a:xfrm>
+          <a:prstGeom prst="rect">
+            <a:avLst/>
+          </a:prstGeom>
+        </p:spPr>
+      </p:pic>
+      <p:pic>
+        <p:nvPicPr>
+          <p:cNvPr id="12" name="Рисунок 11">
+            <a:extLst>
+              <a:ext uri="{FF2B5EF4-FFF2-40B4-BE49-F238E27FC236}">
+                <a16:creationId xmlns:a16="http://schemas.microsoft.com/office/drawing/2014/main" id="{C269B58A-10DA-D4E4-9136-08796186C428}"/>
+              </a:ext>
+            </a:extLst>
+          </p:cNvPr>
+          <p:cNvPicPr>
+            <a:picLocks noChangeAspect="1"/>
+          </p:cNvPicPr>
+          <p:nvPr/>
+        </p:nvPicPr>
+        <p:blipFill>
+          <a:blip r:embed="rId4"/>
+          <a:stretch>
+            <a:fillRect/>
+          </a:stretch>
+        </p:blipFill>
+        <p:spPr>
+          <a:xfrm>
+            <a:off x="7772516" y="2907353"/>
+            <a:ext cx="3222585" cy="3092003"/>
+          </a:xfrm>
+          <a:prstGeom prst="rect">
+            <a:avLst/>
+          </a:prstGeom>
+        </p:spPr>
+      </p:pic>
+    </p:spTree>
+    <p:extLst>
+      <p:ext uri="{BB962C8B-B14F-4D97-AF65-F5344CB8AC3E}">
+        <p14:creationId xmlns:p14="http://schemas.microsoft.com/office/powerpoint/2010/main" val="2534212797"/>
+      </p:ext>
+    </p:extLst>
+  </p:cSld>
+  <p:clrMapOvr>
+    <a:masterClrMapping/>
+  </p:clrMapOvr>
+</p:sld>
+</file>
+
 <file path=ppt/slides/slide2.xml><?xml version="1.0" encoding="utf-8"?>
 <p:sld xmlns:a="http://schemas.openxmlformats.org/drawingml/2006/main" xmlns:r="http://schemas.openxmlformats.org/officeDocument/2006/relationships" xmlns:p="http://schemas.openxmlformats.org/presentationml/2006/main">
   <p:cSld>
@@ -3849,10 +6489,10 @@
       </p:sp>
       <p:pic>
         <p:nvPicPr>
-          <p:cNvPr id="17" name="Рисунок 16">
-            <a:extLst>
-              <a:ext uri="{FF2B5EF4-FFF2-40B4-BE49-F238E27FC236}">
-                <a16:creationId xmlns:a16="http://schemas.microsoft.com/office/drawing/2014/main" id="{5BE5BAF1-8937-0D54-4466-5B48FF977336}"/>
+          <p:cNvPr id="5" name="Рисунок 4">
+            <a:extLst>
+              <a:ext uri="{FF2B5EF4-FFF2-40B4-BE49-F238E27FC236}">
+                <a16:creationId xmlns:a16="http://schemas.microsoft.com/office/drawing/2014/main" id="{F373FA7B-C259-C99D-D1DA-1BA13B35E9D0}"/>
               </a:ext>
             </a:extLst>
           </p:cNvPr>
@@ -3875,8 +6515,8 @@
         </p:blipFill>
         <p:spPr>
           <a:xfrm>
-            <a:off x="6724362" y="2032000"/>
-            <a:ext cx="4759175" cy="3565236"/>
+            <a:off x="6356892" y="2132091"/>
+            <a:ext cx="4899193" cy="3298554"/>
           </a:xfrm>
           <a:prstGeom prst="rect">
             <a:avLst/>
@@ -3887,6 +6527,2644 @@
     <p:extLst>
       <p:ext uri="{BB962C8B-B14F-4D97-AF65-F5344CB8AC3E}">
         <p14:creationId xmlns:p14="http://schemas.microsoft.com/office/powerpoint/2010/main" val="720791635"/>
+      </p:ext>
+    </p:extLst>
+  </p:cSld>
+  <p:clrMapOvr>
+    <a:masterClrMapping/>
+  </p:clrMapOvr>
+</p:sld>
+</file>
+
+<file path=ppt/slides/slide20.xml><?xml version="1.0" encoding="utf-8"?>
+<p:sld xmlns:a="http://schemas.openxmlformats.org/drawingml/2006/main" xmlns:r="http://schemas.openxmlformats.org/officeDocument/2006/relationships" xmlns:p="http://schemas.openxmlformats.org/presentationml/2006/main">
+  <p:cSld>
+    <p:spTree>
+      <p:nvGrpSpPr>
+        <p:cNvPr id="1" name="">
+          <a:extLst>
+            <a:ext uri="{FF2B5EF4-FFF2-40B4-BE49-F238E27FC236}">
+              <a16:creationId xmlns:a16="http://schemas.microsoft.com/office/drawing/2014/main" id="{D417C7E0-5017-7C82-9BA6-C32D8D1D4FF3}"/>
+            </a:ext>
+          </a:extLst>
+        </p:cNvPr>
+        <p:cNvGrpSpPr/>
+        <p:nvPr/>
+      </p:nvGrpSpPr>
+      <p:grpSpPr>
+        <a:xfrm>
+          <a:off x="0" y="0"/>
+          <a:ext cx="0" cy="0"/>
+          <a:chOff x="0" y="0"/>
+          <a:chExt cx="0" cy="0"/>
+        </a:xfrm>
+      </p:grpSpPr>
+      <p:sp>
+        <p:nvSpPr>
+          <p:cNvPr id="2" name="Заголовок 1">
+            <a:extLst>
+              <a:ext uri="{FF2B5EF4-FFF2-40B4-BE49-F238E27FC236}">
+                <a16:creationId xmlns:a16="http://schemas.microsoft.com/office/drawing/2014/main" id="{625B39BA-26B0-EA1B-DF08-12091A6C4095}"/>
+              </a:ext>
+            </a:extLst>
+          </p:cNvPr>
+          <p:cNvSpPr>
+            <a:spLocks noGrp="1"/>
+          </p:cNvSpPr>
+          <p:nvPr>
+            <p:ph type="title"/>
+          </p:nvPr>
+        </p:nvSpPr>
+        <p:spPr/>
+        <p:txBody>
+          <a:bodyPr>
+            <a:noAutofit/>
+          </a:bodyPr>
+          <a:lstStyle/>
+          <a:p>
+            <a:pPr algn="l"/>
+            <a:r>
+              <a:rPr lang="ru-RU" sz="4400" cap="none" dirty="0"/>
+              <a:t>Результаты работа алгоритма</a:t>
+            </a:r>
+            <a:endParaRPr lang="ru-RU" sz="4400" dirty="0"/>
+          </a:p>
+        </p:txBody>
+      </p:sp>
+      <p:sp>
+        <p:nvSpPr>
+          <p:cNvPr id="3" name="Объект 2">
+            <a:extLst>
+              <a:ext uri="{FF2B5EF4-FFF2-40B4-BE49-F238E27FC236}">
+                <a16:creationId xmlns:a16="http://schemas.microsoft.com/office/drawing/2014/main" id="{1E9ACA32-FD37-6650-F179-2284D3915680}"/>
+              </a:ext>
+            </a:extLst>
+          </p:cNvPr>
+          <p:cNvSpPr>
+            <a:spLocks noGrp="1"/>
+          </p:cNvSpPr>
+          <p:nvPr>
+            <p:ph idx="1"/>
+          </p:nvPr>
+        </p:nvSpPr>
+        <p:spPr/>
+        <p:txBody>
+          <a:bodyPr/>
+          <a:lstStyle/>
+          <a:p>
+            <a:r>
+              <a:rPr lang="ru-RU" dirty="0"/>
+              <a:t>Результаты работы алгоритма </a:t>
+            </a:r>
+            <a:r>
+              <a:rPr lang="ru-RU" dirty="0" err="1"/>
+              <a:t>Канни</a:t>
+            </a:r>
+            <a:r>
+              <a:rPr lang="ru-RU" dirty="0"/>
+              <a:t> для 3-х пороговых значений на изображении 4</a:t>
+            </a:r>
+          </a:p>
+          <a:p>
+            <a:endParaRPr lang="ru-RU" dirty="0"/>
+          </a:p>
+        </p:txBody>
+      </p:sp>
+      <p:pic>
+        <p:nvPicPr>
+          <p:cNvPr id="5" name="Рисунок 4">
+            <a:extLst>
+              <a:ext uri="{FF2B5EF4-FFF2-40B4-BE49-F238E27FC236}">
+                <a16:creationId xmlns:a16="http://schemas.microsoft.com/office/drawing/2014/main" id="{0B4FA750-1A9A-836B-AE1D-903AD3B4E5AC}"/>
+              </a:ext>
+            </a:extLst>
+          </p:cNvPr>
+          <p:cNvPicPr>
+            <a:picLocks noChangeAspect="1"/>
+          </p:cNvPicPr>
+          <p:nvPr/>
+        </p:nvPicPr>
+        <p:blipFill>
+          <a:blip r:embed="rId2"/>
+          <a:stretch>
+            <a:fillRect/>
+          </a:stretch>
+        </p:blipFill>
+        <p:spPr>
+          <a:xfrm>
+            <a:off x="343947" y="2729608"/>
+            <a:ext cx="3492074" cy="3035572"/>
+          </a:xfrm>
+          <a:prstGeom prst="rect">
+            <a:avLst/>
+          </a:prstGeom>
+        </p:spPr>
+      </p:pic>
+      <p:pic>
+        <p:nvPicPr>
+          <p:cNvPr id="9" name="Рисунок 8">
+            <a:extLst>
+              <a:ext uri="{FF2B5EF4-FFF2-40B4-BE49-F238E27FC236}">
+                <a16:creationId xmlns:a16="http://schemas.microsoft.com/office/drawing/2014/main" id="{366B9E19-8816-B5A6-9A98-3C95C1300CA3}"/>
+              </a:ext>
+            </a:extLst>
+          </p:cNvPr>
+          <p:cNvPicPr>
+            <a:picLocks noChangeAspect="1"/>
+          </p:cNvPicPr>
+          <p:nvPr/>
+        </p:nvPicPr>
+        <p:blipFill>
+          <a:blip r:embed="rId3"/>
+          <a:stretch>
+            <a:fillRect/>
+          </a:stretch>
+        </p:blipFill>
+        <p:spPr>
+          <a:xfrm>
+            <a:off x="4106668" y="2710560"/>
+            <a:ext cx="3821849" cy="3099226"/>
+          </a:xfrm>
+          <a:prstGeom prst="rect">
+            <a:avLst/>
+          </a:prstGeom>
+        </p:spPr>
+      </p:pic>
+      <p:pic>
+        <p:nvPicPr>
+          <p:cNvPr id="12" name="Рисунок 11">
+            <a:extLst>
+              <a:ext uri="{FF2B5EF4-FFF2-40B4-BE49-F238E27FC236}">
+                <a16:creationId xmlns:a16="http://schemas.microsoft.com/office/drawing/2014/main" id="{85F648E0-17F2-F78D-159A-6778C91DE333}"/>
+              </a:ext>
+            </a:extLst>
+          </p:cNvPr>
+          <p:cNvPicPr>
+            <a:picLocks noChangeAspect="1"/>
+          </p:cNvPicPr>
+          <p:nvPr/>
+        </p:nvPicPr>
+        <p:blipFill>
+          <a:blip r:embed="rId4"/>
+          <a:stretch>
+            <a:fillRect/>
+          </a:stretch>
+        </p:blipFill>
+        <p:spPr>
+          <a:xfrm>
+            <a:off x="8441473" y="2685003"/>
+            <a:ext cx="3401124" cy="3069025"/>
+          </a:xfrm>
+          <a:prstGeom prst="rect">
+            <a:avLst/>
+          </a:prstGeom>
+        </p:spPr>
+      </p:pic>
+    </p:spTree>
+    <p:extLst>
+      <p:ext uri="{BB962C8B-B14F-4D97-AF65-F5344CB8AC3E}">
+        <p14:creationId xmlns:p14="http://schemas.microsoft.com/office/powerpoint/2010/main" val="2230658912"/>
+      </p:ext>
+    </p:extLst>
+  </p:cSld>
+  <p:clrMapOvr>
+    <a:masterClrMapping/>
+  </p:clrMapOvr>
+</p:sld>
+</file>
+
+<file path=ppt/slides/slide21.xml><?xml version="1.0" encoding="utf-8"?>
+<p:sld xmlns:a="http://schemas.openxmlformats.org/drawingml/2006/main" xmlns:r="http://schemas.openxmlformats.org/officeDocument/2006/relationships" xmlns:p="http://schemas.openxmlformats.org/presentationml/2006/main">
+  <p:cSld>
+    <p:spTree>
+      <p:nvGrpSpPr>
+        <p:cNvPr id="1" name="">
+          <a:extLst>
+            <a:ext uri="{FF2B5EF4-FFF2-40B4-BE49-F238E27FC236}">
+              <a16:creationId xmlns:a16="http://schemas.microsoft.com/office/drawing/2014/main" id="{E1637CF0-0319-BFA0-E8B2-84E480D2760D}"/>
+            </a:ext>
+          </a:extLst>
+        </p:cNvPr>
+        <p:cNvGrpSpPr/>
+        <p:nvPr/>
+      </p:nvGrpSpPr>
+      <p:grpSpPr>
+        <a:xfrm>
+          <a:off x="0" y="0"/>
+          <a:ext cx="0" cy="0"/>
+          <a:chOff x="0" y="0"/>
+          <a:chExt cx="0" cy="0"/>
+        </a:xfrm>
+      </p:grpSpPr>
+      <p:sp>
+        <p:nvSpPr>
+          <p:cNvPr id="2" name="Заголовок 1">
+            <a:extLst>
+              <a:ext uri="{FF2B5EF4-FFF2-40B4-BE49-F238E27FC236}">
+                <a16:creationId xmlns:a16="http://schemas.microsoft.com/office/drawing/2014/main" id="{AC047778-350F-0EFD-B9F2-DB13F4E423C2}"/>
+              </a:ext>
+            </a:extLst>
+          </p:cNvPr>
+          <p:cNvSpPr>
+            <a:spLocks noGrp="1"/>
+          </p:cNvSpPr>
+          <p:nvPr>
+            <p:ph type="title"/>
+          </p:nvPr>
+        </p:nvSpPr>
+        <p:spPr/>
+        <p:txBody>
+          <a:bodyPr>
+            <a:noAutofit/>
+          </a:bodyPr>
+          <a:lstStyle/>
+          <a:p>
+            <a:pPr algn="l"/>
+            <a:r>
+              <a:rPr lang="ru-RU" sz="4400" cap="none" dirty="0"/>
+              <a:t>Результаты работа алгоритма</a:t>
+            </a:r>
+            <a:endParaRPr lang="ru-RU" sz="4400" dirty="0"/>
+          </a:p>
+        </p:txBody>
+      </p:sp>
+      <p:sp>
+        <p:nvSpPr>
+          <p:cNvPr id="3" name="Объект 2">
+            <a:extLst>
+              <a:ext uri="{FF2B5EF4-FFF2-40B4-BE49-F238E27FC236}">
+                <a16:creationId xmlns:a16="http://schemas.microsoft.com/office/drawing/2014/main" id="{72119D09-67C6-6D10-2F95-611FD4346244}"/>
+              </a:ext>
+            </a:extLst>
+          </p:cNvPr>
+          <p:cNvSpPr>
+            <a:spLocks noGrp="1"/>
+          </p:cNvSpPr>
+          <p:nvPr>
+            <p:ph idx="1"/>
+          </p:nvPr>
+        </p:nvSpPr>
+        <p:spPr/>
+        <p:txBody>
+          <a:bodyPr/>
+          <a:lstStyle/>
+          <a:p>
+            <a:r>
+              <a:rPr lang="ru-RU" dirty="0"/>
+              <a:t>Результаты работы алгоритма </a:t>
+            </a:r>
+            <a:r>
+              <a:rPr lang="ru-RU" dirty="0" err="1"/>
+              <a:t>Канни</a:t>
+            </a:r>
+            <a:r>
+              <a:rPr lang="ru-RU" dirty="0"/>
+              <a:t> для 3-х пороговых значений на изображении 5</a:t>
+            </a:r>
+          </a:p>
+          <a:p>
+            <a:endParaRPr lang="ru-RU" dirty="0"/>
+          </a:p>
+        </p:txBody>
+      </p:sp>
+      <p:pic>
+        <p:nvPicPr>
+          <p:cNvPr id="5" name="Рисунок 4">
+            <a:extLst>
+              <a:ext uri="{FF2B5EF4-FFF2-40B4-BE49-F238E27FC236}">
+                <a16:creationId xmlns:a16="http://schemas.microsoft.com/office/drawing/2014/main" id="{E9ED5A2C-D6A5-98ED-65B6-82BC4028BDEF}"/>
+              </a:ext>
+            </a:extLst>
+          </p:cNvPr>
+          <p:cNvPicPr>
+            <a:picLocks noChangeAspect="1"/>
+          </p:cNvPicPr>
+          <p:nvPr/>
+        </p:nvPicPr>
+        <p:blipFill>
+          <a:blip r:embed="rId2"/>
+          <a:stretch>
+            <a:fillRect/>
+          </a:stretch>
+        </p:blipFill>
+        <p:spPr>
+          <a:xfrm>
+            <a:off x="615524" y="2898620"/>
+            <a:ext cx="3484661" cy="2643536"/>
+          </a:xfrm>
+          <a:prstGeom prst="rect">
+            <a:avLst/>
+          </a:prstGeom>
+        </p:spPr>
+      </p:pic>
+      <p:pic>
+        <p:nvPicPr>
+          <p:cNvPr id="9" name="Рисунок 8">
+            <a:extLst>
+              <a:ext uri="{FF2B5EF4-FFF2-40B4-BE49-F238E27FC236}">
+                <a16:creationId xmlns:a16="http://schemas.microsoft.com/office/drawing/2014/main" id="{347A9C31-32EE-00EE-345E-8A73A6730FBD}"/>
+              </a:ext>
+            </a:extLst>
+          </p:cNvPr>
+          <p:cNvPicPr>
+            <a:picLocks noChangeAspect="1"/>
+          </p:cNvPicPr>
+          <p:nvPr/>
+        </p:nvPicPr>
+        <p:blipFill>
+          <a:blip r:embed="rId3"/>
+          <a:stretch>
+            <a:fillRect/>
+          </a:stretch>
+        </p:blipFill>
+        <p:spPr>
+          <a:xfrm>
+            <a:off x="4349556" y="2839610"/>
+            <a:ext cx="3444274" cy="2702546"/>
+          </a:xfrm>
+          <a:prstGeom prst="rect">
+            <a:avLst/>
+          </a:prstGeom>
+        </p:spPr>
+      </p:pic>
+      <p:pic>
+        <p:nvPicPr>
+          <p:cNvPr id="12" name="Рисунок 11">
+            <a:extLst>
+              <a:ext uri="{FF2B5EF4-FFF2-40B4-BE49-F238E27FC236}">
+                <a16:creationId xmlns:a16="http://schemas.microsoft.com/office/drawing/2014/main" id="{F05A7FD6-C077-792F-F22E-D2D2F0410ED6}"/>
+              </a:ext>
+            </a:extLst>
+          </p:cNvPr>
+          <p:cNvPicPr>
+            <a:picLocks noChangeAspect="1"/>
+          </p:cNvPicPr>
+          <p:nvPr/>
+        </p:nvPicPr>
+        <p:blipFill>
+          <a:blip r:embed="rId4"/>
+          <a:stretch>
+            <a:fillRect/>
+          </a:stretch>
+        </p:blipFill>
+        <p:spPr>
+          <a:xfrm>
+            <a:off x="8093229" y="2852389"/>
+            <a:ext cx="3610411" cy="2700918"/>
+          </a:xfrm>
+          <a:prstGeom prst="rect">
+            <a:avLst/>
+          </a:prstGeom>
+        </p:spPr>
+      </p:pic>
+    </p:spTree>
+    <p:extLst>
+      <p:ext uri="{BB962C8B-B14F-4D97-AF65-F5344CB8AC3E}">
+        <p14:creationId xmlns:p14="http://schemas.microsoft.com/office/powerpoint/2010/main" val="2777358164"/>
+      </p:ext>
+    </p:extLst>
+  </p:cSld>
+  <p:clrMapOvr>
+    <a:masterClrMapping/>
+  </p:clrMapOvr>
+</p:sld>
+</file>
+
+<file path=ppt/slides/slide22.xml><?xml version="1.0" encoding="utf-8"?>
+<p:sld xmlns:a="http://schemas.openxmlformats.org/drawingml/2006/main" xmlns:r="http://schemas.openxmlformats.org/officeDocument/2006/relationships" xmlns:p="http://schemas.openxmlformats.org/presentationml/2006/main">
+  <p:cSld>
+    <p:spTree>
+      <p:nvGrpSpPr>
+        <p:cNvPr id="1" name="">
+          <a:extLst>
+            <a:ext uri="{FF2B5EF4-FFF2-40B4-BE49-F238E27FC236}">
+              <a16:creationId xmlns:a16="http://schemas.microsoft.com/office/drawing/2014/main" id="{50834D49-EE7E-2C86-B856-9199119D5A0D}"/>
+            </a:ext>
+          </a:extLst>
+        </p:cNvPr>
+        <p:cNvGrpSpPr/>
+        <p:nvPr/>
+      </p:nvGrpSpPr>
+      <p:grpSpPr>
+        <a:xfrm>
+          <a:off x="0" y="0"/>
+          <a:ext cx="0" cy="0"/>
+          <a:chOff x="0" y="0"/>
+          <a:chExt cx="0" cy="0"/>
+        </a:xfrm>
+      </p:grpSpPr>
+      <p:sp>
+        <p:nvSpPr>
+          <p:cNvPr id="2" name="Заголовок 1">
+            <a:extLst>
+              <a:ext uri="{FF2B5EF4-FFF2-40B4-BE49-F238E27FC236}">
+                <a16:creationId xmlns:a16="http://schemas.microsoft.com/office/drawing/2014/main" id="{CF8B0EDD-90E8-01D4-62E7-5CCDBADA47E5}"/>
+              </a:ext>
+            </a:extLst>
+          </p:cNvPr>
+          <p:cNvSpPr>
+            <a:spLocks noGrp="1"/>
+          </p:cNvSpPr>
+          <p:nvPr>
+            <p:ph type="title"/>
+          </p:nvPr>
+        </p:nvSpPr>
+        <p:spPr>
+          <a:xfrm>
+            <a:off x="1072888" y="536664"/>
+            <a:ext cx="10047694" cy="1049235"/>
+          </a:xfrm>
+        </p:spPr>
+        <p:txBody>
+          <a:bodyPr>
+            <a:normAutofit/>
+          </a:bodyPr>
+          <a:lstStyle/>
+          <a:p>
+            <a:pPr algn="l"/>
+            <a:r>
+              <a:rPr lang="ru-RU" sz="4400" cap="none" dirty="0"/>
+              <a:t>Альтернативный оператор 2</a:t>
+            </a:r>
+            <a:endParaRPr lang="ru-RU" sz="4400" dirty="0"/>
+          </a:p>
+        </p:txBody>
+      </p:sp>
+      <p:sp>
+        <p:nvSpPr>
+          <p:cNvPr id="3" name="Объект 2">
+            <a:extLst>
+              <a:ext uri="{FF2B5EF4-FFF2-40B4-BE49-F238E27FC236}">
+                <a16:creationId xmlns:a16="http://schemas.microsoft.com/office/drawing/2014/main" id="{A50FF61D-639F-D189-84DC-B37F85297909}"/>
+              </a:ext>
+            </a:extLst>
+          </p:cNvPr>
+          <p:cNvSpPr>
+            <a:spLocks noGrp="1"/>
+          </p:cNvSpPr>
+          <p:nvPr>
+            <p:ph idx="1"/>
+          </p:nvPr>
+        </p:nvSpPr>
+        <p:spPr>
+          <a:xfrm>
+            <a:off x="1071418" y="1468582"/>
+            <a:ext cx="10049163" cy="4738254"/>
+          </a:xfrm>
+        </p:spPr>
+        <p:txBody>
+          <a:bodyPr/>
+          <a:lstStyle/>
+          <a:p>
+            <a:r>
+              <a:rPr lang="ru-RU" dirty="0"/>
+              <a:t>В качестве альтернативного оператора был выбран оператор </a:t>
+            </a:r>
+            <a:r>
+              <a:rPr lang="ru-RU" dirty="0" err="1"/>
+              <a:t>Приютта</a:t>
+            </a:r>
+            <a:r>
+              <a:rPr lang="en-US" dirty="0"/>
+              <a:t>.</a:t>
+            </a:r>
+          </a:p>
+          <a:p>
+            <a:r>
+              <a:rPr lang="ru-RU" dirty="0"/>
+              <a:t>Его преимуществом является большая чувствительность к изменениям текстуры изображения</a:t>
+            </a:r>
+          </a:p>
+          <a:p>
+            <a:endParaRPr lang="ru-RU" dirty="0"/>
+          </a:p>
+        </p:txBody>
+      </p:sp>
+      <p:pic>
+        <p:nvPicPr>
+          <p:cNvPr id="5" name="Рисунок 4">
+            <a:extLst>
+              <a:ext uri="{FF2B5EF4-FFF2-40B4-BE49-F238E27FC236}">
+                <a16:creationId xmlns:a16="http://schemas.microsoft.com/office/drawing/2014/main" id="{3CC1DC64-D0D7-6777-9273-E58ADB4CE5BC}"/>
+              </a:ext>
+            </a:extLst>
+          </p:cNvPr>
+          <p:cNvPicPr>
+            <a:picLocks noChangeAspect="1"/>
+          </p:cNvPicPr>
+          <p:nvPr/>
+        </p:nvPicPr>
+        <p:blipFill>
+          <a:blip r:embed="rId2"/>
+          <a:stretch>
+            <a:fillRect/>
+          </a:stretch>
+        </p:blipFill>
+        <p:spPr>
+          <a:xfrm>
+            <a:off x="1401801" y="2935093"/>
+            <a:ext cx="3994339" cy="2417491"/>
+          </a:xfrm>
+          <a:prstGeom prst="rect">
+            <a:avLst/>
+          </a:prstGeom>
+        </p:spPr>
+      </p:pic>
+      <p:pic>
+        <p:nvPicPr>
+          <p:cNvPr id="8" name="Рисунок 7">
+            <a:extLst>
+              <a:ext uri="{FF2B5EF4-FFF2-40B4-BE49-F238E27FC236}">
+                <a16:creationId xmlns:a16="http://schemas.microsoft.com/office/drawing/2014/main" id="{84865B73-77E6-FFE2-BEB2-F4F4A00FEF4D}"/>
+              </a:ext>
+            </a:extLst>
+          </p:cNvPr>
+          <p:cNvPicPr>
+            <a:picLocks noChangeAspect="1"/>
+          </p:cNvPicPr>
+          <p:nvPr/>
+        </p:nvPicPr>
+        <p:blipFill>
+          <a:blip r:embed="rId3"/>
+          <a:stretch>
+            <a:fillRect/>
+          </a:stretch>
+        </p:blipFill>
+        <p:spPr>
+          <a:xfrm>
+            <a:off x="6920260" y="2931840"/>
+            <a:ext cx="3974481" cy="2454198"/>
+          </a:xfrm>
+          <a:prstGeom prst="rect">
+            <a:avLst/>
+          </a:prstGeom>
+        </p:spPr>
+      </p:pic>
+    </p:spTree>
+    <p:extLst>
+      <p:ext uri="{BB962C8B-B14F-4D97-AF65-F5344CB8AC3E}">
+        <p14:creationId xmlns:p14="http://schemas.microsoft.com/office/powerpoint/2010/main" val="3927057221"/>
+      </p:ext>
+    </p:extLst>
+  </p:cSld>
+  <p:clrMapOvr>
+    <a:masterClrMapping/>
+  </p:clrMapOvr>
+</p:sld>
+</file>
+
+<file path=ppt/slides/slide23.xml><?xml version="1.0" encoding="utf-8"?>
+<p:sld xmlns:a="http://schemas.openxmlformats.org/drawingml/2006/main" xmlns:r="http://schemas.openxmlformats.org/officeDocument/2006/relationships" xmlns:p="http://schemas.openxmlformats.org/presentationml/2006/main">
+  <p:cSld>
+    <p:spTree>
+      <p:nvGrpSpPr>
+        <p:cNvPr id="1" name="">
+          <a:extLst>
+            <a:ext uri="{FF2B5EF4-FFF2-40B4-BE49-F238E27FC236}">
+              <a16:creationId xmlns:a16="http://schemas.microsoft.com/office/drawing/2014/main" id="{64A44A82-B062-BD56-4848-AB2B71A39E45}"/>
+            </a:ext>
+          </a:extLst>
+        </p:cNvPr>
+        <p:cNvGrpSpPr/>
+        <p:nvPr/>
+      </p:nvGrpSpPr>
+      <p:grpSpPr>
+        <a:xfrm>
+          <a:off x="0" y="0"/>
+          <a:ext cx="0" cy="0"/>
+          <a:chOff x="0" y="0"/>
+          <a:chExt cx="0" cy="0"/>
+        </a:xfrm>
+      </p:grpSpPr>
+      <p:sp>
+        <p:nvSpPr>
+          <p:cNvPr id="2" name="Заголовок 1">
+            <a:extLst>
+              <a:ext uri="{FF2B5EF4-FFF2-40B4-BE49-F238E27FC236}">
+                <a16:creationId xmlns:a16="http://schemas.microsoft.com/office/drawing/2014/main" id="{D5F21B82-37B6-9352-6187-572CA92DE9CB}"/>
+              </a:ext>
+            </a:extLst>
+          </p:cNvPr>
+          <p:cNvSpPr>
+            <a:spLocks noGrp="1"/>
+          </p:cNvSpPr>
+          <p:nvPr>
+            <p:ph type="title"/>
+          </p:nvPr>
+        </p:nvSpPr>
+        <p:spPr>
+          <a:xfrm>
+            <a:off x="692728" y="804519"/>
+            <a:ext cx="10658764" cy="1049235"/>
+          </a:xfrm>
+        </p:spPr>
+        <p:txBody>
+          <a:bodyPr>
+            <a:normAutofit/>
+          </a:bodyPr>
+          <a:lstStyle/>
+          <a:p>
+            <a:pPr algn="l"/>
+            <a:r>
+              <a:rPr lang="ru-RU" sz="4400" cap="none" dirty="0"/>
+              <a:t>Выбранные параметры размытия Гаусса</a:t>
+            </a:r>
+            <a:endParaRPr lang="ru-RU" sz="4400" dirty="0"/>
+          </a:p>
+        </p:txBody>
+      </p:sp>
+      <p:graphicFrame>
+        <p:nvGraphicFramePr>
+          <p:cNvPr id="4" name="Объект 3">
+            <a:extLst>
+              <a:ext uri="{FF2B5EF4-FFF2-40B4-BE49-F238E27FC236}">
+                <a16:creationId xmlns:a16="http://schemas.microsoft.com/office/drawing/2014/main" id="{B28791D3-35D3-1BFB-609B-B19618B34077}"/>
+              </a:ext>
+            </a:extLst>
+          </p:cNvPr>
+          <p:cNvGraphicFramePr>
+            <a:graphicFrameLocks noGrp="1"/>
+          </p:cNvGraphicFramePr>
+          <p:nvPr>
+            <p:ph idx="1"/>
+            <p:extLst>
+              <p:ext uri="{D42A27DB-BD31-4B8C-83A1-F6EECF244321}">
+                <p14:modId xmlns:p14="http://schemas.microsoft.com/office/powerpoint/2010/main" val="3428171068"/>
+              </p:ext>
+            </p:extLst>
+          </p:nvPr>
+        </p:nvGraphicFramePr>
+        <p:xfrm>
+          <a:off x="1792720" y="2006887"/>
+          <a:ext cx="8635136" cy="3885912"/>
+        </p:xfrm>
+        <a:graphic>
+          <a:graphicData uri="http://schemas.openxmlformats.org/drawingml/2006/table">
+            <a:tbl>
+              <a:tblPr firstRow="1" bandRow="1">
+                <a:tableStyleId>{5C22544A-7EE6-4342-B048-85BDC9FD1C3A}</a:tableStyleId>
+              </a:tblPr>
+              <a:tblGrid>
+                <a:gridCol w="2158784">
+                  <a:extLst>
+                    <a:ext uri="{9D8B030D-6E8A-4147-A177-3AD203B41FA5}">
+                      <a16:colId xmlns:a16="http://schemas.microsoft.com/office/drawing/2014/main" val="1670820282"/>
+                    </a:ext>
+                  </a:extLst>
+                </a:gridCol>
+                <a:gridCol w="2158784">
+                  <a:extLst>
+                    <a:ext uri="{9D8B030D-6E8A-4147-A177-3AD203B41FA5}">
+                      <a16:colId xmlns:a16="http://schemas.microsoft.com/office/drawing/2014/main" val="3621433772"/>
+                    </a:ext>
+                  </a:extLst>
+                </a:gridCol>
+                <a:gridCol w="2158784">
+                  <a:extLst>
+                    <a:ext uri="{9D8B030D-6E8A-4147-A177-3AD203B41FA5}">
+                      <a16:colId xmlns:a16="http://schemas.microsoft.com/office/drawing/2014/main" val="796691448"/>
+                    </a:ext>
+                  </a:extLst>
+                </a:gridCol>
+                <a:gridCol w="2158784">
+                  <a:extLst>
+                    <a:ext uri="{9D8B030D-6E8A-4147-A177-3AD203B41FA5}">
+                      <a16:colId xmlns:a16="http://schemas.microsoft.com/office/drawing/2014/main" val="1662342609"/>
+                    </a:ext>
+                  </a:extLst>
+                </a:gridCol>
+              </a:tblGrid>
+              <a:tr h="647652">
+                <a:tc>
+                  <a:txBody>
+                    <a:bodyPr/>
+                    <a:lstStyle/>
+                    <a:p>
+                      <a:r>
+                        <a:rPr lang="ru-RU" dirty="0"/>
+                        <a:t>Изображение</a:t>
+                      </a:r>
+                    </a:p>
+                  </a:txBody>
+                  <a:tcPr/>
+                </a:tc>
+                <a:tc>
+                  <a:txBody>
+                    <a:bodyPr/>
+                    <a:lstStyle/>
+                    <a:p>
+                      <a:r>
+                        <a:rPr lang="ru-RU" dirty="0"/>
+                        <a:t>Размер ядра </a:t>
+                      </a:r>
+                    </a:p>
+                  </a:txBody>
+                  <a:tcPr/>
+                </a:tc>
+                <a:tc>
+                  <a:txBody>
+                    <a:bodyPr/>
+                    <a:lstStyle/>
+                    <a:p>
+                      <a:r>
+                        <a:rPr lang="en-US" dirty="0" err="1"/>
+                        <a:t>SigmaX</a:t>
+                      </a:r>
+                      <a:endParaRPr lang="ru-RU" dirty="0"/>
+                    </a:p>
+                  </a:txBody>
+                  <a:tcPr/>
+                </a:tc>
+                <a:tc>
+                  <a:txBody>
+                    <a:bodyPr/>
+                    <a:lstStyle/>
+                    <a:p>
+                      <a:r>
+                        <a:rPr lang="en-US" dirty="0" err="1"/>
+                        <a:t>SigmaY</a:t>
+                      </a:r>
+                      <a:endParaRPr lang="ru-RU" dirty="0"/>
+                    </a:p>
+                  </a:txBody>
+                  <a:tcPr/>
+                </a:tc>
+                <a:extLst>
+                  <a:ext uri="{0D108BD9-81ED-4DB2-BD59-A6C34878D82A}">
+                    <a16:rowId xmlns:a16="http://schemas.microsoft.com/office/drawing/2014/main" val="377884934"/>
+                  </a:ext>
+                </a:extLst>
+              </a:tr>
+              <a:tr h="647652">
+                <a:tc>
+                  <a:txBody>
+                    <a:bodyPr/>
+                    <a:lstStyle/>
+                    <a:p>
+                      <a:r>
+                        <a:rPr lang="en-US" dirty="0"/>
+                        <a:t>testImage1</a:t>
+                      </a:r>
+                      <a:endParaRPr lang="ru-RU" dirty="0"/>
+                    </a:p>
+                  </a:txBody>
+                  <a:tcPr/>
+                </a:tc>
+                <a:tc>
+                  <a:txBody>
+                    <a:bodyPr/>
+                    <a:lstStyle/>
+                    <a:p>
+                      <a:r>
+                        <a:rPr lang="en-US" dirty="0"/>
+                        <a:t>5</a:t>
+                      </a:r>
+                      <a:endParaRPr lang="ru-RU" dirty="0"/>
+                    </a:p>
+                  </a:txBody>
+                  <a:tcPr/>
+                </a:tc>
+                <a:tc>
+                  <a:txBody>
+                    <a:bodyPr/>
+                    <a:lstStyle/>
+                    <a:p>
+                      <a:r>
+                        <a:rPr lang="en-US" dirty="0"/>
+                        <a:t>12</a:t>
+                      </a:r>
+                      <a:endParaRPr lang="ru-RU" dirty="0"/>
+                    </a:p>
+                  </a:txBody>
+                  <a:tcPr/>
+                </a:tc>
+                <a:tc>
+                  <a:txBody>
+                    <a:bodyPr/>
+                    <a:lstStyle/>
+                    <a:p>
+                      <a:r>
+                        <a:rPr lang="en-US" dirty="0"/>
+                        <a:t>12</a:t>
+                      </a:r>
+                      <a:endParaRPr lang="ru-RU" dirty="0"/>
+                    </a:p>
+                  </a:txBody>
+                  <a:tcPr/>
+                </a:tc>
+                <a:extLst>
+                  <a:ext uri="{0D108BD9-81ED-4DB2-BD59-A6C34878D82A}">
+                    <a16:rowId xmlns:a16="http://schemas.microsoft.com/office/drawing/2014/main" val="4115670497"/>
+                  </a:ext>
+                </a:extLst>
+              </a:tr>
+              <a:tr h="647652">
+                <a:tc>
+                  <a:txBody>
+                    <a:bodyPr/>
+                    <a:lstStyle/>
+                    <a:p>
+                      <a:r>
+                        <a:rPr lang="en-US" dirty="0"/>
+                        <a:t>testImage2</a:t>
+                      </a:r>
+                      <a:endParaRPr lang="ru-RU" dirty="0"/>
+                    </a:p>
+                  </a:txBody>
+                  <a:tcPr/>
+                </a:tc>
+                <a:tc>
+                  <a:txBody>
+                    <a:bodyPr/>
+                    <a:lstStyle/>
+                    <a:p>
+                      <a:r>
+                        <a:rPr lang="en-US" dirty="0"/>
+                        <a:t>5</a:t>
+                      </a:r>
+                      <a:endParaRPr lang="ru-RU" dirty="0"/>
+                    </a:p>
+                  </a:txBody>
+                  <a:tcPr/>
+                </a:tc>
+                <a:tc>
+                  <a:txBody>
+                    <a:bodyPr/>
+                    <a:lstStyle/>
+                    <a:p>
+                      <a:r>
+                        <a:rPr lang="en-US" dirty="0"/>
+                        <a:t>10</a:t>
+                      </a:r>
+                      <a:endParaRPr lang="ru-RU" dirty="0"/>
+                    </a:p>
+                  </a:txBody>
+                  <a:tcPr/>
+                </a:tc>
+                <a:tc>
+                  <a:txBody>
+                    <a:bodyPr/>
+                    <a:lstStyle/>
+                    <a:p>
+                      <a:r>
+                        <a:rPr lang="en-US" dirty="0"/>
+                        <a:t>10</a:t>
+                      </a:r>
+                      <a:endParaRPr lang="ru-RU" dirty="0"/>
+                    </a:p>
+                  </a:txBody>
+                  <a:tcPr/>
+                </a:tc>
+                <a:extLst>
+                  <a:ext uri="{0D108BD9-81ED-4DB2-BD59-A6C34878D82A}">
+                    <a16:rowId xmlns:a16="http://schemas.microsoft.com/office/drawing/2014/main" val="941241545"/>
+                  </a:ext>
+                </a:extLst>
+              </a:tr>
+              <a:tr h="647652">
+                <a:tc>
+                  <a:txBody>
+                    <a:bodyPr/>
+                    <a:lstStyle/>
+                    <a:p>
+                      <a:r>
+                        <a:rPr lang="en-US" dirty="0"/>
+                        <a:t>testImage3</a:t>
+                      </a:r>
+                      <a:endParaRPr lang="ru-RU" dirty="0"/>
+                    </a:p>
+                  </a:txBody>
+                  <a:tcPr/>
+                </a:tc>
+                <a:tc>
+                  <a:txBody>
+                    <a:bodyPr/>
+                    <a:lstStyle/>
+                    <a:p>
+                      <a:r>
+                        <a:rPr lang="en-US" dirty="0"/>
+                        <a:t>5</a:t>
+                      </a:r>
+                      <a:endParaRPr lang="ru-RU" dirty="0"/>
+                    </a:p>
+                  </a:txBody>
+                  <a:tcPr/>
+                </a:tc>
+                <a:tc>
+                  <a:txBody>
+                    <a:bodyPr/>
+                    <a:lstStyle/>
+                    <a:p>
+                      <a:r>
+                        <a:rPr lang="en-US" dirty="0"/>
+                        <a:t>10</a:t>
+                      </a:r>
+                      <a:endParaRPr lang="ru-RU" dirty="0"/>
+                    </a:p>
+                  </a:txBody>
+                  <a:tcPr/>
+                </a:tc>
+                <a:tc>
+                  <a:txBody>
+                    <a:bodyPr/>
+                    <a:lstStyle/>
+                    <a:p>
+                      <a:r>
+                        <a:rPr lang="en-US" dirty="0"/>
+                        <a:t>10</a:t>
+                      </a:r>
+                      <a:endParaRPr lang="ru-RU" dirty="0"/>
+                    </a:p>
+                  </a:txBody>
+                  <a:tcPr/>
+                </a:tc>
+                <a:extLst>
+                  <a:ext uri="{0D108BD9-81ED-4DB2-BD59-A6C34878D82A}">
+                    <a16:rowId xmlns:a16="http://schemas.microsoft.com/office/drawing/2014/main" val="2034160746"/>
+                  </a:ext>
+                </a:extLst>
+              </a:tr>
+              <a:tr h="647652">
+                <a:tc>
+                  <a:txBody>
+                    <a:bodyPr/>
+                    <a:lstStyle/>
+                    <a:p>
+                      <a:r>
+                        <a:rPr lang="en-US" dirty="0"/>
+                        <a:t>testImage4</a:t>
+                      </a:r>
+                      <a:endParaRPr lang="ru-RU" dirty="0"/>
+                    </a:p>
+                  </a:txBody>
+                  <a:tcPr/>
+                </a:tc>
+                <a:tc>
+                  <a:txBody>
+                    <a:bodyPr/>
+                    <a:lstStyle/>
+                    <a:p>
+                      <a:r>
+                        <a:rPr lang="ru-RU" dirty="0"/>
+                        <a:t>5</a:t>
+                      </a:r>
+                    </a:p>
+                  </a:txBody>
+                  <a:tcPr/>
+                </a:tc>
+                <a:tc>
+                  <a:txBody>
+                    <a:bodyPr/>
+                    <a:lstStyle/>
+                    <a:p>
+                      <a:r>
+                        <a:rPr lang="ru-RU" dirty="0"/>
+                        <a:t>1</a:t>
+                      </a:r>
+                      <a:r>
+                        <a:rPr lang="en-US" dirty="0"/>
+                        <a:t>0</a:t>
+                      </a:r>
+                      <a:endParaRPr lang="ru-RU" dirty="0"/>
+                    </a:p>
+                  </a:txBody>
+                  <a:tcPr/>
+                </a:tc>
+                <a:tc>
+                  <a:txBody>
+                    <a:bodyPr/>
+                    <a:lstStyle/>
+                    <a:p>
+                      <a:r>
+                        <a:rPr lang="ru-RU" dirty="0"/>
+                        <a:t>1</a:t>
+                      </a:r>
+                      <a:r>
+                        <a:rPr lang="en-US" dirty="0"/>
+                        <a:t>0</a:t>
+                      </a:r>
+                      <a:endParaRPr lang="ru-RU" dirty="0"/>
+                    </a:p>
+                  </a:txBody>
+                  <a:tcPr/>
+                </a:tc>
+                <a:extLst>
+                  <a:ext uri="{0D108BD9-81ED-4DB2-BD59-A6C34878D82A}">
+                    <a16:rowId xmlns:a16="http://schemas.microsoft.com/office/drawing/2014/main" val="1757122455"/>
+                  </a:ext>
+                </a:extLst>
+              </a:tr>
+              <a:tr h="647652">
+                <a:tc>
+                  <a:txBody>
+                    <a:bodyPr/>
+                    <a:lstStyle/>
+                    <a:p>
+                      <a:r>
+                        <a:rPr lang="en-US" dirty="0"/>
+                        <a:t>testImage5</a:t>
+                      </a:r>
+                      <a:endParaRPr lang="ru-RU" dirty="0"/>
+                    </a:p>
+                  </a:txBody>
+                  <a:tcPr/>
+                </a:tc>
+                <a:tc>
+                  <a:txBody>
+                    <a:bodyPr/>
+                    <a:lstStyle/>
+                    <a:p>
+                      <a:r>
+                        <a:rPr lang="en-US" dirty="0"/>
+                        <a:t>5</a:t>
+                      </a:r>
+                      <a:endParaRPr lang="ru-RU" dirty="0"/>
+                    </a:p>
+                  </a:txBody>
+                  <a:tcPr/>
+                </a:tc>
+                <a:tc>
+                  <a:txBody>
+                    <a:bodyPr/>
+                    <a:lstStyle/>
+                    <a:p>
+                      <a:r>
+                        <a:rPr lang="en-US" dirty="0"/>
+                        <a:t>12</a:t>
+                      </a:r>
+                      <a:endParaRPr lang="ru-RU" dirty="0"/>
+                    </a:p>
+                  </a:txBody>
+                  <a:tcPr/>
+                </a:tc>
+                <a:tc>
+                  <a:txBody>
+                    <a:bodyPr/>
+                    <a:lstStyle/>
+                    <a:p>
+                      <a:r>
+                        <a:rPr lang="en-US" dirty="0"/>
+                        <a:t>12</a:t>
+                      </a:r>
+                      <a:endParaRPr lang="ru-RU" dirty="0"/>
+                    </a:p>
+                  </a:txBody>
+                  <a:tcPr/>
+                </a:tc>
+                <a:extLst>
+                  <a:ext uri="{0D108BD9-81ED-4DB2-BD59-A6C34878D82A}">
+                    <a16:rowId xmlns:a16="http://schemas.microsoft.com/office/drawing/2014/main" val="3005754936"/>
+                  </a:ext>
+                </a:extLst>
+              </a:tr>
+            </a:tbl>
+          </a:graphicData>
+        </a:graphic>
+      </p:graphicFrame>
+    </p:spTree>
+    <p:extLst>
+      <p:ext uri="{BB962C8B-B14F-4D97-AF65-F5344CB8AC3E}">
+        <p14:creationId xmlns:p14="http://schemas.microsoft.com/office/powerpoint/2010/main" val="3853910197"/>
+      </p:ext>
+    </p:extLst>
+  </p:cSld>
+  <p:clrMapOvr>
+    <a:masterClrMapping/>
+  </p:clrMapOvr>
+</p:sld>
+</file>
+
+<file path=ppt/slides/slide24.xml><?xml version="1.0" encoding="utf-8"?>
+<p:sld xmlns:a="http://schemas.openxmlformats.org/drawingml/2006/main" xmlns:r="http://schemas.openxmlformats.org/officeDocument/2006/relationships" xmlns:p="http://schemas.openxmlformats.org/presentationml/2006/main">
+  <p:cSld>
+    <p:spTree>
+      <p:nvGrpSpPr>
+        <p:cNvPr id="1" name="">
+          <a:extLst>
+            <a:ext uri="{FF2B5EF4-FFF2-40B4-BE49-F238E27FC236}">
+              <a16:creationId xmlns:a16="http://schemas.microsoft.com/office/drawing/2014/main" id="{306E2DA1-E44B-85B9-4F2D-0CAC057F91F3}"/>
+            </a:ext>
+          </a:extLst>
+        </p:cNvPr>
+        <p:cNvGrpSpPr/>
+        <p:nvPr/>
+      </p:nvGrpSpPr>
+      <p:grpSpPr>
+        <a:xfrm>
+          <a:off x="0" y="0"/>
+          <a:ext cx="0" cy="0"/>
+          <a:chOff x="0" y="0"/>
+          <a:chExt cx="0" cy="0"/>
+        </a:xfrm>
+      </p:grpSpPr>
+      <p:sp>
+        <p:nvSpPr>
+          <p:cNvPr id="2" name="Заголовок 1">
+            <a:extLst>
+              <a:ext uri="{FF2B5EF4-FFF2-40B4-BE49-F238E27FC236}">
+                <a16:creationId xmlns:a16="http://schemas.microsoft.com/office/drawing/2014/main" id="{4CD27873-5471-AA9B-C7C9-3352867D9FA4}"/>
+              </a:ext>
+            </a:extLst>
+          </p:cNvPr>
+          <p:cNvSpPr>
+            <a:spLocks noGrp="1"/>
+          </p:cNvSpPr>
+          <p:nvPr>
+            <p:ph type="title"/>
+          </p:nvPr>
+        </p:nvSpPr>
+        <p:spPr>
+          <a:xfrm>
+            <a:off x="1459345" y="804519"/>
+            <a:ext cx="9310255" cy="1049235"/>
+          </a:xfrm>
+        </p:spPr>
+        <p:txBody>
+          <a:bodyPr>
+            <a:noAutofit/>
+          </a:bodyPr>
+          <a:lstStyle/>
+          <a:p>
+            <a:pPr algn="l"/>
+            <a:r>
+              <a:rPr lang="ru-RU" sz="4400" cap="none" dirty="0"/>
+              <a:t>Выбранные пороговые значения</a:t>
+            </a:r>
+            <a:endParaRPr lang="ru-RU" sz="4400" dirty="0"/>
+          </a:p>
+        </p:txBody>
+      </p:sp>
+      <p:graphicFrame>
+        <p:nvGraphicFramePr>
+          <p:cNvPr id="4" name="Объект 3">
+            <a:extLst>
+              <a:ext uri="{FF2B5EF4-FFF2-40B4-BE49-F238E27FC236}">
+                <a16:creationId xmlns:a16="http://schemas.microsoft.com/office/drawing/2014/main" id="{C7EB2182-C59A-4DBA-4770-15B64C3C6D36}"/>
+              </a:ext>
+            </a:extLst>
+          </p:cNvPr>
+          <p:cNvGraphicFramePr>
+            <a:graphicFrameLocks/>
+          </p:cNvGraphicFramePr>
+          <p:nvPr>
+            <p:extLst>
+              <p:ext uri="{D42A27DB-BD31-4B8C-83A1-F6EECF244321}">
+                <p14:modId xmlns:p14="http://schemas.microsoft.com/office/powerpoint/2010/main" val="1280285854"/>
+              </p:ext>
+            </p:extLst>
+          </p:nvPr>
+        </p:nvGraphicFramePr>
+        <p:xfrm>
+          <a:off x="1423265" y="1831396"/>
+          <a:ext cx="8635136" cy="3885912"/>
+        </p:xfrm>
+        <a:graphic>
+          <a:graphicData uri="http://schemas.openxmlformats.org/drawingml/2006/table">
+            <a:tbl>
+              <a:tblPr firstRow="1" bandRow="1">
+                <a:tableStyleId>{5C22544A-7EE6-4342-B048-85BDC9FD1C3A}</a:tableStyleId>
+              </a:tblPr>
+              <a:tblGrid>
+                <a:gridCol w="2158784">
+                  <a:extLst>
+                    <a:ext uri="{9D8B030D-6E8A-4147-A177-3AD203B41FA5}">
+                      <a16:colId xmlns:a16="http://schemas.microsoft.com/office/drawing/2014/main" val="1670820282"/>
+                    </a:ext>
+                  </a:extLst>
+                </a:gridCol>
+                <a:gridCol w="2158784">
+                  <a:extLst>
+                    <a:ext uri="{9D8B030D-6E8A-4147-A177-3AD203B41FA5}">
+                      <a16:colId xmlns:a16="http://schemas.microsoft.com/office/drawing/2014/main" val="3621433772"/>
+                    </a:ext>
+                  </a:extLst>
+                </a:gridCol>
+                <a:gridCol w="2158784">
+                  <a:extLst>
+                    <a:ext uri="{9D8B030D-6E8A-4147-A177-3AD203B41FA5}">
+                      <a16:colId xmlns:a16="http://schemas.microsoft.com/office/drawing/2014/main" val="796691448"/>
+                    </a:ext>
+                  </a:extLst>
+                </a:gridCol>
+                <a:gridCol w="2158784">
+                  <a:extLst>
+                    <a:ext uri="{9D8B030D-6E8A-4147-A177-3AD203B41FA5}">
+                      <a16:colId xmlns:a16="http://schemas.microsoft.com/office/drawing/2014/main" val="1662342609"/>
+                    </a:ext>
+                  </a:extLst>
+                </a:gridCol>
+              </a:tblGrid>
+              <a:tr h="647652">
+                <a:tc>
+                  <a:txBody>
+                    <a:bodyPr/>
+                    <a:lstStyle/>
+                    <a:p>
+                      <a:r>
+                        <a:rPr lang="ru-RU" dirty="0"/>
+                        <a:t>Изображение</a:t>
+                      </a:r>
+                    </a:p>
+                  </a:txBody>
+                  <a:tcPr/>
+                </a:tc>
+                <a:tc>
+                  <a:txBody>
+                    <a:bodyPr/>
+                    <a:lstStyle/>
+                    <a:p>
+                      <a:r>
+                        <a:rPr lang="ru-RU" dirty="0"/>
+                        <a:t>Пороговые значения 1</a:t>
+                      </a:r>
+                    </a:p>
+                  </a:txBody>
+                  <a:tcPr/>
+                </a:tc>
+                <a:tc>
+                  <a:txBody>
+                    <a:bodyPr/>
+                    <a:lstStyle/>
+                    <a:p>
+                      <a:r>
+                        <a:rPr lang="ru-RU" dirty="0"/>
+                        <a:t>Пороговые значения 2</a:t>
+                      </a:r>
+                    </a:p>
+                  </a:txBody>
+                  <a:tcPr/>
+                </a:tc>
+                <a:tc>
+                  <a:txBody>
+                    <a:bodyPr/>
+                    <a:lstStyle/>
+                    <a:p>
+                      <a:r>
+                        <a:rPr lang="ru-RU" dirty="0"/>
+                        <a:t>Пороговые значения 3</a:t>
+                      </a:r>
+                    </a:p>
+                  </a:txBody>
+                  <a:tcPr/>
+                </a:tc>
+                <a:extLst>
+                  <a:ext uri="{0D108BD9-81ED-4DB2-BD59-A6C34878D82A}">
+                    <a16:rowId xmlns:a16="http://schemas.microsoft.com/office/drawing/2014/main" val="377884934"/>
+                  </a:ext>
+                </a:extLst>
+              </a:tr>
+              <a:tr h="647652">
+                <a:tc>
+                  <a:txBody>
+                    <a:bodyPr/>
+                    <a:lstStyle/>
+                    <a:p>
+                      <a:r>
+                        <a:rPr lang="en-US" dirty="0"/>
+                        <a:t>testImage1</a:t>
+                      </a:r>
+                      <a:endParaRPr lang="ru-RU" dirty="0"/>
+                    </a:p>
+                  </a:txBody>
+                  <a:tcPr/>
+                </a:tc>
+                <a:tc>
+                  <a:txBody>
+                    <a:bodyPr/>
+                    <a:lstStyle/>
+                    <a:p>
+                      <a:r>
+                        <a:rPr lang="ru-RU" dirty="0"/>
+                        <a:t>(1</a:t>
+                      </a:r>
+                      <a:r>
+                        <a:rPr lang="en-US" dirty="0"/>
+                        <a:t>3</a:t>
+                      </a:r>
+                      <a:r>
+                        <a:rPr lang="ru-RU" dirty="0"/>
+                        <a:t>0</a:t>
+                      </a:r>
+                      <a:r>
+                        <a:rPr lang="en-US" dirty="0"/>
+                        <a:t>,180)</a:t>
+                      </a:r>
+                      <a:endParaRPr lang="ru-RU" dirty="0"/>
+                    </a:p>
+                  </a:txBody>
+                  <a:tcPr/>
+                </a:tc>
+                <a:tc>
+                  <a:txBody>
+                    <a:bodyPr/>
+                    <a:lstStyle/>
+                    <a:p>
+                      <a:r>
+                        <a:rPr lang="en-US" dirty="0"/>
+                        <a:t>(140,200)</a:t>
+                      </a:r>
+                      <a:endParaRPr lang="ru-RU" dirty="0"/>
+                    </a:p>
+                  </a:txBody>
+                  <a:tcPr/>
+                </a:tc>
+                <a:tc>
+                  <a:txBody>
+                    <a:bodyPr/>
+                    <a:lstStyle/>
+                    <a:p>
+                      <a:r>
+                        <a:rPr lang="en-US" dirty="0"/>
+                        <a:t>(180,200)</a:t>
+                      </a:r>
+                      <a:endParaRPr lang="ru-RU" dirty="0"/>
+                    </a:p>
+                  </a:txBody>
+                  <a:tcPr/>
+                </a:tc>
+                <a:extLst>
+                  <a:ext uri="{0D108BD9-81ED-4DB2-BD59-A6C34878D82A}">
+                    <a16:rowId xmlns:a16="http://schemas.microsoft.com/office/drawing/2014/main" val="4115670497"/>
+                  </a:ext>
+                </a:extLst>
+              </a:tr>
+              <a:tr h="647652">
+                <a:tc>
+                  <a:txBody>
+                    <a:bodyPr/>
+                    <a:lstStyle/>
+                    <a:p>
+                      <a:r>
+                        <a:rPr lang="en-US" dirty="0"/>
+                        <a:t>testImage2</a:t>
+                      </a:r>
+                      <a:endParaRPr lang="ru-RU" dirty="0"/>
+                    </a:p>
+                  </a:txBody>
+                  <a:tcPr/>
+                </a:tc>
+                <a:tc>
+                  <a:txBody>
+                    <a:bodyPr/>
+                    <a:lstStyle/>
+                    <a:p>
+                      <a:r>
+                        <a:rPr lang="en-US" dirty="0"/>
+                        <a:t>(50,80)</a:t>
+                      </a:r>
+                      <a:endParaRPr lang="ru-RU" dirty="0"/>
+                    </a:p>
+                  </a:txBody>
+                  <a:tcPr/>
+                </a:tc>
+                <a:tc>
+                  <a:txBody>
+                    <a:bodyPr/>
+                    <a:lstStyle/>
+                    <a:p>
+                      <a:r>
+                        <a:rPr lang="en-US" dirty="0"/>
+                        <a:t>(60,90)</a:t>
+                      </a:r>
+                      <a:endParaRPr lang="ru-RU" dirty="0"/>
+                    </a:p>
+                  </a:txBody>
+                  <a:tcPr/>
+                </a:tc>
+                <a:tc>
+                  <a:txBody>
+                    <a:bodyPr/>
+                    <a:lstStyle/>
+                    <a:p>
+                      <a:r>
+                        <a:rPr lang="en-US" dirty="0"/>
+                        <a:t>(70,90)</a:t>
+                      </a:r>
+                      <a:endParaRPr lang="ru-RU" dirty="0"/>
+                    </a:p>
+                  </a:txBody>
+                  <a:tcPr/>
+                </a:tc>
+                <a:extLst>
+                  <a:ext uri="{0D108BD9-81ED-4DB2-BD59-A6C34878D82A}">
+                    <a16:rowId xmlns:a16="http://schemas.microsoft.com/office/drawing/2014/main" val="941241545"/>
+                  </a:ext>
+                </a:extLst>
+              </a:tr>
+              <a:tr h="647652">
+                <a:tc>
+                  <a:txBody>
+                    <a:bodyPr/>
+                    <a:lstStyle/>
+                    <a:p>
+                      <a:r>
+                        <a:rPr lang="en-US" dirty="0"/>
+                        <a:t>testImage3</a:t>
+                      </a:r>
+                      <a:endParaRPr lang="ru-RU" dirty="0"/>
+                    </a:p>
+                  </a:txBody>
+                  <a:tcPr/>
+                </a:tc>
+                <a:tc>
+                  <a:txBody>
+                    <a:bodyPr/>
+                    <a:lstStyle/>
+                    <a:p>
+                      <a:r>
+                        <a:rPr lang="ru-RU" dirty="0"/>
+                        <a:t>(</a:t>
+                      </a:r>
+                      <a:r>
+                        <a:rPr lang="en-US" dirty="0"/>
+                        <a:t>7</a:t>
+                      </a:r>
+                      <a:r>
+                        <a:rPr lang="ru-RU" dirty="0"/>
+                        <a:t>0</a:t>
+                      </a:r>
+                      <a:r>
+                        <a:rPr lang="en-US" dirty="0"/>
+                        <a:t>,90)</a:t>
+                      </a:r>
+                      <a:endParaRPr lang="ru-RU" dirty="0"/>
+                    </a:p>
+                  </a:txBody>
+                  <a:tcPr/>
+                </a:tc>
+                <a:tc>
+                  <a:txBody>
+                    <a:bodyPr/>
+                    <a:lstStyle/>
+                    <a:p>
+                      <a:r>
+                        <a:rPr lang="en-US" dirty="0"/>
+                        <a:t>(50,80)</a:t>
+                      </a:r>
+                      <a:endParaRPr lang="ru-RU" dirty="0"/>
+                    </a:p>
+                  </a:txBody>
+                  <a:tcPr/>
+                </a:tc>
+                <a:tc>
+                  <a:txBody>
+                    <a:bodyPr/>
+                    <a:lstStyle/>
+                    <a:p>
+                      <a:r>
+                        <a:rPr lang="en-US" dirty="0"/>
+                        <a:t>(60,70)</a:t>
+                      </a:r>
+                      <a:endParaRPr lang="ru-RU" dirty="0"/>
+                    </a:p>
+                  </a:txBody>
+                  <a:tcPr/>
+                </a:tc>
+                <a:extLst>
+                  <a:ext uri="{0D108BD9-81ED-4DB2-BD59-A6C34878D82A}">
+                    <a16:rowId xmlns:a16="http://schemas.microsoft.com/office/drawing/2014/main" val="2034160746"/>
+                  </a:ext>
+                </a:extLst>
+              </a:tr>
+              <a:tr h="647652">
+                <a:tc>
+                  <a:txBody>
+                    <a:bodyPr/>
+                    <a:lstStyle/>
+                    <a:p>
+                      <a:r>
+                        <a:rPr lang="en-US" dirty="0"/>
+                        <a:t>testImage4</a:t>
+                      </a:r>
+                      <a:endParaRPr lang="ru-RU" dirty="0"/>
+                    </a:p>
+                  </a:txBody>
+                  <a:tcPr/>
+                </a:tc>
+                <a:tc>
+                  <a:txBody>
+                    <a:bodyPr/>
+                    <a:lstStyle/>
+                    <a:p>
+                      <a:r>
+                        <a:rPr lang="en-US" dirty="0"/>
+                        <a:t>(60,70)</a:t>
+                      </a:r>
+                      <a:endParaRPr lang="ru-RU" dirty="0"/>
+                    </a:p>
+                  </a:txBody>
+                  <a:tcPr/>
+                </a:tc>
+                <a:tc>
+                  <a:txBody>
+                    <a:bodyPr/>
+                    <a:lstStyle/>
+                    <a:p>
+                      <a:r>
+                        <a:rPr lang="en-US" dirty="0"/>
+                        <a:t>(50,90)</a:t>
+                      </a:r>
+                      <a:endParaRPr lang="ru-RU" dirty="0"/>
+                    </a:p>
+                  </a:txBody>
+                  <a:tcPr/>
+                </a:tc>
+                <a:tc>
+                  <a:txBody>
+                    <a:bodyPr/>
+                    <a:lstStyle/>
+                    <a:p>
+                      <a:r>
+                        <a:rPr lang="en-US" dirty="0"/>
+                        <a:t>(40,80)</a:t>
+                      </a:r>
+                      <a:endParaRPr lang="ru-RU" dirty="0"/>
+                    </a:p>
+                  </a:txBody>
+                  <a:tcPr/>
+                </a:tc>
+                <a:extLst>
+                  <a:ext uri="{0D108BD9-81ED-4DB2-BD59-A6C34878D82A}">
+                    <a16:rowId xmlns:a16="http://schemas.microsoft.com/office/drawing/2014/main" val="1757122455"/>
+                  </a:ext>
+                </a:extLst>
+              </a:tr>
+              <a:tr h="647652">
+                <a:tc>
+                  <a:txBody>
+                    <a:bodyPr/>
+                    <a:lstStyle/>
+                    <a:p>
+                      <a:r>
+                        <a:rPr lang="en-US" dirty="0"/>
+                        <a:t>testImage5</a:t>
+                      </a:r>
+                      <a:endParaRPr lang="ru-RU" dirty="0"/>
+                    </a:p>
+                  </a:txBody>
+                  <a:tcPr/>
+                </a:tc>
+                <a:tc>
+                  <a:txBody>
+                    <a:bodyPr/>
+                    <a:lstStyle/>
+                    <a:p>
+                      <a:r>
+                        <a:rPr lang="en-US" dirty="0"/>
+                        <a:t>(70,120)</a:t>
+                      </a:r>
+                      <a:endParaRPr lang="ru-RU" dirty="0"/>
+                    </a:p>
+                  </a:txBody>
+                  <a:tcPr/>
+                </a:tc>
+                <a:tc>
+                  <a:txBody>
+                    <a:bodyPr/>
+                    <a:lstStyle/>
+                    <a:p>
+                      <a:r>
+                        <a:rPr lang="en-US" dirty="0"/>
+                        <a:t>(60,100)</a:t>
+                      </a:r>
+                      <a:endParaRPr lang="ru-RU" dirty="0"/>
+                    </a:p>
+                  </a:txBody>
+                  <a:tcPr/>
+                </a:tc>
+                <a:tc>
+                  <a:txBody>
+                    <a:bodyPr/>
+                    <a:lstStyle/>
+                    <a:p>
+                      <a:r>
+                        <a:rPr lang="en-US" dirty="0"/>
+                        <a:t>(60,90)</a:t>
+                      </a:r>
+                      <a:endParaRPr lang="ru-RU" dirty="0"/>
+                    </a:p>
+                  </a:txBody>
+                  <a:tcPr/>
+                </a:tc>
+                <a:extLst>
+                  <a:ext uri="{0D108BD9-81ED-4DB2-BD59-A6C34878D82A}">
+                    <a16:rowId xmlns:a16="http://schemas.microsoft.com/office/drawing/2014/main" val="3005754936"/>
+                  </a:ext>
+                </a:extLst>
+              </a:tr>
+            </a:tbl>
+          </a:graphicData>
+        </a:graphic>
+      </p:graphicFrame>
+    </p:spTree>
+    <p:extLst>
+      <p:ext uri="{BB962C8B-B14F-4D97-AF65-F5344CB8AC3E}">
+        <p14:creationId xmlns:p14="http://schemas.microsoft.com/office/powerpoint/2010/main" val="198525110"/>
+      </p:ext>
+    </p:extLst>
+  </p:cSld>
+  <p:clrMapOvr>
+    <a:masterClrMapping/>
+  </p:clrMapOvr>
+</p:sld>
+</file>
+
+<file path=ppt/slides/slide25.xml><?xml version="1.0" encoding="utf-8"?>
+<p:sld xmlns:a="http://schemas.openxmlformats.org/drawingml/2006/main" xmlns:r="http://schemas.openxmlformats.org/officeDocument/2006/relationships" xmlns:p="http://schemas.openxmlformats.org/presentationml/2006/main">
+  <p:cSld>
+    <p:spTree>
+      <p:nvGrpSpPr>
+        <p:cNvPr id="1" name="">
+          <a:extLst>
+            <a:ext uri="{FF2B5EF4-FFF2-40B4-BE49-F238E27FC236}">
+              <a16:creationId xmlns:a16="http://schemas.microsoft.com/office/drawing/2014/main" id="{BAE3D557-8635-220A-31B7-4B30D2561C82}"/>
+            </a:ext>
+          </a:extLst>
+        </p:cNvPr>
+        <p:cNvGrpSpPr/>
+        <p:nvPr/>
+      </p:nvGrpSpPr>
+      <p:grpSpPr>
+        <a:xfrm>
+          <a:off x="0" y="0"/>
+          <a:ext cx="0" cy="0"/>
+          <a:chOff x="0" y="0"/>
+          <a:chExt cx="0" cy="0"/>
+        </a:xfrm>
+      </p:grpSpPr>
+      <p:sp>
+        <p:nvSpPr>
+          <p:cNvPr id="2" name="Заголовок 1">
+            <a:extLst>
+              <a:ext uri="{FF2B5EF4-FFF2-40B4-BE49-F238E27FC236}">
+                <a16:creationId xmlns:a16="http://schemas.microsoft.com/office/drawing/2014/main" id="{4983E0B5-DF62-9F72-4E82-6C2A15066A25}"/>
+              </a:ext>
+            </a:extLst>
+          </p:cNvPr>
+          <p:cNvSpPr>
+            <a:spLocks noGrp="1"/>
+          </p:cNvSpPr>
+          <p:nvPr>
+            <p:ph type="title"/>
+          </p:nvPr>
+        </p:nvSpPr>
+        <p:spPr/>
+        <p:txBody>
+          <a:bodyPr>
+            <a:noAutofit/>
+          </a:bodyPr>
+          <a:lstStyle/>
+          <a:p>
+            <a:pPr algn="l"/>
+            <a:r>
+              <a:rPr lang="ru-RU" sz="4400" cap="none" dirty="0"/>
+              <a:t>Результаты работа алгоритма</a:t>
+            </a:r>
+            <a:endParaRPr lang="ru-RU" sz="4400" dirty="0"/>
+          </a:p>
+        </p:txBody>
+      </p:sp>
+      <p:sp>
+        <p:nvSpPr>
+          <p:cNvPr id="3" name="Объект 2">
+            <a:extLst>
+              <a:ext uri="{FF2B5EF4-FFF2-40B4-BE49-F238E27FC236}">
+                <a16:creationId xmlns:a16="http://schemas.microsoft.com/office/drawing/2014/main" id="{F5B04DE5-FEE3-2E0A-1153-AE72E09C804F}"/>
+              </a:ext>
+            </a:extLst>
+          </p:cNvPr>
+          <p:cNvSpPr>
+            <a:spLocks noGrp="1"/>
+          </p:cNvSpPr>
+          <p:nvPr>
+            <p:ph idx="1"/>
+          </p:nvPr>
+        </p:nvSpPr>
+        <p:spPr/>
+        <p:txBody>
+          <a:bodyPr/>
+          <a:lstStyle/>
+          <a:p>
+            <a:r>
+              <a:rPr lang="ru-RU" dirty="0"/>
+              <a:t>Результаты работы алгоритма </a:t>
+            </a:r>
+            <a:r>
+              <a:rPr lang="ru-RU" dirty="0" err="1"/>
+              <a:t>Канни</a:t>
+            </a:r>
+            <a:r>
+              <a:rPr lang="ru-RU" dirty="0"/>
+              <a:t> для 3-х пороговых значений на изображении </a:t>
+            </a:r>
+            <a:r>
+              <a:rPr lang="en-US" dirty="0"/>
+              <a:t>1</a:t>
+            </a:r>
+            <a:endParaRPr lang="ru-RU" dirty="0"/>
+          </a:p>
+          <a:p>
+            <a:endParaRPr lang="ru-RU" dirty="0"/>
+          </a:p>
+        </p:txBody>
+      </p:sp>
+      <p:pic>
+        <p:nvPicPr>
+          <p:cNvPr id="14" name="Рисунок 13">
+            <a:extLst>
+              <a:ext uri="{FF2B5EF4-FFF2-40B4-BE49-F238E27FC236}">
+                <a16:creationId xmlns:a16="http://schemas.microsoft.com/office/drawing/2014/main" id="{AD0BAAA1-4426-3031-BD8E-26563073A345}"/>
+              </a:ext>
+            </a:extLst>
+          </p:cNvPr>
+          <p:cNvPicPr>
+            <a:picLocks noChangeAspect="1"/>
+          </p:cNvPicPr>
+          <p:nvPr/>
+        </p:nvPicPr>
+        <p:blipFill>
+          <a:blip r:embed="rId2"/>
+          <a:stretch>
+            <a:fillRect/>
+          </a:stretch>
+        </p:blipFill>
+        <p:spPr>
+          <a:xfrm>
+            <a:off x="310374" y="2812662"/>
+            <a:ext cx="3637158" cy="2807553"/>
+          </a:xfrm>
+          <a:prstGeom prst="rect">
+            <a:avLst/>
+          </a:prstGeom>
+        </p:spPr>
+      </p:pic>
+      <p:pic>
+        <p:nvPicPr>
+          <p:cNvPr id="16" name="Рисунок 15">
+            <a:extLst>
+              <a:ext uri="{FF2B5EF4-FFF2-40B4-BE49-F238E27FC236}">
+                <a16:creationId xmlns:a16="http://schemas.microsoft.com/office/drawing/2014/main" id="{021B3AEF-082F-AD25-AFFB-41B44E48A644}"/>
+              </a:ext>
+            </a:extLst>
+          </p:cNvPr>
+          <p:cNvPicPr>
+            <a:picLocks noChangeAspect="1"/>
+          </p:cNvPicPr>
+          <p:nvPr/>
+        </p:nvPicPr>
+        <p:blipFill>
+          <a:blip r:embed="rId3"/>
+          <a:stretch>
+            <a:fillRect/>
+          </a:stretch>
+        </p:blipFill>
+        <p:spPr>
+          <a:xfrm>
+            <a:off x="4290083" y="2857499"/>
+            <a:ext cx="3582678" cy="2740411"/>
+          </a:xfrm>
+          <a:prstGeom prst="rect">
+            <a:avLst/>
+          </a:prstGeom>
+        </p:spPr>
+      </p:pic>
+      <p:pic>
+        <p:nvPicPr>
+          <p:cNvPr id="18" name="Рисунок 17">
+            <a:extLst>
+              <a:ext uri="{FF2B5EF4-FFF2-40B4-BE49-F238E27FC236}">
+                <a16:creationId xmlns:a16="http://schemas.microsoft.com/office/drawing/2014/main" id="{834C2C45-F266-3A4F-A5C0-31A88655ADA2}"/>
+              </a:ext>
+            </a:extLst>
+          </p:cNvPr>
+          <p:cNvPicPr>
+            <a:picLocks noChangeAspect="1"/>
+          </p:cNvPicPr>
+          <p:nvPr/>
+        </p:nvPicPr>
+        <p:blipFill>
+          <a:blip r:embed="rId4"/>
+          <a:stretch>
+            <a:fillRect/>
+          </a:stretch>
+        </p:blipFill>
+        <p:spPr>
+          <a:xfrm>
+            <a:off x="8251670" y="2867024"/>
+            <a:ext cx="3586010" cy="2753191"/>
+          </a:xfrm>
+          <a:prstGeom prst="rect">
+            <a:avLst/>
+          </a:prstGeom>
+        </p:spPr>
+      </p:pic>
+    </p:spTree>
+    <p:extLst>
+      <p:ext uri="{BB962C8B-B14F-4D97-AF65-F5344CB8AC3E}">
+        <p14:creationId xmlns:p14="http://schemas.microsoft.com/office/powerpoint/2010/main" val="4275237761"/>
+      </p:ext>
+    </p:extLst>
+  </p:cSld>
+  <p:clrMapOvr>
+    <a:masterClrMapping/>
+  </p:clrMapOvr>
+</p:sld>
+</file>
+
+<file path=ppt/slides/slide26.xml><?xml version="1.0" encoding="utf-8"?>
+<p:sld xmlns:a="http://schemas.openxmlformats.org/drawingml/2006/main" xmlns:r="http://schemas.openxmlformats.org/officeDocument/2006/relationships" xmlns:p="http://schemas.openxmlformats.org/presentationml/2006/main">
+  <p:cSld>
+    <p:spTree>
+      <p:nvGrpSpPr>
+        <p:cNvPr id="1" name="">
+          <a:extLst>
+            <a:ext uri="{FF2B5EF4-FFF2-40B4-BE49-F238E27FC236}">
+              <a16:creationId xmlns:a16="http://schemas.microsoft.com/office/drawing/2014/main" id="{DBB54835-FDBC-5FDB-05EF-4A92C015BB71}"/>
+            </a:ext>
+          </a:extLst>
+        </p:cNvPr>
+        <p:cNvGrpSpPr/>
+        <p:nvPr/>
+      </p:nvGrpSpPr>
+      <p:grpSpPr>
+        <a:xfrm>
+          <a:off x="0" y="0"/>
+          <a:ext cx="0" cy="0"/>
+          <a:chOff x="0" y="0"/>
+          <a:chExt cx="0" cy="0"/>
+        </a:xfrm>
+      </p:grpSpPr>
+      <p:sp>
+        <p:nvSpPr>
+          <p:cNvPr id="2" name="Заголовок 1">
+            <a:extLst>
+              <a:ext uri="{FF2B5EF4-FFF2-40B4-BE49-F238E27FC236}">
+                <a16:creationId xmlns:a16="http://schemas.microsoft.com/office/drawing/2014/main" id="{49AD9EDB-2739-4CB3-7EAD-862C1073BE4E}"/>
+              </a:ext>
+            </a:extLst>
+          </p:cNvPr>
+          <p:cNvSpPr>
+            <a:spLocks noGrp="1"/>
+          </p:cNvSpPr>
+          <p:nvPr>
+            <p:ph type="title"/>
+          </p:nvPr>
+        </p:nvSpPr>
+        <p:spPr/>
+        <p:txBody>
+          <a:bodyPr>
+            <a:noAutofit/>
+          </a:bodyPr>
+          <a:lstStyle/>
+          <a:p>
+            <a:pPr algn="l"/>
+            <a:r>
+              <a:rPr lang="ru-RU" sz="4400" cap="none" dirty="0"/>
+              <a:t>Результаты работа алгоритма</a:t>
+            </a:r>
+            <a:endParaRPr lang="ru-RU" sz="4400" dirty="0"/>
+          </a:p>
+        </p:txBody>
+      </p:sp>
+      <p:sp>
+        <p:nvSpPr>
+          <p:cNvPr id="3" name="Объект 2">
+            <a:extLst>
+              <a:ext uri="{FF2B5EF4-FFF2-40B4-BE49-F238E27FC236}">
+                <a16:creationId xmlns:a16="http://schemas.microsoft.com/office/drawing/2014/main" id="{4011A1E4-7C63-CCA2-D372-5D3FCD8B5761}"/>
+              </a:ext>
+            </a:extLst>
+          </p:cNvPr>
+          <p:cNvSpPr>
+            <a:spLocks noGrp="1"/>
+          </p:cNvSpPr>
+          <p:nvPr>
+            <p:ph idx="1"/>
+          </p:nvPr>
+        </p:nvSpPr>
+        <p:spPr/>
+        <p:txBody>
+          <a:bodyPr/>
+          <a:lstStyle/>
+          <a:p>
+            <a:r>
+              <a:rPr lang="ru-RU" dirty="0"/>
+              <a:t>Результаты работы алгоритма </a:t>
+            </a:r>
+            <a:r>
+              <a:rPr lang="ru-RU" dirty="0" err="1"/>
+              <a:t>Канни</a:t>
+            </a:r>
+            <a:r>
+              <a:rPr lang="ru-RU" dirty="0"/>
+              <a:t> для 3-х пороговых значений на изображении </a:t>
+            </a:r>
+            <a:r>
+              <a:rPr lang="en-US" dirty="0"/>
+              <a:t>2</a:t>
+            </a:r>
+            <a:endParaRPr lang="ru-RU" dirty="0"/>
+          </a:p>
+          <a:p>
+            <a:endParaRPr lang="ru-RU" dirty="0"/>
+          </a:p>
+        </p:txBody>
+      </p:sp>
+      <p:pic>
+        <p:nvPicPr>
+          <p:cNvPr id="5" name="Рисунок 4">
+            <a:extLst>
+              <a:ext uri="{FF2B5EF4-FFF2-40B4-BE49-F238E27FC236}">
+                <a16:creationId xmlns:a16="http://schemas.microsoft.com/office/drawing/2014/main" id="{8B040B88-F850-8B7E-82EB-DCF886657B0E}"/>
+              </a:ext>
+            </a:extLst>
+          </p:cNvPr>
+          <p:cNvPicPr>
+            <a:picLocks noChangeAspect="1"/>
+          </p:cNvPicPr>
+          <p:nvPr/>
+        </p:nvPicPr>
+        <p:blipFill>
+          <a:blip r:embed="rId2"/>
+          <a:stretch>
+            <a:fillRect/>
+          </a:stretch>
+        </p:blipFill>
+        <p:spPr>
+          <a:xfrm>
+            <a:off x="327102" y="2999678"/>
+            <a:ext cx="3609278" cy="3155796"/>
+          </a:xfrm>
+          <a:prstGeom prst="rect">
+            <a:avLst/>
+          </a:prstGeom>
+        </p:spPr>
+      </p:pic>
+      <p:pic>
+        <p:nvPicPr>
+          <p:cNvPr id="9" name="Рисунок 8">
+            <a:extLst>
+              <a:ext uri="{FF2B5EF4-FFF2-40B4-BE49-F238E27FC236}">
+                <a16:creationId xmlns:a16="http://schemas.microsoft.com/office/drawing/2014/main" id="{B587EF8A-DF10-D07A-A5CA-EC27A462B210}"/>
+              </a:ext>
+            </a:extLst>
+          </p:cNvPr>
+          <p:cNvPicPr>
+            <a:picLocks noChangeAspect="1"/>
+          </p:cNvPicPr>
+          <p:nvPr/>
+        </p:nvPicPr>
+        <p:blipFill>
+          <a:blip r:embed="rId3"/>
+          <a:stretch>
+            <a:fillRect/>
+          </a:stretch>
+        </p:blipFill>
+        <p:spPr>
+          <a:xfrm>
+            <a:off x="4174272" y="2999679"/>
+            <a:ext cx="3620429" cy="3144643"/>
+          </a:xfrm>
+          <a:prstGeom prst="rect">
+            <a:avLst/>
+          </a:prstGeom>
+        </p:spPr>
+      </p:pic>
+      <p:pic>
+        <p:nvPicPr>
+          <p:cNvPr id="12" name="Рисунок 11">
+            <a:extLst>
+              <a:ext uri="{FF2B5EF4-FFF2-40B4-BE49-F238E27FC236}">
+                <a16:creationId xmlns:a16="http://schemas.microsoft.com/office/drawing/2014/main" id="{5519ECC7-C449-40B7-B2B2-3513C1956D2C}"/>
+              </a:ext>
+            </a:extLst>
+          </p:cNvPr>
+          <p:cNvPicPr>
+            <a:picLocks noChangeAspect="1"/>
+          </p:cNvPicPr>
+          <p:nvPr/>
+        </p:nvPicPr>
+        <p:blipFill>
+          <a:blip r:embed="rId4"/>
+          <a:stretch>
+            <a:fillRect/>
+          </a:stretch>
+        </p:blipFill>
+        <p:spPr>
+          <a:xfrm>
+            <a:off x="8249231" y="3002349"/>
+            <a:ext cx="3582213" cy="3141973"/>
+          </a:xfrm>
+          <a:prstGeom prst="rect">
+            <a:avLst/>
+          </a:prstGeom>
+        </p:spPr>
+      </p:pic>
+    </p:spTree>
+    <p:extLst>
+      <p:ext uri="{BB962C8B-B14F-4D97-AF65-F5344CB8AC3E}">
+        <p14:creationId xmlns:p14="http://schemas.microsoft.com/office/powerpoint/2010/main" val="1158130319"/>
+      </p:ext>
+    </p:extLst>
+  </p:cSld>
+  <p:clrMapOvr>
+    <a:masterClrMapping/>
+  </p:clrMapOvr>
+</p:sld>
+</file>
+
+<file path=ppt/slides/slide27.xml><?xml version="1.0" encoding="utf-8"?>
+<p:sld xmlns:a="http://schemas.openxmlformats.org/drawingml/2006/main" xmlns:r="http://schemas.openxmlformats.org/officeDocument/2006/relationships" xmlns:p="http://schemas.openxmlformats.org/presentationml/2006/main">
+  <p:cSld>
+    <p:spTree>
+      <p:nvGrpSpPr>
+        <p:cNvPr id="1" name="">
+          <a:extLst>
+            <a:ext uri="{FF2B5EF4-FFF2-40B4-BE49-F238E27FC236}">
+              <a16:creationId xmlns:a16="http://schemas.microsoft.com/office/drawing/2014/main" id="{FFF88688-B952-BFA0-BE89-B8EDDF6B921D}"/>
+            </a:ext>
+          </a:extLst>
+        </p:cNvPr>
+        <p:cNvGrpSpPr/>
+        <p:nvPr/>
+      </p:nvGrpSpPr>
+      <p:grpSpPr>
+        <a:xfrm>
+          <a:off x="0" y="0"/>
+          <a:ext cx="0" cy="0"/>
+          <a:chOff x="0" y="0"/>
+          <a:chExt cx="0" cy="0"/>
+        </a:xfrm>
+      </p:grpSpPr>
+      <p:sp>
+        <p:nvSpPr>
+          <p:cNvPr id="2" name="Заголовок 1">
+            <a:extLst>
+              <a:ext uri="{FF2B5EF4-FFF2-40B4-BE49-F238E27FC236}">
+                <a16:creationId xmlns:a16="http://schemas.microsoft.com/office/drawing/2014/main" id="{D2213DD7-04CB-E729-09B6-156D3CE56C9B}"/>
+              </a:ext>
+            </a:extLst>
+          </p:cNvPr>
+          <p:cNvSpPr>
+            <a:spLocks noGrp="1"/>
+          </p:cNvSpPr>
+          <p:nvPr>
+            <p:ph type="title"/>
+          </p:nvPr>
+        </p:nvSpPr>
+        <p:spPr/>
+        <p:txBody>
+          <a:bodyPr>
+            <a:noAutofit/>
+          </a:bodyPr>
+          <a:lstStyle/>
+          <a:p>
+            <a:pPr algn="l"/>
+            <a:r>
+              <a:rPr lang="ru-RU" sz="4400" cap="none" dirty="0"/>
+              <a:t>Результаты работа алгоритма</a:t>
+            </a:r>
+            <a:endParaRPr lang="ru-RU" sz="4400" dirty="0"/>
+          </a:p>
+        </p:txBody>
+      </p:sp>
+      <p:sp>
+        <p:nvSpPr>
+          <p:cNvPr id="3" name="Объект 2">
+            <a:extLst>
+              <a:ext uri="{FF2B5EF4-FFF2-40B4-BE49-F238E27FC236}">
+                <a16:creationId xmlns:a16="http://schemas.microsoft.com/office/drawing/2014/main" id="{9FC9428E-C238-68E8-5F7B-92A289886334}"/>
+              </a:ext>
+            </a:extLst>
+          </p:cNvPr>
+          <p:cNvSpPr>
+            <a:spLocks noGrp="1"/>
+          </p:cNvSpPr>
+          <p:nvPr>
+            <p:ph idx="1"/>
+          </p:nvPr>
+        </p:nvSpPr>
+        <p:spPr/>
+        <p:txBody>
+          <a:bodyPr/>
+          <a:lstStyle/>
+          <a:p>
+            <a:r>
+              <a:rPr lang="ru-RU" dirty="0"/>
+              <a:t>Результаты работы алгоритма </a:t>
+            </a:r>
+            <a:r>
+              <a:rPr lang="ru-RU" dirty="0" err="1"/>
+              <a:t>Канни</a:t>
+            </a:r>
+            <a:r>
+              <a:rPr lang="ru-RU" dirty="0"/>
+              <a:t> для 3-х пороговых значений на изображении </a:t>
+            </a:r>
+            <a:r>
+              <a:rPr lang="en-US" dirty="0"/>
+              <a:t>3</a:t>
+            </a:r>
+            <a:endParaRPr lang="ru-RU" dirty="0"/>
+          </a:p>
+          <a:p>
+            <a:endParaRPr lang="ru-RU" dirty="0"/>
+          </a:p>
+        </p:txBody>
+      </p:sp>
+      <p:pic>
+        <p:nvPicPr>
+          <p:cNvPr id="5" name="Рисунок 4">
+            <a:extLst>
+              <a:ext uri="{FF2B5EF4-FFF2-40B4-BE49-F238E27FC236}">
+                <a16:creationId xmlns:a16="http://schemas.microsoft.com/office/drawing/2014/main" id="{CEF67AC8-CBF3-E165-44EB-91B77C344BE7}"/>
+              </a:ext>
+            </a:extLst>
+          </p:cNvPr>
+          <p:cNvPicPr>
+            <a:picLocks noChangeAspect="1"/>
+          </p:cNvPicPr>
+          <p:nvPr/>
+        </p:nvPicPr>
+        <p:blipFill>
+          <a:blip r:embed="rId2"/>
+          <a:stretch>
+            <a:fillRect/>
+          </a:stretch>
+        </p:blipFill>
+        <p:spPr>
+          <a:xfrm>
+            <a:off x="627721" y="2910468"/>
+            <a:ext cx="3323046" cy="2687444"/>
+          </a:xfrm>
+          <a:prstGeom prst="rect">
+            <a:avLst/>
+          </a:prstGeom>
+        </p:spPr>
+      </p:pic>
+      <p:pic>
+        <p:nvPicPr>
+          <p:cNvPr id="9" name="Рисунок 8">
+            <a:extLst>
+              <a:ext uri="{FF2B5EF4-FFF2-40B4-BE49-F238E27FC236}">
+                <a16:creationId xmlns:a16="http://schemas.microsoft.com/office/drawing/2014/main" id="{89827E2E-5B2C-06AD-51B5-3CCA65E1F9C0}"/>
+              </a:ext>
+            </a:extLst>
+          </p:cNvPr>
+          <p:cNvPicPr>
+            <a:picLocks noChangeAspect="1"/>
+          </p:cNvPicPr>
+          <p:nvPr/>
+        </p:nvPicPr>
+        <p:blipFill>
+          <a:blip r:embed="rId3"/>
+          <a:stretch>
+            <a:fillRect/>
+          </a:stretch>
+        </p:blipFill>
+        <p:spPr>
+          <a:xfrm>
+            <a:off x="4278932" y="2891550"/>
+            <a:ext cx="3393107" cy="2661757"/>
+          </a:xfrm>
+          <a:prstGeom prst="rect">
+            <a:avLst/>
+          </a:prstGeom>
+        </p:spPr>
+      </p:pic>
+      <p:pic>
+        <p:nvPicPr>
+          <p:cNvPr id="12" name="Рисунок 11">
+            <a:extLst>
+              <a:ext uri="{FF2B5EF4-FFF2-40B4-BE49-F238E27FC236}">
+                <a16:creationId xmlns:a16="http://schemas.microsoft.com/office/drawing/2014/main" id="{06E96773-7CFA-D895-8AFA-6ED5D26FDE36}"/>
+              </a:ext>
+            </a:extLst>
+          </p:cNvPr>
+          <p:cNvPicPr>
+            <a:picLocks noChangeAspect="1"/>
+          </p:cNvPicPr>
+          <p:nvPr/>
+        </p:nvPicPr>
+        <p:blipFill>
+          <a:blip r:embed="rId4"/>
+          <a:stretch>
+            <a:fillRect/>
+          </a:stretch>
+        </p:blipFill>
+        <p:spPr>
+          <a:xfrm>
+            <a:off x="8014590" y="2921620"/>
+            <a:ext cx="3504620" cy="2687443"/>
+          </a:xfrm>
+          <a:prstGeom prst="rect">
+            <a:avLst/>
+          </a:prstGeom>
+        </p:spPr>
+      </p:pic>
+    </p:spTree>
+    <p:extLst>
+      <p:ext uri="{BB962C8B-B14F-4D97-AF65-F5344CB8AC3E}">
+        <p14:creationId xmlns:p14="http://schemas.microsoft.com/office/powerpoint/2010/main" val="3592445801"/>
+      </p:ext>
+    </p:extLst>
+  </p:cSld>
+  <p:clrMapOvr>
+    <a:masterClrMapping/>
+  </p:clrMapOvr>
+</p:sld>
+</file>
+
+<file path=ppt/slides/slide28.xml><?xml version="1.0" encoding="utf-8"?>
+<p:sld xmlns:a="http://schemas.openxmlformats.org/drawingml/2006/main" xmlns:r="http://schemas.openxmlformats.org/officeDocument/2006/relationships" xmlns:p="http://schemas.openxmlformats.org/presentationml/2006/main">
+  <p:cSld>
+    <p:spTree>
+      <p:nvGrpSpPr>
+        <p:cNvPr id="1" name="">
+          <a:extLst>
+            <a:ext uri="{FF2B5EF4-FFF2-40B4-BE49-F238E27FC236}">
+              <a16:creationId xmlns:a16="http://schemas.microsoft.com/office/drawing/2014/main" id="{AFAF3BD2-0373-D57D-8324-3A94935310B6}"/>
+            </a:ext>
+          </a:extLst>
+        </p:cNvPr>
+        <p:cNvGrpSpPr/>
+        <p:nvPr/>
+      </p:nvGrpSpPr>
+      <p:grpSpPr>
+        <a:xfrm>
+          <a:off x="0" y="0"/>
+          <a:ext cx="0" cy="0"/>
+          <a:chOff x="0" y="0"/>
+          <a:chExt cx="0" cy="0"/>
+        </a:xfrm>
+      </p:grpSpPr>
+      <p:sp>
+        <p:nvSpPr>
+          <p:cNvPr id="2" name="Заголовок 1">
+            <a:extLst>
+              <a:ext uri="{FF2B5EF4-FFF2-40B4-BE49-F238E27FC236}">
+                <a16:creationId xmlns:a16="http://schemas.microsoft.com/office/drawing/2014/main" id="{6616BF3B-8D81-730B-5C11-2CC15D43325D}"/>
+              </a:ext>
+            </a:extLst>
+          </p:cNvPr>
+          <p:cNvSpPr>
+            <a:spLocks noGrp="1"/>
+          </p:cNvSpPr>
+          <p:nvPr>
+            <p:ph type="title"/>
+          </p:nvPr>
+        </p:nvSpPr>
+        <p:spPr/>
+        <p:txBody>
+          <a:bodyPr>
+            <a:noAutofit/>
+          </a:bodyPr>
+          <a:lstStyle/>
+          <a:p>
+            <a:pPr algn="l"/>
+            <a:r>
+              <a:rPr lang="ru-RU" sz="4400" cap="none" dirty="0"/>
+              <a:t>Результаты работа алгоритма</a:t>
+            </a:r>
+            <a:endParaRPr lang="ru-RU" sz="4400" dirty="0"/>
+          </a:p>
+        </p:txBody>
+      </p:sp>
+      <p:sp>
+        <p:nvSpPr>
+          <p:cNvPr id="3" name="Объект 2">
+            <a:extLst>
+              <a:ext uri="{FF2B5EF4-FFF2-40B4-BE49-F238E27FC236}">
+                <a16:creationId xmlns:a16="http://schemas.microsoft.com/office/drawing/2014/main" id="{A12BDC6F-A9D4-EF66-6ED9-7589800FB009}"/>
+              </a:ext>
+            </a:extLst>
+          </p:cNvPr>
+          <p:cNvSpPr>
+            <a:spLocks noGrp="1"/>
+          </p:cNvSpPr>
+          <p:nvPr>
+            <p:ph idx="1"/>
+          </p:nvPr>
+        </p:nvSpPr>
+        <p:spPr/>
+        <p:txBody>
+          <a:bodyPr/>
+          <a:lstStyle/>
+          <a:p>
+            <a:r>
+              <a:rPr lang="ru-RU" dirty="0"/>
+              <a:t>Результаты работы алгоритма </a:t>
+            </a:r>
+            <a:r>
+              <a:rPr lang="ru-RU" dirty="0" err="1"/>
+              <a:t>Канни</a:t>
+            </a:r>
+            <a:r>
+              <a:rPr lang="ru-RU" dirty="0"/>
+              <a:t> для 3-х пороговых значений на изображении </a:t>
+            </a:r>
+            <a:r>
+              <a:rPr lang="en-US" dirty="0"/>
+              <a:t>4</a:t>
+            </a:r>
+            <a:endParaRPr lang="ru-RU" dirty="0"/>
+          </a:p>
+          <a:p>
+            <a:endParaRPr lang="ru-RU" dirty="0"/>
+          </a:p>
+        </p:txBody>
+      </p:sp>
+      <p:pic>
+        <p:nvPicPr>
+          <p:cNvPr id="5" name="Рисунок 4">
+            <a:extLst>
+              <a:ext uri="{FF2B5EF4-FFF2-40B4-BE49-F238E27FC236}">
+                <a16:creationId xmlns:a16="http://schemas.microsoft.com/office/drawing/2014/main" id="{C06380B8-5622-F83F-7C74-DAF1F955AB12}"/>
+              </a:ext>
+            </a:extLst>
+          </p:cNvPr>
+          <p:cNvPicPr>
+            <a:picLocks noChangeAspect="1"/>
+          </p:cNvPicPr>
+          <p:nvPr/>
+        </p:nvPicPr>
+        <p:blipFill>
+          <a:blip r:embed="rId2"/>
+          <a:stretch>
+            <a:fillRect/>
+          </a:stretch>
+        </p:blipFill>
+        <p:spPr>
+          <a:xfrm>
+            <a:off x="605302" y="2914418"/>
+            <a:ext cx="3431439" cy="2705797"/>
+          </a:xfrm>
+          <a:prstGeom prst="rect">
+            <a:avLst/>
+          </a:prstGeom>
+        </p:spPr>
+      </p:pic>
+      <p:pic>
+        <p:nvPicPr>
+          <p:cNvPr id="9" name="Рисунок 8">
+            <a:extLst>
+              <a:ext uri="{FF2B5EF4-FFF2-40B4-BE49-F238E27FC236}">
+                <a16:creationId xmlns:a16="http://schemas.microsoft.com/office/drawing/2014/main" id="{934390CE-B56F-52E8-93CC-B43C8A0F2993}"/>
+              </a:ext>
+            </a:extLst>
+          </p:cNvPr>
+          <p:cNvPicPr>
+            <a:picLocks noChangeAspect="1"/>
+          </p:cNvPicPr>
+          <p:nvPr/>
+        </p:nvPicPr>
+        <p:blipFill>
+          <a:blip r:embed="rId3"/>
+          <a:stretch>
+            <a:fillRect/>
+          </a:stretch>
+        </p:blipFill>
+        <p:spPr>
+          <a:xfrm>
+            <a:off x="4328068" y="2890489"/>
+            <a:ext cx="3343971" cy="2685121"/>
+          </a:xfrm>
+          <a:prstGeom prst="rect">
+            <a:avLst/>
+          </a:prstGeom>
+        </p:spPr>
+      </p:pic>
+      <p:pic>
+        <p:nvPicPr>
+          <p:cNvPr id="12" name="Рисунок 11">
+            <a:extLst>
+              <a:ext uri="{FF2B5EF4-FFF2-40B4-BE49-F238E27FC236}">
+                <a16:creationId xmlns:a16="http://schemas.microsoft.com/office/drawing/2014/main" id="{9F25EEC3-C636-537C-7F3D-1E118B8A28A3}"/>
+              </a:ext>
+            </a:extLst>
+          </p:cNvPr>
+          <p:cNvPicPr>
+            <a:picLocks noChangeAspect="1"/>
+          </p:cNvPicPr>
+          <p:nvPr/>
+        </p:nvPicPr>
+        <p:blipFill>
+          <a:blip r:embed="rId4"/>
+          <a:stretch>
+            <a:fillRect/>
+          </a:stretch>
+        </p:blipFill>
+        <p:spPr>
+          <a:xfrm>
+            <a:off x="7902845" y="2930874"/>
+            <a:ext cx="3582911" cy="2667037"/>
+          </a:xfrm>
+          <a:prstGeom prst="rect">
+            <a:avLst/>
+          </a:prstGeom>
+        </p:spPr>
+      </p:pic>
+    </p:spTree>
+    <p:extLst>
+      <p:ext uri="{BB962C8B-B14F-4D97-AF65-F5344CB8AC3E}">
+        <p14:creationId xmlns:p14="http://schemas.microsoft.com/office/powerpoint/2010/main" val="1698007297"/>
+      </p:ext>
+    </p:extLst>
+  </p:cSld>
+  <p:clrMapOvr>
+    <a:masterClrMapping/>
+  </p:clrMapOvr>
+</p:sld>
+</file>
+
+<file path=ppt/slides/slide29.xml><?xml version="1.0" encoding="utf-8"?>
+<p:sld xmlns:a="http://schemas.openxmlformats.org/drawingml/2006/main" xmlns:r="http://schemas.openxmlformats.org/officeDocument/2006/relationships" xmlns:p="http://schemas.openxmlformats.org/presentationml/2006/main">
+  <p:cSld>
+    <p:spTree>
+      <p:nvGrpSpPr>
+        <p:cNvPr id="1" name="">
+          <a:extLst>
+            <a:ext uri="{FF2B5EF4-FFF2-40B4-BE49-F238E27FC236}">
+              <a16:creationId xmlns:a16="http://schemas.microsoft.com/office/drawing/2014/main" id="{7B9DCBA5-5593-CF28-8B58-E63874354D2A}"/>
+            </a:ext>
+          </a:extLst>
+        </p:cNvPr>
+        <p:cNvGrpSpPr/>
+        <p:nvPr/>
+      </p:nvGrpSpPr>
+      <p:grpSpPr>
+        <a:xfrm>
+          <a:off x="0" y="0"/>
+          <a:ext cx="0" cy="0"/>
+          <a:chOff x="0" y="0"/>
+          <a:chExt cx="0" cy="0"/>
+        </a:xfrm>
+      </p:grpSpPr>
+      <p:sp>
+        <p:nvSpPr>
+          <p:cNvPr id="2" name="Заголовок 1">
+            <a:extLst>
+              <a:ext uri="{FF2B5EF4-FFF2-40B4-BE49-F238E27FC236}">
+                <a16:creationId xmlns:a16="http://schemas.microsoft.com/office/drawing/2014/main" id="{9858CE41-7F5B-DFCE-5EAF-5890D3681768}"/>
+              </a:ext>
+            </a:extLst>
+          </p:cNvPr>
+          <p:cNvSpPr>
+            <a:spLocks noGrp="1"/>
+          </p:cNvSpPr>
+          <p:nvPr>
+            <p:ph type="title"/>
+          </p:nvPr>
+        </p:nvSpPr>
+        <p:spPr/>
+        <p:txBody>
+          <a:bodyPr>
+            <a:noAutofit/>
+          </a:bodyPr>
+          <a:lstStyle/>
+          <a:p>
+            <a:pPr algn="l"/>
+            <a:r>
+              <a:rPr lang="ru-RU" sz="4400" cap="none" dirty="0"/>
+              <a:t>Результаты работа алгоритма</a:t>
+            </a:r>
+            <a:endParaRPr lang="ru-RU" sz="4400" dirty="0"/>
+          </a:p>
+        </p:txBody>
+      </p:sp>
+      <p:sp>
+        <p:nvSpPr>
+          <p:cNvPr id="3" name="Объект 2">
+            <a:extLst>
+              <a:ext uri="{FF2B5EF4-FFF2-40B4-BE49-F238E27FC236}">
+                <a16:creationId xmlns:a16="http://schemas.microsoft.com/office/drawing/2014/main" id="{46B65C0B-4247-5CA0-3FAE-9072AF71374E}"/>
+              </a:ext>
+            </a:extLst>
+          </p:cNvPr>
+          <p:cNvSpPr>
+            <a:spLocks noGrp="1"/>
+          </p:cNvSpPr>
+          <p:nvPr>
+            <p:ph idx="1"/>
+          </p:nvPr>
+        </p:nvSpPr>
+        <p:spPr/>
+        <p:txBody>
+          <a:bodyPr/>
+          <a:lstStyle/>
+          <a:p>
+            <a:r>
+              <a:rPr lang="ru-RU" dirty="0"/>
+              <a:t>Результаты работы алгоритма </a:t>
+            </a:r>
+            <a:r>
+              <a:rPr lang="ru-RU" dirty="0" err="1"/>
+              <a:t>Канни</a:t>
+            </a:r>
+            <a:r>
+              <a:rPr lang="ru-RU" dirty="0"/>
+              <a:t> для 3-х пороговых значений на изображении 5</a:t>
+            </a:r>
+          </a:p>
+          <a:p>
+            <a:endParaRPr lang="ru-RU" dirty="0"/>
+          </a:p>
+        </p:txBody>
+      </p:sp>
+      <p:pic>
+        <p:nvPicPr>
+          <p:cNvPr id="5" name="Рисунок 4">
+            <a:extLst>
+              <a:ext uri="{FF2B5EF4-FFF2-40B4-BE49-F238E27FC236}">
+                <a16:creationId xmlns:a16="http://schemas.microsoft.com/office/drawing/2014/main" id="{21F9A81F-05F9-07C4-8146-C874773E1489}"/>
+              </a:ext>
+            </a:extLst>
+          </p:cNvPr>
+          <p:cNvPicPr>
+            <a:picLocks noChangeAspect="1"/>
+          </p:cNvPicPr>
+          <p:nvPr/>
+        </p:nvPicPr>
+        <p:blipFill>
+          <a:blip r:embed="rId2"/>
+          <a:stretch>
+            <a:fillRect/>
+          </a:stretch>
+        </p:blipFill>
+        <p:spPr>
+          <a:xfrm>
+            <a:off x="711122" y="2906633"/>
+            <a:ext cx="3347922" cy="2680127"/>
+          </a:xfrm>
+          <a:prstGeom prst="rect">
+            <a:avLst/>
+          </a:prstGeom>
+        </p:spPr>
+      </p:pic>
+      <p:pic>
+        <p:nvPicPr>
+          <p:cNvPr id="9" name="Рисунок 8">
+            <a:extLst>
+              <a:ext uri="{FF2B5EF4-FFF2-40B4-BE49-F238E27FC236}">
+                <a16:creationId xmlns:a16="http://schemas.microsoft.com/office/drawing/2014/main" id="{AD0BDDEC-CAF9-0B0C-4157-3645BD6376D3}"/>
+              </a:ext>
+            </a:extLst>
+          </p:cNvPr>
+          <p:cNvPicPr>
+            <a:picLocks noChangeAspect="1"/>
+          </p:cNvPicPr>
+          <p:nvPr/>
+        </p:nvPicPr>
+        <p:blipFill>
+          <a:blip r:embed="rId3"/>
+          <a:stretch>
+            <a:fillRect/>
+          </a:stretch>
+        </p:blipFill>
+        <p:spPr>
+          <a:xfrm>
+            <a:off x="4359197" y="2919295"/>
+            <a:ext cx="3412671" cy="2700919"/>
+          </a:xfrm>
+          <a:prstGeom prst="rect">
+            <a:avLst/>
+          </a:prstGeom>
+        </p:spPr>
+      </p:pic>
+      <p:pic>
+        <p:nvPicPr>
+          <p:cNvPr id="12" name="Рисунок 11">
+            <a:extLst>
+              <a:ext uri="{FF2B5EF4-FFF2-40B4-BE49-F238E27FC236}">
+                <a16:creationId xmlns:a16="http://schemas.microsoft.com/office/drawing/2014/main" id="{75134329-C148-3D71-87EE-93EA0AFF94CF}"/>
+              </a:ext>
+            </a:extLst>
+          </p:cNvPr>
+          <p:cNvPicPr>
+            <a:picLocks noChangeAspect="1"/>
+          </p:cNvPicPr>
+          <p:nvPr/>
+        </p:nvPicPr>
+        <p:blipFill>
+          <a:blip r:embed="rId4"/>
+          <a:stretch>
+            <a:fillRect/>
+          </a:stretch>
+        </p:blipFill>
+        <p:spPr>
+          <a:xfrm>
+            <a:off x="8026321" y="2916044"/>
+            <a:ext cx="3381377" cy="2659566"/>
+          </a:xfrm>
+          <a:prstGeom prst="rect">
+            <a:avLst/>
+          </a:prstGeom>
+        </p:spPr>
+      </p:pic>
+    </p:spTree>
+    <p:extLst>
+      <p:ext uri="{BB962C8B-B14F-4D97-AF65-F5344CB8AC3E}">
+        <p14:creationId xmlns:p14="http://schemas.microsoft.com/office/powerpoint/2010/main" val="720765140"/>
       </p:ext>
     </p:extLst>
   </p:cSld>
@@ -4058,10 +9336,178 @@
       </p:sp>
       <p:pic>
         <p:nvPicPr>
+          <p:cNvPr id="6" name="Рисунок 5">
+            <a:extLst>
+              <a:ext uri="{FF2B5EF4-FFF2-40B4-BE49-F238E27FC236}">
+                <a16:creationId xmlns:a16="http://schemas.microsoft.com/office/drawing/2014/main" id="{64B7828E-46E0-C455-8F19-337FA0A00CB2}"/>
+              </a:ext>
+            </a:extLst>
+          </p:cNvPr>
+          <p:cNvPicPr>
+            <a:picLocks noChangeAspect="1"/>
+          </p:cNvPicPr>
+          <p:nvPr/>
+        </p:nvPicPr>
+        <p:blipFill>
+          <a:blip r:embed="rId2">
+            <a:extLst>
+              <a:ext uri="{28A0092B-C50C-407E-A947-70E740481C1C}">
+                <a14:useLocalDpi xmlns:a14="http://schemas.microsoft.com/office/drawing/2010/main" val="0"/>
+              </a:ext>
+            </a:extLst>
+          </a:blip>
+          <a:stretch>
+            <a:fillRect/>
+          </a:stretch>
+        </p:blipFill>
+        <p:spPr>
+          <a:xfrm>
+            <a:off x="7164425" y="2132206"/>
+            <a:ext cx="3808375" cy="3320740"/>
+          </a:xfrm>
+          <a:prstGeom prst="rect">
+            <a:avLst/>
+          </a:prstGeom>
+        </p:spPr>
+      </p:pic>
+    </p:spTree>
+    <p:extLst>
+      <p:ext uri="{BB962C8B-B14F-4D97-AF65-F5344CB8AC3E}">
+        <p14:creationId xmlns:p14="http://schemas.microsoft.com/office/powerpoint/2010/main" val="4268762800"/>
+      </p:ext>
+    </p:extLst>
+  </p:cSld>
+  <p:clrMapOvr>
+    <a:masterClrMapping/>
+  </p:clrMapOvr>
+</p:sld>
+</file>
+
+<file path=ppt/slides/slide30.xml><?xml version="1.0" encoding="utf-8"?>
+<p:sld xmlns:a="http://schemas.openxmlformats.org/drawingml/2006/main" xmlns:r="http://schemas.openxmlformats.org/officeDocument/2006/relationships" xmlns:p="http://schemas.openxmlformats.org/presentationml/2006/main">
+  <p:cSld>
+    <p:spTree>
+      <p:nvGrpSpPr>
+        <p:cNvPr id="1" name="">
+          <a:extLst>
+            <a:ext uri="{FF2B5EF4-FFF2-40B4-BE49-F238E27FC236}">
+              <a16:creationId xmlns:a16="http://schemas.microsoft.com/office/drawing/2014/main" id="{3463D1C4-9FE6-DE7F-F910-D7663B3F7B8C}"/>
+            </a:ext>
+          </a:extLst>
+        </p:cNvPr>
+        <p:cNvGrpSpPr/>
+        <p:nvPr/>
+      </p:nvGrpSpPr>
+      <p:grpSpPr>
+        <a:xfrm>
+          <a:off x="0" y="0"/>
+          <a:ext cx="0" cy="0"/>
+          <a:chOff x="0" y="0"/>
+          <a:chExt cx="0" cy="0"/>
+        </a:xfrm>
+      </p:grpSpPr>
+      <p:sp>
+        <p:nvSpPr>
+          <p:cNvPr id="2" name="Заголовок 1">
+            <a:extLst>
+              <a:ext uri="{FF2B5EF4-FFF2-40B4-BE49-F238E27FC236}">
+                <a16:creationId xmlns:a16="http://schemas.microsoft.com/office/drawing/2014/main" id="{D9887597-F26B-6011-436D-2BE9F96F1EC6}"/>
+              </a:ext>
+            </a:extLst>
+          </p:cNvPr>
+          <p:cNvSpPr>
+            <a:spLocks noGrp="1"/>
+          </p:cNvSpPr>
+          <p:nvPr>
+            <p:ph type="title"/>
+          </p:nvPr>
+        </p:nvSpPr>
+        <p:spPr>
+          <a:xfrm>
+            <a:off x="1072888" y="536664"/>
+            <a:ext cx="10047694" cy="1049235"/>
+          </a:xfrm>
+        </p:spPr>
+        <p:txBody>
+          <a:bodyPr>
+            <a:normAutofit/>
+          </a:bodyPr>
+          <a:lstStyle/>
+          <a:p>
+            <a:pPr algn="l"/>
+            <a:r>
+              <a:rPr lang="ru-RU" sz="4400" cap="none" dirty="0"/>
+              <a:t>Альтернативный алгоритм</a:t>
+            </a:r>
+            <a:endParaRPr lang="ru-RU" sz="4400" dirty="0"/>
+          </a:p>
+        </p:txBody>
+      </p:sp>
+      <p:sp>
+        <p:nvSpPr>
+          <p:cNvPr id="3" name="Объект 2">
+            <a:extLst>
+              <a:ext uri="{FF2B5EF4-FFF2-40B4-BE49-F238E27FC236}">
+                <a16:creationId xmlns:a16="http://schemas.microsoft.com/office/drawing/2014/main" id="{F24BA0E0-DB9B-1E01-DAEF-CFF069FF4376}"/>
+              </a:ext>
+            </a:extLst>
+          </p:cNvPr>
+          <p:cNvSpPr>
+            <a:spLocks noGrp="1"/>
+          </p:cNvSpPr>
+          <p:nvPr>
+            <p:ph idx="1"/>
+          </p:nvPr>
+        </p:nvSpPr>
+        <p:spPr>
+          <a:xfrm>
+            <a:off x="1071418" y="1468582"/>
+            <a:ext cx="10049163" cy="4738254"/>
+          </a:xfrm>
+        </p:spPr>
+        <p:txBody>
+          <a:bodyPr/>
+          <a:lstStyle/>
+          <a:p>
+            <a:r>
+              <a:rPr lang="ru-RU" dirty="0"/>
+              <a:t>В качестве альтернативного алгоритма был выбран алгоритм Кирша</a:t>
+            </a:r>
+            <a:r>
+              <a:rPr lang="en-US" dirty="0"/>
+              <a:t>.</a:t>
+            </a:r>
+          </a:p>
+          <a:p>
+            <a:r>
+              <a:rPr lang="ru-RU" dirty="0"/>
+              <a:t>Его идея заключается в последовательном применении к изображению одного и того же ядра для свертки</a:t>
+            </a:r>
+            <a:r>
+              <a:rPr lang="en-US" dirty="0"/>
+              <a:t>,</a:t>
+            </a:r>
+            <a:r>
+              <a:rPr lang="ru-RU" dirty="0"/>
+              <a:t> поворачиваемого на каждой итерации на 45 градусов</a:t>
+            </a:r>
+            <a:r>
+              <a:rPr lang="en-US" dirty="0"/>
+              <a:t>.</a:t>
+            </a:r>
+            <a:endParaRPr lang="ru-RU" dirty="0"/>
+          </a:p>
+          <a:p>
+            <a:endParaRPr lang="ru-RU" dirty="0"/>
+          </a:p>
+        </p:txBody>
+      </p:sp>
+      <p:pic>
+        <p:nvPicPr>
           <p:cNvPr id="5" name="Рисунок 4">
             <a:extLst>
               <a:ext uri="{FF2B5EF4-FFF2-40B4-BE49-F238E27FC236}">
-                <a16:creationId xmlns:a16="http://schemas.microsoft.com/office/drawing/2014/main" id="{36E7F59A-830E-CDD8-F283-0E296D35F30F}"/>
+                <a16:creationId xmlns:a16="http://schemas.microsoft.com/office/drawing/2014/main" id="{E24035D3-B9F2-F209-D5CE-8BE5C299D040}"/>
               </a:ext>
             </a:extLst>
           </p:cNvPr>
@@ -4078,8 +9524,8 @@
         </p:blipFill>
         <p:spPr>
           <a:xfrm>
-            <a:off x="6933189" y="2115127"/>
-            <a:ext cx="4113502" cy="3372716"/>
+            <a:off x="4040924" y="3249302"/>
+            <a:ext cx="3383720" cy="2069829"/>
           </a:xfrm>
           <a:prstGeom prst="rect">
             <a:avLst/>
@@ -4089,7 +9535,2935 @@
     </p:spTree>
     <p:extLst>
       <p:ext uri="{BB962C8B-B14F-4D97-AF65-F5344CB8AC3E}">
-        <p14:creationId xmlns:p14="http://schemas.microsoft.com/office/powerpoint/2010/main" val="4268762800"/>
+        <p14:creationId xmlns:p14="http://schemas.microsoft.com/office/powerpoint/2010/main" val="3391070022"/>
+      </p:ext>
+    </p:extLst>
+  </p:cSld>
+  <p:clrMapOvr>
+    <a:masterClrMapping/>
+  </p:clrMapOvr>
+</p:sld>
+</file>
+
+<file path=ppt/slides/slide31.xml><?xml version="1.0" encoding="utf-8"?>
+<p:sld xmlns:a="http://schemas.openxmlformats.org/drawingml/2006/main" xmlns:r="http://schemas.openxmlformats.org/officeDocument/2006/relationships" xmlns:p="http://schemas.openxmlformats.org/presentationml/2006/main">
+  <p:cSld>
+    <p:spTree>
+      <p:nvGrpSpPr>
+        <p:cNvPr id="1" name="">
+          <a:extLst>
+            <a:ext uri="{FF2B5EF4-FFF2-40B4-BE49-F238E27FC236}">
+              <a16:creationId xmlns:a16="http://schemas.microsoft.com/office/drawing/2014/main" id="{EC48CCD6-2B5F-2A89-DEBF-696BCC28BD4C}"/>
+            </a:ext>
+          </a:extLst>
+        </p:cNvPr>
+        <p:cNvGrpSpPr/>
+        <p:nvPr/>
+      </p:nvGrpSpPr>
+      <p:grpSpPr>
+        <a:xfrm>
+          <a:off x="0" y="0"/>
+          <a:ext cx="0" cy="0"/>
+          <a:chOff x="0" y="0"/>
+          <a:chExt cx="0" cy="0"/>
+        </a:xfrm>
+      </p:grpSpPr>
+      <p:sp>
+        <p:nvSpPr>
+          <p:cNvPr id="2" name="Заголовок 1">
+            <a:extLst>
+              <a:ext uri="{FF2B5EF4-FFF2-40B4-BE49-F238E27FC236}">
+                <a16:creationId xmlns:a16="http://schemas.microsoft.com/office/drawing/2014/main" id="{5075ADCB-24F3-1B0D-997F-AA6FD22C99E8}"/>
+              </a:ext>
+            </a:extLst>
+          </p:cNvPr>
+          <p:cNvSpPr>
+            <a:spLocks noGrp="1"/>
+          </p:cNvSpPr>
+          <p:nvPr>
+            <p:ph type="title"/>
+          </p:nvPr>
+        </p:nvSpPr>
+        <p:spPr>
+          <a:xfrm>
+            <a:off x="692728" y="804519"/>
+            <a:ext cx="10658764" cy="1049235"/>
+          </a:xfrm>
+        </p:spPr>
+        <p:txBody>
+          <a:bodyPr>
+            <a:normAutofit/>
+          </a:bodyPr>
+          <a:lstStyle/>
+          <a:p>
+            <a:pPr algn="l"/>
+            <a:r>
+              <a:rPr lang="ru-RU" sz="4400" cap="none" dirty="0"/>
+              <a:t>Выбранные параметры размытия Гаусса</a:t>
+            </a:r>
+            <a:endParaRPr lang="ru-RU" sz="4400" dirty="0"/>
+          </a:p>
+        </p:txBody>
+      </p:sp>
+      <p:graphicFrame>
+        <p:nvGraphicFramePr>
+          <p:cNvPr id="4" name="Объект 3">
+            <a:extLst>
+              <a:ext uri="{FF2B5EF4-FFF2-40B4-BE49-F238E27FC236}">
+                <a16:creationId xmlns:a16="http://schemas.microsoft.com/office/drawing/2014/main" id="{85B84987-1957-9791-54FD-24EDBE3DF741}"/>
+              </a:ext>
+            </a:extLst>
+          </p:cNvPr>
+          <p:cNvGraphicFramePr>
+            <a:graphicFrameLocks noGrp="1"/>
+          </p:cNvGraphicFramePr>
+          <p:nvPr>
+            <p:ph idx="1"/>
+            <p:extLst>
+              <p:ext uri="{D42A27DB-BD31-4B8C-83A1-F6EECF244321}">
+                <p14:modId xmlns:p14="http://schemas.microsoft.com/office/powerpoint/2010/main" val="4054811200"/>
+              </p:ext>
+            </p:extLst>
+          </p:nvPr>
+        </p:nvGraphicFramePr>
+        <p:xfrm>
+          <a:off x="1792720" y="2006887"/>
+          <a:ext cx="8635136" cy="3885912"/>
+        </p:xfrm>
+        <a:graphic>
+          <a:graphicData uri="http://schemas.openxmlformats.org/drawingml/2006/table">
+            <a:tbl>
+              <a:tblPr firstRow="1" bandRow="1">
+                <a:tableStyleId>{5C22544A-7EE6-4342-B048-85BDC9FD1C3A}</a:tableStyleId>
+              </a:tblPr>
+              <a:tblGrid>
+                <a:gridCol w="2158784">
+                  <a:extLst>
+                    <a:ext uri="{9D8B030D-6E8A-4147-A177-3AD203B41FA5}">
+                      <a16:colId xmlns:a16="http://schemas.microsoft.com/office/drawing/2014/main" val="1670820282"/>
+                    </a:ext>
+                  </a:extLst>
+                </a:gridCol>
+                <a:gridCol w="2158784">
+                  <a:extLst>
+                    <a:ext uri="{9D8B030D-6E8A-4147-A177-3AD203B41FA5}">
+                      <a16:colId xmlns:a16="http://schemas.microsoft.com/office/drawing/2014/main" val="3621433772"/>
+                    </a:ext>
+                  </a:extLst>
+                </a:gridCol>
+                <a:gridCol w="2158784">
+                  <a:extLst>
+                    <a:ext uri="{9D8B030D-6E8A-4147-A177-3AD203B41FA5}">
+                      <a16:colId xmlns:a16="http://schemas.microsoft.com/office/drawing/2014/main" val="796691448"/>
+                    </a:ext>
+                  </a:extLst>
+                </a:gridCol>
+                <a:gridCol w="2158784">
+                  <a:extLst>
+                    <a:ext uri="{9D8B030D-6E8A-4147-A177-3AD203B41FA5}">
+                      <a16:colId xmlns:a16="http://schemas.microsoft.com/office/drawing/2014/main" val="1662342609"/>
+                    </a:ext>
+                  </a:extLst>
+                </a:gridCol>
+              </a:tblGrid>
+              <a:tr h="647652">
+                <a:tc>
+                  <a:txBody>
+                    <a:bodyPr/>
+                    <a:lstStyle/>
+                    <a:p>
+                      <a:r>
+                        <a:rPr lang="ru-RU" dirty="0"/>
+                        <a:t>Изображение</a:t>
+                      </a:r>
+                    </a:p>
+                  </a:txBody>
+                  <a:tcPr/>
+                </a:tc>
+                <a:tc>
+                  <a:txBody>
+                    <a:bodyPr/>
+                    <a:lstStyle/>
+                    <a:p>
+                      <a:r>
+                        <a:rPr lang="ru-RU" dirty="0"/>
+                        <a:t>Размер ядра </a:t>
+                      </a:r>
+                    </a:p>
+                  </a:txBody>
+                  <a:tcPr/>
+                </a:tc>
+                <a:tc>
+                  <a:txBody>
+                    <a:bodyPr/>
+                    <a:lstStyle/>
+                    <a:p>
+                      <a:r>
+                        <a:rPr lang="en-US" dirty="0" err="1"/>
+                        <a:t>SigmaX</a:t>
+                      </a:r>
+                      <a:endParaRPr lang="ru-RU" dirty="0"/>
+                    </a:p>
+                  </a:txBody>
+                  <a:tcPr/>
+                </a:tc>
+                <a:tc>
+                  <a:txBody>
+                    <a:bodyPr/>
+                    <a:lstStyle/>
+                    <a:p>
+                      <a:r>
+                        <a:rPr lang="en-US" dirty="0" err="1"/>
+                        <a:t>SigmaY</a:t>
+                      </a:r>
+                      <a:endParaRPr lang="ru-RU" dirty="0"/>
+                    </a:p>
+                  </a:txBody>
+                  <a:tcPr/>
+                </a:tc>
+                <a:extLst>
+                  <a:ext uri="{0D108BD9-81ED-4DB2-BD59-A6C34878D82A}">
+                    <a16:rowId xmlns:a16="http://schemas.microsoft.com/office/drawing/2014/main" val="377884934"/>
+                  </a:ext>
+                </a:extLst>
+              </a:tr>
+              <a:tr h="647652">
+                <a:tc>
+                  <a:txBody>
+                    <a:bodyPr/>
+                    <a:lstStyle/>
+                    <a:p>
+                      <a:r>
+                        <a:rPr lang="en-US" dirty="0"/>
+                        <a:t>testImage1</a:t>
+                      </a:r>
+                      <a:endParaRPr lang="ru-RU" dirty="0"/>
+                    </a:p>
+                  </a:txBody>
+                  <a:tcPr/>
+                </a:tc>
+                <a:tc>
+                  <a:txBody>
+                    <a:bodyPr/>
+                    <a:lstStyle/>
+                    <a:p>
+                      <a:r>
+                        <a:rPr lang="en-US" dirty="0"/>
+                        <a:t>5</a:t>
+                      </a:r>
+                      <a:endParaRPr lang="ru-RU" dirty="0"/>
+                    </a:p>
+                  </a:txBody>
+                  <a:tcPr/>
+                </a:tc>
+                <a:tc>
+                  <a:txBody>
+                    <a:bodyPr/>
+                    <a:lstStyle/>
+                    <a:p>
+                      <a:r>
+                        <a:rPr lang="en-US" dirty="0"/>
+                        <a:t>12</a:t>
+                      </a:r>
+                      <a:endParaRPr lang="ru-RU" dirty="0"/>
+                    </a:p>
+                  </a:txBody>
+                  <a:tcPr/>
+                </a:tc>
+                <a:tc>
+                  <a:txBody>
+                    <a:bodyPr/>
+                    <a:lstStyle/>
+                    <a:p>
+                      <a:r>
+                        <a:rPr lang="en-US" dirty="0"/>
+                        <a:t>12</a:t>
+                      </a:r>
+                      <a:endParaRPr lang="ru-RU" dirty="0"/>
+                    </a:p>
+                  </a:txBody>
+                  <a:tcPr/>
+                </a:tc>
+                <a:extLst>
+                  <a:ext uri="{0D108BD9-81ED-4DB2-BD59-A6C34878D82A}">
+                    <a16:rowId xmlns:a16="http://schemas.microsoft.com/office/drawing/2014/main" val="4115670497"/>
+                  </a:ext>
+                </a:extLst>
+              </a:tr>
+              <a:tr h="647652">
+                <a:tc>
+                  <a:txBody>
+                    <a:bodyPr/>
+                    <a:lstStyle/>
+                    <a:p>
+                      <a:r>
+                        <a:rPr lang="en-US" dirty="0"/>
+                        <a:t>testImage2</a:t>
+                      </a:r>
+                      <a:endParaRPr lang="ru-RU" dirty="0"/>
+                    </a:p>
+                  </a:txBody>
+                  <a:tcPr/>
+                </a:tc>
+                <a:tc>
+                  <a:txBody>
+                    <a:bodyPr/>
+                    <a:lstStyle/>
+                    <a:p>
+                      <a:r>
+                        <a:rPr lang="en-US" dirty="0"/>
+                        <a:t>5</a:t>
+                      </a:r>
+                      <a:endParaRPr lang="ru-RU" dirty="0"/>
+                    </a:p>
+                  </a:txBody>
+                  <a:tcPr/>
+                </a:tc>
+                <a:tc>
+                  <a:txBody>
+                    <a:bodyPr/>
+                    <a:lstStyle/>
+                    <a:p>
+                      <a:r>
+                        <a:rPr lang="en-US" dirty="0"/>
+                        <a:t>12</a:t>
+                      </a:r>
+                      <a:endParaRPr lang="ru-RU" dirty="0"/>
+                    </a:p>
+                  </a:txBody>
+                  <a:tcPr/>
+                </a:tc>
+                <a:tc>
+                  <a:txBody>
+                    <a:bodyPr/>
+                    <a:lstStyle/>
+                    <a:p>
+                      <a:r>
+                        <a:rPr lang="en-US" dirty="0"/>
+                        <a:t>12</a:t>
+                      </a:r>
+                      <a:endParaRPr lang="ru-RU" dirty="0"/>
+                    </a:p>
+                  </a:txBody>
+                  <a:tcPr/>
+                </a:tc>
+                <a:extLst>
+                  <a:ext uri="{0D108BD9-81ED-4DB2-BD59-A6C34878D82A}">
+                    <a16:rowId xmlns:a16="http://schemas.microsoft.com/office/drawing/2014/main" val="941241545"/>
+                  </a:ext>
+                </a:extLst>
+              </a:tr>
+              <a:tr h="647652">
+                <a:tc>
+                  <a:txBody>
+                    <a:bodyPr/>
+                    <a:lstStyle/>
+                    <a:p>
+                      <a:r>
+                        <a:rPr lang="en-US" dirty="0"/>
+                        <a:t>testImage3</a:t>
+                      </a:r>
+                      <a:endParaRPr lang="ru-RU" dirty="0"/>
+                    </a:p>
+                  </a:txBody>
+                  <a:tcPr/>
+                </a:tc>
+                <a:tc>
+                  <a:txBody>
+                    <a:bodyPr/>
+                    <a:lstStyle/>
+                    <a:p>
+                      <a:r>
+                        <a:rPr lang="en-US" dirty="0"/>
+                        <a:t>5</a:t>
+                      </a:r>
+                      <a:endParaRPr lang="ru-RU" dirty="0"/>
+                    </a:p>
+                  </a:txBody>
+                  <a:tcPr/>
+                </a:tc>
+                <a:tc>
+                  <a:txBody>
+                    <a:bodyPr/>
+                    <a:lstStyle/>
+                    <a:p>
+                      <a:r>
+                        <a:rPr lang="en-US" dirty="0"/>
+                        <a:t>12</a:t>
+                      </a:r>
+                      <a:endParaRPr lang="ru-RU" dirty="0"/>
+                    </a:p>
+                  </a:txBody>
+                  <a:tcPr/>
+                </a:tc>
+                <a:tc>
+                  <a:txBody>
+                    <a:bodyPr/>
+                    <a:lstStyle/>
+                    <a:p>
+                      <a:r>
+                        <a:rPr lang="en-US" dirty="0"/>
+                        <a:t>12</a:t>
+                      </a:r>
+                      <a:endParaRPr lang="ru-RU" dirty="0"/>
+                    </a:p>
+                  </a:txBody>
+                  <a:tcPr/>
+                </a:tc>
+                <a:extLst>
+                  <a:ext uri="{0D108BD9-81ED-4DB2-BD59-A6C34878D82A}">
+                    <a16:rowId xmlns:a16="http://schemas.microsoft.com/office/drawing/2014/main" val="2034160746"/>
+                  </a:ext>
+                </a:extLst>
+              </a:tr>
+              <a:tr h="647652">
+                <a:tc>
+                  <a:txBody>
+                    <a:bodyPr/>
+                    <a:lstStyle/>
+                    <a:p>
+                      <a:r>
+                        <a:rPr lang="en-US" dirty="0"/>
+                        <a:t>testImage4</a:t>
+                      </a:r>
+                      <a:endParaRPr lang="ru-RU" dirty="0"/>
+                    </a:p>
+                  </a:txBody>
+                  <a:tcPr/>
+                </a:tc>
+                <a:tc>
+                  <a:txBody>
+                    <a:bodyPr/>
+                    <a:lstStyle/>
+                    <a:p>
+                      <a:r>
+                        <a:rPr lang="ru-RU" dirty="0"/>
+                        <a:t>5</a:t>
+                      </a:r>
+                    </a:p>
+                  </a:txBody>
+                  <a:tcPr/>
+                </a:tc>
+                <a:tc>
+                  <a:txBody>
+                    <a:bodyPr/>
+                    <a:lstStyle/>
+                    <a:p>
+                      <a:r>
+                        <a:rPr lang="ru-RU" dirty="0"/>
+                        <a:t>1</a:t>
+                      </a:r>
+                      <a:r>
+                        <a:rPr lang="en-US" dirty="0"/>
+                        <a:t>2</a:t>
+                      </a:r>
+                      <a:endParaRPr lang="ru-RU" dirty="0"/>
+                    </a:p>
+                  </a:txBody>
+                  <a:tcPr/>
+                </a:tc>
+                <a:tc>
+                  <a:txBody>
+                    <a:bodyPr/>
+                    <a:lstStyle/>
+                    <a:p>
+                      <a:r>
+                        <a:rPr lang="ru-RU" dirty="0"/>
+                        <a:t>1</a:t>
+                      </a:r>
+                      <a:r>
+                        <a:rPr lang="en-US" dirty="0"/>
+                        <a:t>2</a:t>
+                      </a:r>
+                      <a:endParaRPr lang="ru-RU" dirty="0"/>
+                    </a:p>
+                  </a:txBody>
+                  <a:tcPr/>
+                </a:tc>
+                <a:extLst>
+                  <a:ext uri="{0D108BD9-81ED-4DB2-BD59-A6C34878D82A}">
+                    <a16:rowId xmlns:a16="http://schemas.microsoft.com/office/drawing/2014/main" val="1757122455"/>
+                  </a:ext>
+                </a:extLst>
+              </a:tr>
+              <a:tr h="647652">
+                <a:tc>
+                  <a:txBody>
+                    <a:bodyPr/>
+                    <a:lstStyle/>
+                    <a:p>
+                      <a:r>
+                        <a:rPr lang="en-US" dirty="0"/>
+                        <a:t>testImage5</a:t>
+                      </a:r>
+                      <a:endParaRPr lang="ru-RU" dirty="0"/>
+                    </a:p>
+                  </a:txBody>
+                  <a:tcPr/>
+                </a:tc>
+                <a:tc>
+                  <a:txBody>
+                    <a:bodyPr/>
+                    <a:lstStyle/>
+                    <a:p>
+                      <a:r>
+                        <a:rPr lang="en-US" dirty="0"/>
+                        <a:t>5</a:t>
+                      </a:r>
+                      <a:endParaRPr lang="ru-RU" dirty="0"/>
+                    </a:p>
+                  </a:txBody>
+                  <a:tcPr/>
+                </a:tc>
+                <a:tc>
+                  <a:txBody>
+                    <a:bodyPr/>
+                    <a:lstStyle/>
+                    <a:p>
+                      <a:r>
+                        <a:rPr lang="en-US" dirty="0"/>
+                        <a:t>12</a:t>
+                      </a:r>
+                      <a:endParaRPr lang="ru-RU" dirty="0"/>
+                    </a:p>
+                  </a:txBody>
+                  <a:tcPr/>
+                </a:tc>
+                <a:tc>
+                  <a:txBody>
+                    <a:bodyPr/>
+                    <a:lstStyle/>
+                    <a:p>
+                      <a:r>
+                        <a:rPr lang="en-US" dirty="0"/>
+                        <a:t>12</a:t>
+                      </a:r>
+                      <a:endParaRPr lang="ru-RU" dirty="0"/>
+                    </a:p>
+                  </a:txBody>
+                  <a:tcPr/>
+                </a:tc>
+                <a:extLst>
+                  <a:ext uri="{0D108BD9-81ED-4DB2-BD59-A6C34878D82A}">
+                    <a16:rowId xmlns:a16="http://schemas.microsoft.com/office/drawing/2014/main" val="3005754936"/>
+                  </a:ext>
+                </a:extLst>
+              </a:tr>
+            </a:tbl>
+          </a:graphicData>
+        </a:graphic>
+      </p:graphicFrame>
+    </p:spTree>
+    <p:extLst>
+      <p:ext uri="{BB962C8B-B14F-4D97-AF65-F5344CB8AC3E}">
+        <p14:creationId xmlns:p14="http://schemas.microsoft.com/office/powerpoint/2010/main" val="1084417175"/>
+      </p:ext>
+    </p:extLst>
+  </p:cSld>
+  <p:clrMapOvr>
+    <a:masterClrMapping/>
+  </p:clrMapOvr>
+</p:sld>
+</file>
+
+<file path=ppt/slides/slide32.xml><?xml version="1.0" encoding="utf-8"?>
+<p:sld xmlns:a="http://schemas.openxmlformats.org/drawingml/2006/main" xmlns:r="http://schemas.openxmlformats.org/officeDocument/2006/relationships" xmlns:p="http://schemas.openxmlformats.org/presentationml/2006/main">
+  <p:cSld>
+    <p:spTree>
+      <p:nvGrpSpPr>
+        <p:cNvPr id="1" name="">
+          <a:extLst>
+            <a:ext uri="{FF2B5EF4-FFF2-40B4-BE49-F238E27FC236}">
+              <a16:creationId xmlns:a16="http://schemas.microsoft.com/office/drawing/2014/main" id="{31902753-9FEE-0BFA-E00F-8F928A887EFF}"/>
+            </a:ext>
+          </a:extLst>
+        </p:cNvPr>
+        <p:cNvGrpSpPr/>
+        <p:nvPr/>
+      </p:nvGrpSpPr>
+      <p:grpSpPr>
+        <a:xfrm>
+          <a:off x="0" y="0"/>
+          <a:ext cx="0" cy="0"/>
+          <a:chOff x="0" y="0"/>
+          <a:chExt cx="0" cy="0"/>
+        </a:xfrm>
+      </p:grpSpPr>
+      <p:sp>
+        <p:nvSpPr>
+          <p:cNvPr id="2" name="Заголовок 1">
+            <a:extLst>
+              <a:ext uri="{FF2B5EF4-FFF2-40B4-BE49-F238E27FC236}">
+                <a16:creationId xmlns:a16="http://schemas.microsoft.com/office/drawing/2014/main" id="{75D1190D-53D1-C895-6283-8800A35A3D66}"/>
+              </a:ext>
+            </a:extLst>
+          </p:cNvPr>
+          <p:cNvSpPr>
+            <a:spLocks noGrp="1"/>
+          </p:cNvSpPr>
+          <p:nvPr>
+            <p:ph type="title"/>
+          </p:nvPr>
+        </p:nvSpPr>
+        <p:spPr>
+          <a:xfrm>
+            <a:off x="1459345" y="804519"/>
+            <a:ext cx="9310255" cy="1049235"/>
+          </a:xfrm>
+        </p:spPr>
+        <p:txBody>
+          <a:bodyPr>
+            <a:noAutofit/>
+          </a:bodyPr>
+          <a:lstStyle/>
+          <a:p>
+            <a:pPr algn="l"/>
+            <a:r>
+              <a:rPr lang="ru-RU" sz="4400" cap="none" dirty="0"/>
+              <a:t>Выбранные пороговые значения</a:t>
+            </a:r>
+            <a:endParaRPr lang="ru-RU" sz="4400" dirty="0"/>
+          </a:p>
+        </p:txBody>
+      </p:sp>
+      <p:graphicFrame>
+        <p:nvGraphicFramePr>
+          <p:cNvPr id="4" name="Объект 3">
+            <a:extLst>
+              <a:ext uri="{FF2B5EF4-FFF2-40B4-BE49-F238E27FC236}">
+                <a16:creationId xmlns:a16="http://schemas.microsoft.com/office/drawing/2014/main" id="{2CBD83E3-05DB-817F-2468-29EDBA3FA2D3}"/>
+              </a:ext>
+            </a:extLst>
+          </p:cNvPr>
+          <p:cNvGraphicFramePr>
+            <a:graphicFrameLocks/>
+          </p:cNvGraphicFramePr>
+          <p:nvPr>
+            <p:extLst>
+              <p:ext uri="{D42A27DB-BD31-4B8C-83A1-F6EECF244321}">
+                <p14:modId xmlns:p14="http://schemas.microsoft.com/office/powerpoint/2010/main" val="2888168603"/>
+              </p:ext>
+            </p:extLst>
+          </p:nvPr>
+        </p:nvGraphicFramePr>
+        <p:xfrm>
+          <a:off x="1423265" y="1831396"/>
+          <a:ext cx="8635136" cy="3885912"/>
+        </p:xfrm>
+        <a:graphic>
+          <a:graphicData uri="http://schemas.openxmlformats.org/drawingml/2006/table">
+            <a:tbl>
+              <a:tblPr firstRow="1" bandRow="1">
+                <a:tableStyleId>{5C22544A-7EE6-4342-B048-85BDC9FD1C3A}</a:tableStyleId>
+              </a:tblPr>
+              <a:tblGrid>
+                <a:gridCol w="2158784">
+                  <a:extLst>
+                    <a:ext uri="{9D8B030D-6E8A-4147-A177-3AD203B41FA5}">
+                      <a16:colId xmlns:a16="http://schemas.microsoft.com/office/drawing/2014/main" val="1670820282"/>
+                    </a:ext>
+                  </a:extLst>
+                </a:gridCol>
+                <a:gridCol w="2158784">
+                  <a:extLst>
+                    <a:ext uri="{9D8B030D-6E8A-4147-A177-3AD203B41FA5}">
+                      <a16:colId xmlns:a16="http://schemas.microsoft.com/office/drawing/2014/main" val="3621433772"/>
+                    </a:ext>
+                  </a:extLst>
+                </a:gridCol>
+                <a:gridCol w="2158784">
+                  <a:extLst>
+                    <a:ext uri="{9D8B030D-6E8A-4147-A177-3AD203B41FA5}">
+                      <a16:colId xmlns:a16="http://schemas.microsoft.com/office/drawing/2014/main" val="796691448"/>
+                    </a:ext>
+                  </a:extLst>
+                </a:gridCol>
+                <a:gridCol w="2158784">
+                  <a:extLst>
+                    <a:ext uri="{9D8B030D-6E8A-4147-A177-3AD203B41FA5}">
+                      <a16:colId xmlns:a16="http://schemas.microsoft.com/office/drawing/2014/main" val="1662342609"/>
+                    </a:ext>
+                  </a:extLst>
+                </a:gridCol>
+              </a:tblGrid>
+              <a:tr h="647652">
+                <a:tc>
+                  <a:txBody>
+                    <a:bodyPr/>
+                    <a:lstStyle/>
+                    <a:p>
+                      <a:r>
+                        <a:rPr lang="ru-RU" dirty="0"/>
+                        <a:t>Изображение</a:t>
+                      </a:r>
+                    </a:p>
+                  </a:txBody>
+                  <a:tcPr/>
+                </a:tc>
+                <a:tc>
+                  <a:txBody>
+                    <a:bodyPr/>
+                    <a:lstStyle/>
+                    <a:p>
+                      <a:r>
+                        <a:rPr lang="ru-RU" dirty="0"/>
+                        <a:t>Пороговое значение 1</a:t>
+                      </a:r>
+                    </a:p>
+                  </a:txBody>
+                  <a:tcPr/>
+                </a:tc>
+                <a:tc>
+                  <a:txBody>
+                    <a:bodyPr/>
+                    <a:lstStyle/>
+                    <a:p>
+                      <a:r>
+                        <a:rPr lang="ru-RU" dirty="0"/>
+                        <a:t>Пороговое значение 2</a:t>
+                      </a:r>
+                    </a:p>
+                  </a:txBody>
+                  <a:tcPr/>
+                </a:tc>
+                <a:tc>
+                  <a:txBody>
+                    <a:bodyPr/>
+                    <a:lstStyle/>
+                    <a:p>
+                      <a:r>
+                        <a:rPr lang="ru-RU" dirty="0"/>
+                        <a:t>Пороговое значение 3</a:t>
+                      </a:r>
+                    </a:p>
+                  </a:txBody>
+                  <a:tcPr/>
+                </a:tc>
+                <a:extLst>
+                  <a:ext uri="{0D108BD9-81ED-4DB2-BD59-A6C34878D82A}">
+                    <a16:rowId xmlns:a16="http://schemas.microsoft.com/office/drawing/2014/main" val="377884934"/>
+                  </a:ext>
+                </a:extLst>
+              </a:tr>
+              <a:tr h="647652">
+                <a:tc>
+                  <a:txBody>
+                    <a:bodyPr/>
+                    <a:lstStyle/>
+                    <a:p>
+                      <a:r>
+                        <a:rPr lang="en-US" dirty="0"/>
+                        <a:t>testImage1</a:t>
+                      </a:r>
+                      <a:endParaRPr lang="ru-RU" dirty="0"/>
+                    </a:p>
+                  </a:txBody>
+                  <a:tcPr/>
+                </a:tc>
+                <a:tc>
+                  <a:txBody>
+                    <a:bodyPr/>
+                    <a:lstStyle/>
+                    <a:p>
+                      <a:r>
+                        <a:rPr lang="ru-RU" dirty="0"/>
+                        <a:t>100</a:t>
+                      </a:r>
+                    </a:p>
+                  </a:txBody>
+                  <a:tcPr/>
+                </a:tc>
+                <a:tc>
+                  <a:txBody>
+                    <a:bodyPr/>
+                    <a:lstStyle/>
+                    <a:p>
+                      <a:r>
+                        <a:rPr lang="ru-RU" dirty="0"/>
+                        <a:t>120</a:t>
+                      </a:r>
+                    </a:p>
+                  </a:txBody>
+                  <a:tcPr/>
+                </a:tc>
+                <a:tc>
+                  <a:txBody>
+                    <a:bodyPr/>
+                    <a:lstStyle/>
+                    <a:p>
+                      <a:r>
+                        <a:rPr lang="ru-RU" dirty="0"/>
+                        <a:t>150</a:t>
+                      </a:r>
+                    </a:p>
+                  </a:txBody>
+                  <a:tcPr/>
+                </a:tc>
+                <a:extLst>
+                  <a:ext uri="{0D108BD9-81ED-4DB2-BD59-A6C34878D82A}">
+                    <a16:rowId xmlns:a16="http://schemas.microsoft.com/office/drawing/2014/main" val="4115670497"/>
+                  </a:ext>
+                </a:extLst>
+              </a:tr>
+              <a:tr h="647652">
+                <a:tc>
+                  <a:txBody>
+                    <a:bodyPr/>
+                    <a:lstStyle/>
+                    <a:p>
+                      <a:r>
+                        <a:rPr lang="en-US" dirty="0"/>
+                        <a:t>testImage2</a:t>
+                      </a:r>
+                      <a:endParaRPr lang="ru-RU" dirty="0"/>
+                    </a:p>
+                  </a:txBody>
+                  <a:tcPr/>
+                </a:tc>
+                <a:tc>
+                  <a:txBody>
+                    <a:bodyPr/>
+                    <a:lstStyle/>
+                    <a:p>
+                      <a:r>
+                        <a:rPr lang="en-US" dirty="0"/>
+                        <a:t>50</a:t>
+                      </a:r>
+                      <a:endParaRPr lang="ru-RU" dirty="0"/>
+                    </a:p>
+                  </a:txBody>
+                  <a:tcPr/>
+                </a:tc>
+                <a:tc>
+                  <a:txBody>
+                    <a:bodyPr/>
+                    <a:lstStyle/>
+                    <a:p>
+                      <a:r>
+                        <a:rPr lang="en-US" dirty="0"/>
+                        <a:t>70</a:t>
+                      </a:r>
+                      <a:endParaRPr lang="ru-RU" dirty="0"/>
+                    </a:p>
+                  </a:txBody>
+                  <a:tcPr/>
+                </a:tc>
+                <a:tc>
+                  <a:txBody>
+                    <a:bodyPr/>
+                    <a:lstStyle/>
+                    <a:p>
+                      <a:r>
+                        <a:rPr lang="en-US" dirty="0"/>
+                        <a:t>60</a:t>
+                      </a:r>
+                      <a:endParaRPr lang="ru-RU" dirty="0"/>
+                    </a:p>
+                  </a:txBody>
+                  <a:tcPr/>
+                </a:tc>
+                <a:extLst>
+                  <a:ext uri="{0D108BD9-81ED-4DB2-BD59-A6C34878D82A}">
+                    <a16:rowId xmlns:a16="http://schemas.microsoft.com/office/drawing/2014/main" val="941241545"/>
+                  </a:ext>
+                </a:extLst>
+              </a:tr>
+              <a:tr h="647652">
+                <a:tc>
+                  <a:txBody>
+                    <a:bodyPr/>
+                    <a:lstStyle/>
+                    <a:p>
+                      <a:r>
+                        <a:rPr lang="en-US" dirty="0"/>
+                        <a:t>testImage3</a:t>
+                      </a:r>
+                      <a:endParaRPr lang="ru-RU" dirty="0"/>
+                    </a:p>
+                  </a:txBody>
+                  <a:tcPr/>
+                </a:tc>
+                <a:tc>
+                  <a:txBody>
+                    <a:bodyPr/>
+                    <a:lstStyle/>
+                    <a:p>
+                      <a:r>
+                        <a:rPr lang="en-US" dirty="0"/>
+                        <a:t>60</a:t>
+                      </a:r>
+                      <a:endParaRPr lang="ru-RU" dirty="0"/>
+                    </a:p>
+                  </a:txBody>
+                  <a:tcPr/>
+                </a:tc>
+                <a:tc>
+                  <a:txBody>
+                    <a:bodyPr/>
+                    <a:lstStyle/>
+                    <a:p>
+                      <a:r>
+                        <a:rPr lang="en-US" dirty="0"/>
+                        <a:t>80</a:t>
+                      </a:r>
+                      <a:endParaRPr lang="ru-RU" dirty="0"/>
+                    </a:p>
+                  </a:txBody>
+                  <a:tcPr/>
+                </a:tc>
+                <a:tc>
+                  <a:txBody>
+                    <a:bodyPr/>
+                    <a:lstStyle/>
+                    <a:p>
+                      <a:r>
+                        <a:rPr lang="en-US" dirty="0"/>
+                        <a:t>100</a:t>
+                      </a:r>
+                      <a:endParaRPr lang="ru-RU" dirty="0"/>
+                    </a:p>
+                  </a:txBody>
+                  <a:tcPr/>
+                </a:tc>
+                <a:extLst>
+                  <a:ext uri="{0D108BD9-81ED-4DB2-BD59-A6C34878D82A}">
+                    <a16:rowId xmlns:a16="http://schemas.microsoft.com/office/drawing/2014/main" val="2034160746"/>
+                  </a:ext>
+                </a:extLst>
+              </a:tr>
+              <a:tr h="647652">
+                <a:tc>
+                  <a:txBody>
+                    <a:bodyPr/>
+                    <a:lstStyle/>
+                    <a:p>
+                      <a:r>
+                        <a:rPr lang="en-US" dirty="0"/>
+                        <a:t>testImage4</a:t>
+                      </a:r>
+                      <a:endParaRPr lang="ru-RU" dirty="0"/>
+                    </a:p>
+                  </a:txBody>
+                  <a:tcPr/>
+                </a:tc>
+                <a:tc>
+                  <a:txBody>
+                    <a:bodyPr/>
+                    <a:lstStyle/>
+                    <a:p>
+                      <a:r>
+                        <a:rPr lang="en-US" dirty="0"/>
+                        <a:t>70</a:t>
+                      </a:r>
+                      <a:endParaRPr lang="ru-RU" dirty="0"/>
+                    </a:p>
+                  </a:txBody>
+                  <a:tcPr/>
+                </a:tc>
+                <a:tc>
+                  <a:txBody>
+                    <a:bodyPr/>
+                    <a:lstStyle/>
+                    <a:p>
+                      <a:r>
+                        <a:rPr lang="en-US" dirty="0"/>
+                        <a:t>80</a:t>
+                      </a:r>
+                      <a:endParaRPr lang="ru-RU" dirty="0"/>
+                    </a:p>
+                  </a:txBody>
+                  <a:tcPr/>
+                </a:tc>
+                <a:tc>
+                  <a:txBody>
+                    <a:bodyPr/>
+                    <a:lstStyle/>
+                    <a:p>
+                      <a:r>
+                        <a:rPr lang="en-US" dirty="0"/>
+                        <a:t>150</a:t>
+                      </a:r>
+                      <a:endParaRPr lang="ru-RU" dirty="0"/>
+                    </a:p>
+                  </a:txBody>
+                  <a:tcPr/>
+                </a:tc>
+                <a:extLst>
+                  <a:ext uri="{0D108BD9-81ED-4DB2-BD59-A6C34878D82A}">
+                    <a16:rowId xmlns:a16="http://schemas.microsoft.com/office/drawing/2014/main" val="1757122455"/>
+                  </a:ext>
+                </a:extLst>
+              </a:tr>
+              <a:tr h="647652">
+                <a:tc>
+                  <a:txBody>
+                    <a:bodyPr/>
+                    <a:lstStyle/>
+                    <a:p>
+                      <a:r>
+                        <a:rPr lang="en-US" dirty="0"/>
+                        <a:t>testImage5</a:t>
+                      </a:r>
+                      <a:endParaRPr lang="ru-RU" dirty="0"/>
+                    </a:p>
+                  </a:txBody>
+                  <a:tcPr/>
+                </a:tc>
+                <a:tc>
+                  <a:txBody>
+                    <a:bodyPr/>
+                    <a:lstStyle/>
+                    <a:p>
+                      <a:r>
+                        <a:rPr lang="en-US" dirty="0"/>
+                        <a:t>100</a:t>
+                      </a:r>
+                      <a:endParaRPr lang="ru-RU" dirty="0"/>
+                    </a:p>
+                  </a:txBody>
+                  <a:tcPr/>
+                </a:tc>
+                <a:tc>
+                  <a:txBody>
+                    <a:bodyPr/>
+                    <a:lstStyle/>
+                    <a:p>
+                      <a:r>
+                        <a:rPr lang="en-US" dirty="0"/>
+                        <a:t>140</a:t>
+                      </a:r>
+                      <a:endParaRPr lang="ru-RU" dirty="0"/>
+                    </a:p>
+                  </a:txBody>
+                  <a:tcPr/>
+                </a:tc>
+                <a:tc>
+                  <a:txBody>
+                    <a:bodyPr/>
+                    <a:lstStyle/>
+                    <a:p>
+                      <a:r>
+                        <a:rPr lang="en-US" dirty="0"/>
+                        <a:t>150</a:t>
+                      </a:r>
+                      <a:endParaRPr lang="ru-RU" dirty="0"/>
+                    </a:p>
+                  </a:txBody>
+                  <a:tcPr/>
+                </a:tc>
+                <a:extLst>
+                  <a:ext uri="{0D108BD9-81ED-4DB2-BD59-A6C34878D82A}">
+                    <a16:rowId xmlns:a16="http://schemas.microsoft.com/office/drawing/2014/main" val="3005754936"/>
+                  </a:ext>
+                </a:extLst>
+              </a:tr>
+            </a:tbl>
+          </a:graphicData>
+        </a:graphic>
+      </p:graphicFrame>
+    </p:spTree>
+    <p:extLst>
+      <p:ext uri="{BB962C8B-B14F-4D97-AF65-F5344CB8AC3E}">
+        <p14:creationId xmlns:p14="http://schemas.microsoft.com/office/powerpoint/2010/main" val="297397333"/>
+      </p:ext>
+    </p:extLst>
+  </p:cSld>
+  <p:clrMapOvr>
+    <a:masterClrMapping/>
+  </p:clrMapOvr>
+</p:sld>
+</file>
+
+<file path=ppt/slides/slide33.xml><?xml version="1.0" encoding="utf-8"?>
+<p:sld xmlns:a="http://schemas.openxmlformats.org/drawingml/2006/main" xmlns:r="http://schemas.openxmlformats.org/officeDocument/2006/relationships" xmlns:p="http://schemas.openxmlformats.org/presentationml/2006/main">
+  <p:cSld>
+    <p:spTree>
+      <p:nvGrpSpPr>
+        <p:cNvPr id="1" name="">
+          <a:extLst>
+            <a:ext uri="{FF2B5EF4-FFF2-40B4-BE49-F238E27FC236}">
+              <a16:creationId xmlns:a16="http://schemas.microsoft.com/office/drawing/2014/main" id="{8E5FA6D7-9BD3-DC07-D9C0-7103309F1650}"/>
+            </a:ext>
+          </a:extLst>
+        </p:cNvPr>
+        <p:cNvGrpSpPr/>
+        <p:nvPr/>
+      </p:nvGrpSpPr>
+      <p:grpSpPr>
+        <a:xfrm>
+          <a:off x="0" y="0"/>
+          <a:ext cx="0" cy="0"/>
+          <a:chOff x="0" y="0"/>
+          <a:chExt cx="0" cy="0"/>
+        </a:xfrm>
+      </p:grpSpPr>
+      <p:sp>
+        <p:nvSpPr>
+          <p:cNvPr id="2" name="Заголовок 1">
+            <a:extLst>
+              <a:ext uri="{FF2B5EF4-FFF2-40B4-BE49-F238E27FC236}">
+                <a16:creationId xmlns:a16="http://schemas.microsoft.com/office/drawing/2014/main" id="{C5BBD743-BFB7-C0EA-E570-D1530F82EAA7}"/>
+              </a:ext>
+            </a:extLst>
+          </p:cNvPr>
+          <p:cNvSpPr>
+            <a:spLocks noGrp="1"/>
+          </p:cNvSpPr>
+          <p:nvPr>
+            <p:ph type="title"/>
+          </p:nvPr>
+        </p:nvSpPr>
+        <p:spPr/>
+        <p:txBody>
+          <a:bodyPr>
+            <a:noAutofit/>
+          </a:bodyPr>
+          <a:lstStyle/>
+          <a:p>
+            <a:pPr algn="l"/>
+            <a:r>
+              <a:rPr lang="ru-RU" sz="4400" cap="none" dirty="0"/>
+              <a:t>Результаты работа алгоритма</a:t>
+            </a:r>
+            <a:endParaRPr lang="ru-RU" sz="4400" dirty="0"/>
+          </a:p>
+        </p:txBody>
+      </p:sp>
+      <p:sp>
+        <p:nvSpPr>
+          <p:cNvPr id="3" name="Объект 2">
+            <a:extLst>
+              <a:ext uri="{FF2B5EF4-FFF2-40B4-BE49-F238E27FC236}">
+                <a16:creationId xmlns:a16="http://schemas.microsoft.com/office/drawing/2014/main" id="{AD9DE5B2-FB3D-B260-C1FF-F2D6BBCC5B06}"/>
+              </a:ext>
+            </a:extLst>
+          </p:cNvPr>
+          <p:cNvSpPr>
+            <a:spLocks noGrp="1"/>
+          </p:cNvSpPr>
+          <p:nvPr>
+            <p:ph idx="1"/>
+          </p:nvPr>
+        </p:nvSpPr>
+        <p:spPr/>
+        <p:txBody>
+          <a:bodyPr/>
+          <a:lstStyle/>
+          <a:p>
+            <a:r>
+              <a:rPr lang="ru-RU" dirty="0"/>
+              <a:t>Результаты работы алгоритма Кирша для 3-х пороговых значений на изображении </a:t>
+            </a:r>
+            <a:r>
+              <a:rPr lang="en-US" dirty="0"/>
+              <a:t>1</a:t>
+            </a:r>
+            <a:endParaRPr lang="ru-RU" dirty="0"/>
+          </a:p>
+          <a:p>
+            <a:endParaRPr lang="ru-RU" dirty="0"/>
+          </a:p>
+        </p:txBody>
+      </p:sp>
+      <p:pic>
+        <p:nvPicPr>
+          <p:cNvPr id="5" name="Рисунок 4">
+            <a:extLst>
+              <a:ext uri="{FF2B5EF4-FFF2-40B4-BE49-F238E27FC236}">
+                <a16:creationId xmlns:a16="http://schemas.microsoft.com/office/drawing/2014/main" id="{1C17F6B6-DE91-75B1-6449-A3C1B64488CB}"/>
+              </a:ext>
+            </a:extLst>
+          </p:cNvPr>
+          <p:cNvPicPr>
+            <a:picLocks noChangeAspect="1"/>
+          </p:cNvPicPr>
+          <p:nvPr/>
+        </p:nvPicPr>
+        <p:blipFill>
+          <a:blip r:embed="rId2"/>
+          <a:stretch>
+            <a:fillRect/>
+          </a:stretch>
+        </p:blipFill>
+        <p:spPr>
+          <a:xfrm>
+            <a:off x="314558" y="2854713"/>
+            <a:ext cx="3610672" cy="2849252"/>
+          </a:xfrm>
+          <a:prstGeom prst="rect">
+            <a:avLst/>
+          </a:prstGeom>
+        </p:spPr>
+      </p:pic>
+      <p:pic>
+        <p:nvPicPr>
+          <p:cNvPr id="7" name="Рисунок 6">
+            <a:extLst>
+              <a:ext uri="{FF2B5EF4-FFF2-40B4-BE49-F238E27FC236}">
+                <a16:creationId xmlns:a16="http://schemas.microsoft.com/office/drawing/2014/main" id="{E3206396-B7B7-236D-317A-08C00ACAB9B5}"/>
+              </a:ext>
+            </a:extLst>
+          </p:cNvPr>
+          <p:cNvPicPr>
+            <a:picLocks noChangeAspect="1"/>
+          </p:cNvPicPr>
+          <p:nvPr/>
+        </p:nvPicPr>
+        <p:blipFill>
+          <a:blip r:embed="rId3"/>
+          <a:stretch>
+            <a:fillRect/>
+          </a:stretch>
+        </p:blipFill>
+        <p:spPr>
+          <a:xfrm>
+            <a:off x="4148950" y="2845767"/>
+            <a:ext cx="3857626" cy="2919413"/>
+          </a:xfrm>
+          <a:prstGeom prst="rect">
+            <a:avLst/>
+          </a:prstGeom>
+        </p:spPr>
+      </p:pic>
+      <p:pic>
+        <p:nvPicPr>
+          <p:cNvPr id="9" name="Рисунок 8">
+            <a:extLst>
+              <a:ext uri="{FF2B5EF4-FFF2-40B4-BE49-F238E27FC236}">
+                <a16:creationId xmlns:a16="http://schemas.microsoft.com/office/drawing/2014/main" id="{366C9315-898A-8951-12F3-B04BF07079D1}"/>
+              </a:ext>
+            </a:extLst>
+          </p:cNvPr>
+          <p:cNvPicPr>
+            <a:picLocks noChangeAspect="1"/>
+          </p:cNvPicPr>
+          <p:nvPr/>
+        </p:nvPicPr>
+        <p:blipFill>
+          <a:blip r:embed="rId4"/>
+          <a:stretch>
+            <a:fillRect/>
+          </a:stretch>
+        </p:blipFill>
+        <p:spPr>
+          <a:xfrm>
+            <a:off x="8241449" y="2854713"/>
+            <a:ext cx="3589995" cy="2899316"/>
+          </a:xfrm>
+          <a:prstGeom prst="rect">
+            <a:avLst/>
+          </a:prstGeom>
+        </p:spPr>
+      </p:pic>
+    </p:spTree>
+    <p:extLst>
+      <p:ext uri="{BB962C8B-B14F-4D97-AF65-F5344CB8AC3E}">
+        <p14:creationId xmlns:p14="http://schemas.microsoft.com/office/powerpoint/2010/main" val="714255578"/>
+      </p:ext>
+    </p:extLst>
+  </p:cSld>
+  <p:clrMapOvr>
+    <a:masterClrMapping/>
+  </p:clrMapOvr>
+</p:sld>
+</file>
+
+<file path=ppt/slides/slide34.xml><?xml version="1.0" encoding="utf-8"?>
+<p:sld xmlns:a="http://schemas.openxmlformats.org/drawingml/2006/main" xmlns:r="http://schemas.openxmlformats.org/officeDocument/2006/relationships" xmlns:p="http://schemas.openxmlformats.org/presentationml/2006/main">
+  <p:cSld>
+    <p:spTree>
+      <p:nvGrpSpPr>
+        <p:cNvPr id="1" name="">
+          <a:extLst>
+            <a:ext uri="{FF2B5EF4-FFF2-40B4-BE49-F238E27FC236}">
+              <a16:creationId xmlns:a16="http://schemas.microsoft.com/office/drawing/2014/main" id="{F55D0588-89CD-AD54-6AE3-FAF83DB8FBAB}"/>
+            </a:ext>
+          </a:extLst>
+        </p:cNvPr>
+        <p:cNvGrpSpPr/>
+        <p:nvPr/>
+      </p:nvGrpSpPr>
+      <p:grpSpPr>
+        <a:xfrm>
+          <a:off x="0" y="0"/>
+          <a:ext cx="0" cy="0"/>
+          <a:chOff x="0" y="0"/>
+          <a:chExt cx="0" cy="0"/>
+        </a:xfrm>
+      </p:grpSpPr>
+      <p:sp>
+        <p:nvSpPr>
+          <p:cNvPr id="2" name="Заголовок 1">
+            <a:extLst>
+              <a:ext uri="{FF2B5EF4-FFF2-40B4-BE49-F238E27FC236}">
+                <a16:creationId xmlns:a16="http://schemas.microsoft.com/office/drawing/2014/main" id="{0564D13F-AAC4-9CDC-32AB-77F2F96002EA}"/>
+              </a:ext>
+            </a:extLst>
+          </p:cNvPr>
+          <p:cNvSpPr>
+            <a:spLocks noGrp="1"/>
+          </p:cNvSpPr>
+          <p:nvPr>
+            <p:ph type="title"/>
+          </p:nvPr>
+        </p:nvSpPr>
+        <p:spPr/>
+        <p:txBody>
+          <a:bodyPr>
+            <a:noAutofit/>
+          </a:bodyPr>
+          <a:lstStyle/>
+          <a:p>
+            <a:pPr algn="l"/>
+            <a:r>
+              <a:rPr lang="ru-RU" sz="4400" cap="none" dirty="0"/>
+              <a:t>Результаты работа алгоритма</a:t>
+            </a:r>
+            <a:endParaRPr lang="ru-RU" sz="4400" dirty="0"/>
+          </a:p>
+        </p:txBody>
+      </p:sp>
+      <p:sp>
+        <p:nvSpPr>
+          <p:cNvPr id="3" name="Объект 2">
+            <a:extLst>
+              <a:ext uri="{FF2B5EF4-FFF2-40B4-BE49-F238E27FC236}">
+                <a16:creationId xmlns:a16="http://schemas.microsoft.com/office/drawing/2014/main" id="{7004F328-22A0-9F0F-7E23-1A846CD29D98}"/>
+              </a:ext>
+            </a:extLst>
+          </p:cNvPr>
+          <p:cNvSpPr>
+            <a:spLocks noGrp="1"/>
+          </p:cNvSpPr>
+          <p:nvPr>
+            <p:ph idx="1"/>
+          </p:nvPr>
+        </p:nvSpPr>
+        <p:spPr/>
+        <p:txBody>
+          <a:bodyPr/>
+          <a:lstStyle/>
+          <a:p>
+            <a:r>
+              <a:rPr lang="ru-RU" dirty="0"/>
+              <a:t>Результаты работы алгоритма Кирша для 3-х пороговых значений на изображении </a:t>
+            </a:r>
+            <a:r>
+              <a:rPr lang="en-US" dirty="0"/>
+              <a:t>2</a:t>
+            </a:r>
+            <a:endParaRPr lang="ru-RU" dirty="0"/>
+          </a:p>
+          <a:p>
+            <a:endParaRPr lang="ru-RU" dirty="0"/>
+          </a:p>
+        </p:txBody>
+      </p:sp>
+      <p:pic>
+        <p:nvPicPr>
+          <p:cNvPr id="6" name="Рисунок 5">
+            <a:extLst>
+              <a:ext uri="{FF2B5EF4-FFF2-40B4-BE49-F238E27FC236}">
+                <a16:creationId xmlns:a16="http://schemas.microsoft.com/office/drawing/2014/main" id="{125BBA01-0513-226D-D954-2BEE7A3FB108}"/>
+              </a:ext>
+            </a:extLst>
+          </p:cNvPr>
+          <p:cNvPicPr>
+            <a:picLocks noChangeAspect="1"/>
+          </p:cNvPicPr>
+          <p:nvPr/>
+        </p:nvPicPr>
+        <p:blipFill>
+          <a:blip r:embed="rId2"/>
+          <a:stretch>
+            <a:fillRect/>
+          </a:stretch>
+        </p:blipFill>
+        <p:spPr>
+          <a:xfrm>
+            <a:off x="347895" y="2988525"/>
+            <a:ext cx="3400425" cy="3144645"/>
+          </a:xfrm>
+          <a:prstGeom prst="rect">
+            <a:avLst/>
+          </a:prstGeom>
+        </p:spPr>
+      </p:pic>
+      <p:pic>
+        <p:nvPicPr>
+          <p:cNvPr id="8" name="Рисунок 7">
+            <a:extLst>
+              <a:ext uri="{FF2B5EF4-FFF2-40B4-BE49-F238E27FC236}">
+                <a16:creationId xmlns:a16="http://schemas.microsoft.com/office/drawing/2014/main" id="{139E1775-8978-6841-2271-F6E1E3E2BA29}"/>
+              </a:ext>
+            </a:extLst>
+          </p:cNvPr>
+          <p:cNvPicPr>
+            <a:picLocks noChangeAspect="1"/>
+          </p:cNvPicPr>
+          <p:nvPr/>
+        </p:nvPicPr>
+        <p:blipFill>
+          <a:blip r:embed="rId3"/>
+          <a:stretch>
+            <a:fillRect/>
+          </a:stretch>
+        </p:blipFill>
+        <p:spPr>
+          <a:xfrm>
+            <a:off x="3949738" y="3010830"/>
+            <a:ext cx="3967628" cy="3144644"/>
+          </a:xfrm>
+          <a:prstGeom prst="rect">
+            <a:avLst/>
+          </a:prstGeom>
+        </p:spPr>
+      </p:pic>
+      <p:pic>
+        <p:nvPicPr>
+          <p:cNvPr id="11" name="Рисунок 10">
+            <a:extLst>
+              <a:ext uri="{FF2B5EF4-FFF2-40B4-BE49-F238E27FC236}">
+                <a16:creationId xmlns:a16="http://schemas.microsoft.com/office/drawing/2014/main" id="{8D828D8D-4A0D-41B3-18AD-8504D0E7A7EA}"/>
+              </a:ext>
+            </a:extLst>
+          </p:cNvPr>
+          <p:cNvPicPr>
+            <a:picLocks noChangeAspect="1"/>
+          </p:cNvPicPr>
+          <p:nvPr/>
+        </p:nvPicPr>
+        <p:blipFill>
+          <a:blip r:embed="rId4"/>
+          <a:stretch>
+            <a:fillRect/>
+          </a:stretch>
+        </p:blipFill>
+        <p:spPr>
+          <a:xfrm>
+            <a:off x="8247721" y="2999678"/>
+            <a:ext cx="3606026" cy="3133493"/>
+          </a:xfrm>
+          <a:prstGeom prst="rect">
+            <a:avLst/>
+          </a:prstGeom>
+        </p:spPr>
+      </p:pic>
+    </p:spTree>
+    <p:extLst>
+      <p:ext uri="{BB962C8B-B14F-4D97-AF65-F5344CB8AC3E}">
+        <p14:creationId xmlns:p14="http://schemas.microsoft.com/office/powerpoint/2010/main" val="2298903303"/>
+      </p:ext>
+    </p:extLst>
+  </p:cSld>
+  <p:clrMapOvr>
+    <a:masterClrMapping/>
+  </p:clrMapOvr>
+</p:sld>
+</file>
+
+<file path=ppt/slides/slide35.xml><?xml version="1.0" encoding="utf-8"?>
+<p:sld xmlns:a="http://schemas.openxmlformats.org/drawingml/2006/main" xmlns:r="http://schemas.openxmlformats.org/officeDocument/2006/relationships" xmlns:p="http://schemas.openxmlformats.org/presentationml/2006/main">
+  <p:cSld>
+    <p:spTree>
+      <p:nvGrpSpPr>
+        <p:cNvPr id="1" name="">
+          <a:extLst>
+            <a:ext uri="{FF2B5EF4-FFF2-40B4-BE49-F238E27FC236}">
+              <a16:creationId xmlns:a16="http://schemas.microsoft.com/office/drawing/2014/main" id="{B8F36C25-FBA0-3B28-36E1-427F82A802B7}"/>
+            </a:ext>
+          </a:extLst>
+        </p:cNvPr>
+        <p:cNvGrpSpPr/>
+        <p:nvPr/>
+      </p:nvGrpSpPr>
+      <p:grpSpPr>
+        <a:xfrm>
+          <a:off x="0" y="0"/>
+          <a:ext cx="0" cy="0"/>
+          <a:chOff x="0" y="0"/>
+          <a:chExt cx="0" cy="0"/>
+        </a:xfrm>
+      </p:grpSpPr>
+      <p:sp>
+        <p:nvSpPr>
+          <p:cNvPr id="2" name="Заголовок 1">
+            <a:extLst>
+              <a:ext uri="{FF2B5EF4-FFF2-40B4-BE49-F238E27FC236}">
+                <a16:creationId xmlns:a16="http://schemas.microsoft.com/office/drawing/2014/main" id="{8A65689B-BA5C-7E87-0BE7-7DDBD7B3A9E0}"/>
+              </a:ext>
+            </a:extLst>
+          </p:cNvPr>
+          <p:cNvSpPr>
+            <a:spLocks noGrp="1"/>
+          </p:cNvSpPr>
+          <p:nvPr>
+            <p:ph type="title"/>
+          </p:nvPr>
+        </p:nvSpPr>
+        <p:spPr/>
+        <p:txBody>
+          <a:bodyPr>
+            <a:noAutofit/>
+          </a:bodyPr>
+          <a:lstStyle/>
+          <a:p>
+            <a:pPr algn="l"/>
+            <a:r>
+              <a:rPr lang="ru-RU" sz="4400" cap="none" dirty="0"/>
+              <a:t>Результаты работа алгоритма</a:t>
+            </a:r>
+            <a:endParaRPr lang="ru-RU" sz="4400" dirty="0"/>
+          </a:p>
+        </p:txBody>
+      </p:sp>
+      <p:sp>
+        <p:nvSpPr>
+          <p:cNvPr id="3" name="Объект 2">
+            <a:extLst>
+              <a:ext uri="{FF2B5EF4-FFF2-40B4-BE49-F238E27FC236}">
+                <a16:creationId xmlns:a16="http://schemas.microsoft.com/office/drawing/2014/main" id="{48FC047C-CD6D-AADA-B069-3EDBB1237926}"/>
+              </a:ext>
+            </a:extLst>
+          </p:cNvPr>
+          <p:cNvSpPr>
+            <a:spLocks noGrp="1"/>
+          </p:cNvSpPr>
+          <p:nvPr>
+            <p:ph idx="1"/>
+          </p:nvPr>
+        </p:nvSpPr>
+        <p:spPr/>
+        <p:txBody>
+          <a:bodyPr/>
+          <a:lstStyle/>
+          <a:p>
+            <a:r>
+              <a:rPr lang="ru-RU" dirty="0"/>
+              <a:t>Результаты работы алгоритма </a:t>
+            </a:r>
+            <a:r>
+              <a:rPr lang="ru-RU" dirty="0" err="1"/>
+              <a:t>Канни</a:t>
+            </a:r>
+            <a:r>
+              <a:rPr lang="ru-RU" dirty="0"/>
+              <a:t> для 3-х пороговых значений на изображении </a:t>
+            </a:r>
+            <a:r>
+              <a:rPr lang="en-US" dirty="0"/>
+              <a:t>3</a:t>
+            </a:r>
+            <a:endParaRPr lang="ru-RU" dirty="0"/>
+          </a:p>
+          <a:p>
+            <a:endParaRPr lang="ru-RU" dirty="0"/>
+          </a:p>
+        </p:txBody>
+      </p:sp>
+      <p:pic>
+        <p:nvPicPr>
+          <p:cNvPr id="6" name="Рисунок 5">
+            <a:extLst>
+              <a:ext uri="{FF2B5EF4-FFF2-40B4-BE49-F238E27FC236}">
+                <a16:creationId xmlns:a16="http://schemas.microsoft.com/office/drawing/2014/main" id="{9ECC6CB7-013C-9A45-137B-53C183CFEDBF}"/>
+              </a:ext>
+            </a:extLst>
+          </p:cNvPr>
+          <p:cNvPicPr>
+            <a:picLocks noChangeAspect="1"/>
+          </p:cNvPicPr>
+          <p:nvPr/>
+        </p:nvPicPr>
+        <p:blipFill>
+          <a:blip r:embed="rId2"/>
+          <a:stretch>
+            <a:fillRect/>
+          </a:stretch>
+        </p:blipFill>
+        <p:spPr>
+          <a:xfrm>
+            <a:off x="317112" y="2870742"/>
+            <a:ext cx="3652721" cy="3307034"/>
+          </a:xfrm>
+          <a:prstGeom prst="rect">
+            <a:avLst/>
+          </a:prstGeom>
+        </p:spPr>
+      </p:pic>
+      <p:pic>
+        <p:nvPicPr>
+          <p:cNvPr id="8" name="Рисунок 7">
+            <a:extLst>
+              <a:ext uri="{FF2B5EF4-FFF2-40B4-BE49-F238E27FC236}">
+                <a16:creationId xmlns:a16="http://schemas.microsoft.com/office/drawing/2014/main" id="{7C1BDCA9-1526-8545-0EA3-FF3125BEC6A1}"/>
+              </a:ext>
+            </a:extLst>
+          </p:cNvPr>
+          <p:cNvPicPr>
+            <a:picLocks noChangeAspect="1"/>
+          </p:cNvPicPr>
+          <p:nvPr/>
+        </p:nvPicPr>
+        <p:blipFill>
+          <a:blip r:embed="rId3"/>
+          <a:stretch>
+            <a:fillRect/>
+          </a:stretch>
+        </p:blipFill>
+        <p:spPr>
+          <a:xfrm>
+            <a:off x="8251902" y="2865865"/>
+            <a:ext cx="3622986" cy="3401122"/>
+          </a:xfrm>
+          <a:prstGeom prst="rect">
+            <a:avLst/>
+          </a:prstGeom>
+        </p:spPr>
+      </p:pic>
+      <p:pic>
+        <p:nvPicPr>
+          <p:cNvPr id="11" name="Рисунок 10">
+            <a:extLst>
+              <a:ext uri="{FF2B5EF4-FFF2-40B4-BE49-F238E27FC236}">
+                <a16:creationId xmlns:a16="http://schemas.microsoft.com/office/drawing/2014/main" id="{030468C4-D629-1E01-4FC5-962C2B56AB84}"/>
+              </a:ext>
+            </a:extLst>
+          </p:cNvPr>
+          <p:cNvPicPr>
+            <a:picLocks noChangeAspect="1"/>
+          </p:cNvPicPr>
+          <p:nvPr/>
+        </p:nvPicPr>
+        <p:blipFill>
+          <a:blip r:embed="rId4"/>
+          <a:stretch>
+            <a:fillRect/>
+          </a:stretch>
+        </p:blipFill>
+        <p:spPr>
+          <a:xfrm>
+            <a:off x="4111664" y="2888167"/>
+            <a:ext cx="3990975" cy="3334214"/>
+          </a:xfrm>
+          <a:prstGeom prst="rect">
+            <a:avLst/>
+          </a:prstGeom>
+        </p:spPr>
+      </p:pic>
+    </p:spTree>
+    <p:extLst>
+      <p:ext uri="{BB962C8B-B14F-4D97-AF65-F5344CB8AC3E}">
+        <p14:creationId xmlns:p14="http://schemas.microsoft.com/office/powerpoint/2010/main" val="3101034542"/>
+      </p:ext>
+    </p:extLst>
+  </p:cSld>
+  <p:clrMapOvr>
+    <a:masterClrMapping/>
+  </p:clrMapOvr>
+</p:sld>
+</file>
+
+<file path=ppt/slides/slide36.xml><?xml version="1.0" encoding="utf-8"?>
+<p:sld xmlns:a="http://schemas.openxmlformats.org/drawingml/2006/main" xmlns:r="http://schemas.openxmlformats.org/officeDocument/2006/relationships" xmlns:p="http://schemas.openxmlformats.org/presentationml/2006/main">
+  <p:cSld>
+    <p:spTree>
+      <p:nvGrpSpPr>
+        <p:cNvPr id="1" name="">
+          <a:extLst>
+            <a:ext uri="{FF2B5EF4-FFF2-40B4-BE49-F238E27FC236}">
+              <a16:creationId xmlns:a16="http://schemas.microsoft.com/office/drawing/2014/main" id="{A6D40B00-0F28-B6AE-9017-B378A934CC54}"/>
+            </a:ext>
+          </a:extLst>
+        </p:cNvPr>
+        <p:cNvGrpSpPr/>
+        <p:nvPr/>
+      </p:nvGrpSpPr>
+      <p:grpSpPr>
+        <a:xfrm>
+          <a:off x="0" y="0"/>
+          <a:ext cx="0" cy="0"/>
+          <a:chOff x="0" y="0"/>
+          <a:chExt cx="0" cy="0"/>
+        </a:xfrm>
+      </p:grpSpPr>
+      <p:sp>
+        <p:nvSpPr>
+          <p:cNvPr id="2" name="Заголовок 1">
+            <a:extLst>
+              <a:ext uri="{FF2B5EF4-FFF2-40B4-BE49-F238E27FC236}">
+                <a16:creationId xmlns:a16="http://schemas.microsoft.com/office/drawing/2014/main" id="{F3C97775-B6B2-4723-D16E-624515F9E06E}"/>
+              </a:ext>
+            </a:extLst>
+          </p:cNvPr>
+          <p:cNvSpPr>
+            <a:spLocks noGrp="1"/>
+          </p:cNvSpPr>
+          <p:nvPr>
+            <p:ph type="title"/>
+          </p:nvPr>
+        </p:nvSpPr>
+        <p:spPr/>
+        <p:txBody>
+          <a:bodyPr>
+            <a:noAutofit/>
+          </a:bodyPr>
+          <a:lstStyle/>
+          <a:p>
+            <a:pPr algn="l"/>
+            <a:r>
+              <a:rPr lang="ru-RU" sz="4400" cap="none" dirty="0"/>
+              <a:t>Результаты работа алгоритма</a:t>
+            </a:r>
+            <a:endParaRPr lang="ru-RU" sz="4400" dirty="0"/>
+          </a:p>
+        </p:txBody>
+      </p:sp>
+      <p:sp>
+        <p:nvSpPr>
+          <p:cNvPr id="3" name="Объект 2">
+            <a:extLst>
+              <a:ext uri="{FF2B5EF4-FFF2-40B4-BE49-F238E27FC236}">
+                <a16:creationId xmlns:a16="http://schemas.microsoft.com/office/drawing/2014/main" id="{8483E7F5-FA1E-7170-ED31-EA532F46C5D6}"/>
+              </a:ext>
+            </a:extLst>
+          </p:cNvPr>
+          <p:cNvSpPr>
+            <a:spLocks noGrp="1"/>
+          </p:cNvSpPr>
+          <p:nvPr>
+            <p:ph idx="1"/>
+          </p:nvPr>
+        </p:nvSpPr>
+        <p:spPr/>
+        <p:txBody>
+          <a:bodyPr/>
+          <a:lstStyle/>
+          <a:p>
+            <a:r>
+              <a:rPr lang="ru-RU" dirty="0"/>
+              <a:t>Результаты работы алгоритма </a:t>
+            </a:r>
+            <a:r>
+              <a:rPr lang="ru-RU" dirty="0" err="1"/>
+              <a:t>Канни</a:t>
+            </a:r>
+            <a:r>
+              <a:rPr lang="ru-RU" dirty="0"/>
+              <a:t> для 3-х пороговых значений на изображении </a:t>
+            </a:r>
+            <a:r>
+              <a:rPr lang="en-US" dirty="0"/>
+              <a:t>4</a:t>
+            </a:r>
+            <a:endParaRPr lang="ru-RU" dirty="0"/>
+          </a:p>
+          <a:p>
+            <a:endParaRPr lang="ru-RU" dirty="0"/>
+          </a:p>
+        </p:txBody>
+      </p:sp>
+      <p:pic>
+        <p:nvPicPr>
+          <p:cNvPr id="6" name="Рисунок 5">
+            <a:extLst>
+              <a:ext uri="{FF2B5EF4-FFF2-40B4-BE49-F238E27FC236}">
+                <a16:creationId xmlns:a16="http://schemas.microsoft.com/office/drawing/2014/main" id="{255E69D0-E7BC-62B8-FA3A-04A23982A205}"/>
+              </a:ext>
+            </a:extLst>
+          </p:cNvPr>
+          <p:cNvPicPr>
+            <a:picLocks noChangeAspect="1"/>
+          </p:cNvPicPr>
+          <p:nvPr/>
+        </p:nvPicPr>
+        <p:blipFill>
+          <a:blip r:embed="rId2"/>
+          <a:stretch>
+            <a:fillRect/>
+          </a:stretch>
+        </p:blipFill>
+        <p:spPr>
+          <a:xfrm>
+            <a:off x="339183" y="2850763"/>
+            <a:ext cx="3731012" cy="3293559"/>
+          </a:xfrm>
+          <a:prstGeom prst="rect">
+            <a:avLst/>
+          </a:prstGeom>
+        </p:spPr>
+      </p:pic>
+      <p:pic>
+        <p:nvPicPr>
+          <p:cNvPr id="8" name="Рисунок 7">
+            <a:extLst>
+              <a:ext uri="{FF2B5EF4-FFF2-40B4-BE49-F238E27FC236}">
+                <a16:creationId xmlns:a16="http://schemas.microsoft.com/office/drawing/2014/main" id="{A506C453-2B56-D100-6FE1-5D7B7FAE86FB}"/>
+              </a:ext>
+            </a:extLst>
+          </p:cNvPr>
+          <p:cNvPicPr>
+            <a:picLocks noChangeAspect="1"/>
+          </p:cNvPicPr>
+          <p:nvPr/>
+        </p:nvPicPr>
+        <p:blipFill>
+          <a:blip r:embed="rId3"/>
+          <a:stretch>
+            <a:fillRect/>
+          </a:stretch>
+        </p:blipFill>
+        <p:spPr>
+          <a:xfrm>
+            <a:off x="4213419" y="2857036"/>
+            <a:ext cx="3525527" cy="3276135"/>
+          </a:xfrm>
+          <a:prstGeom prst="rect">
+            <a:avLst/>
+          </a:prstGeom>
+        </p:spPr>
+      </p:pic>
+      <p:pic>
+        <p:nvPicPr>
+          <p:cNvPr id="11" name="Рисунок 10">
+            <a:extLst>
+              <a:ext uri="{FF2B5EF4-FFF2-40B4-BE49-F238E27FC236}">
+                <a16:creationId xmlns:a16="http://schemas.microsoft.com/office/drawing/2014/main" id="{5A64FE44-17EE-C61D-643E-6D0C7C01D660}"/>
+              </a:ext>
+            </a:extLst>
+          </p:cNvPr>
+          <p:cNvPicPr>
+            <a:picLocks noChangeAspect="1"/>
+          </p:cNvPicPr>
+          <p:nvPr/>
+        </p:nvPicPr>
+        <p:blipFill>
+          <a:blip r:embed="rId4"/>
+          <a:stretch>
+            <a:fillRect/>
+          </a:stretch>
+        </p:blipFill>
+        <p:spPr>
+          <a:xfrm>
+            <a:off x="7872644" y="2865863"/>
+            <a:ext cx="4003406" cy="3289610"/>
+          </a:xfrm>
+          <a:prstGeom prst="rect">
+            <a:avLst/>
+          </a:prstGeom>
+        </p:spPr>
+      </p:pic>
+    </p:spTree>
+    <p:extLst>
+      <p:ext uri="{BB962C8B-B14F-4D97-AF65-F5344CB8AC3E}">
+        <p14:creationId xmlns:p14="http://schemas.microsoft.com/office/powerpoint/2010/main" val="1840581859"/>
+      </p:ext>
+    </p:extLst>
+  </p:cSld>
+  <p:clrMapOvr>
+    <a:masterClrMapping/>
+  </p:clrMapOvr>
+</p:sld>
+</file>
+
+<file path=ppt/slides/slide37.xml><?xml version="1.0" encoding="utf-8"?>
+<p:sld xmlns:a="http://schemas.openxmlformats.org/drawingml/2006/main" xmlns:r="http://schemas.openxmlformats.org/officeDocument/2006/relationships" xmlns:p="http://schemas.openxmlformats.org/presentationml/2006/main">
+  <p:cSld>
+    <p:spTree>
+      <p:nvGrpSpPr>
+        <p:cNvPr id="1" name="">
+          <a:extLst>
+            <a:ext uri="{FF2B5EF4-FFF2-40B4-BE49-F238E27FC236}">
+              <a16:creationId xmlns:a16="http://schemas.microsoft.com/office/drawing/2014/main" id="{FA59660A-2415-9112-D711-82A4752E964D}"/>
+            </a:ext>
+          </a:extLst>
+        </p:cNvPr>
+        <p:cNvGrpSpPr/>
+        <p:nvPr/>
+      </p:nvGrpSpPr>
+      <p:grpSpPr>
+        <a:xfrm>
+          <a:off x="0" y="0"/>
+          <a:ext cx="0" cy="0"/>
+          <a:chOff x="0" y="0"/>
+          <a:chExt cx="0" cy="0"/>
+        </a:xfrm>
+      </p:grpSpPr>
+      <p:sp>
+        <p:nvSpPr>
+          <p:cNvPr id="2" name="Заголовок 1">
+            <a:extLst>
+              <a:ext uri="{FF2B5EF4-FFF2-40B4-BE49-F238E27FC236}">
+                <a16:creationId xmlns:a16="http://schemas.microsoft.com/office/drawing/2014/main" id="{929B1F5C-4E53-1EA8-537A-88CCABA00B7E}"/>
+              </a:ext>
+            </a:extLst>
+          </p:cNvPr>
+          <p:cNvSpPr>
+            <a:spLocks noGrp="1"/>
+          </p:cNvSpPr>
+          <p:nvPr>
+            <p:ph type="title"/>
+          </p:nvPr>
+        </p:nvSpPr>
+        <p:spPr/>
+        <p:txBody>
+          <a:bodyPr>
+            <a:noAutofit/>
+          </a:bodyPr>
+          <a:lstStyle/>
+          <a:p>
+            <a:pPr algn="l"/>
+            <a:r>
+              <a:rPr lang="ru-RU" sz="4400" cap="none" dirty="0"/>
+              <a:t>Результаты работа алгоритма</a:t>
+            </a:r>
+            <a:endParaRPr lang="ru-RU" sz="4400" dirty="0"/>
+          </a:p>
+        </p:txBody>
+      </p:sp>
+      <p:sp>
+        <p:nvSpPr>
+          <p:cNvPr id="3" name="Объект 2">
+            <a:extLst>
+              <a:ext uri="{FF2B5EF4-FFF2-40B4-BE49-F238E27FC236}">
+                <a16:creationId xmlns:a16="http://schemas.microsoft.com/office/drawing/2014/main" id="{36F91047-6EA9-0A5B-432C-8FDB1733BEBD}"/>
+              </a:ext>
+            </a:extLst>
+          </p:cNvPr>
+          <p:cNvSpPr>
+            <a:spLocks noGrp="1"/>
+          </p:cNvSpPr>
+          <p:nvPr>
+            <p:ph idx="1"/>
+          </p:nvPr>
+        </p:nvSpPr>
+        <p:spPr/>
+        <p:txBody>
+          <a:bodyPr/>
+          <a:lstStyle/>
+          <a:p>
+            <a:r>
+              <a:rPr lang="ru-RU" dirty="0"/>
+              <a:t>Результаты работы алгоритма </a:t>
+            </a:r>
+            <a:r>
+              <a:rPr lang="ru-RU" dirty="0" err="1"/>
+              <a:t>Канни</a:t>
+            </a:r>
+            <a:r>
+              <a:rPr lang="ru-RU" dirty="0"/>
+              <a:t> для 3-х пороговых значений на изображении 5</a:t>
+            </a:r>
+          </a:p>
+          <a:p>
+            <a:endParaRPr lang="ru-RU" dirty="0"/>
+          </a:p>
+        </p:txBody>
+      </p:sp>
+      <p:pic>
+        <p:nvPicPr>
+          <p:cNvPr id="6" name="Рисунок 5">
+            <a:extLst>
+              <a:ext uri="{FF2B5EF4-FFF2-40B4-BE49-F238E27FC236}">
+                <a16:creationId xmlns:a16="http://schemas.microsoft.com/office/drawing/2014/main" id="{743DE1F1-9B0A-AD78-0390-1FC3DCF9DEE7}"/>
+              </a:ext>
+            </a:extLst>
+          </p:cNvPr>
+          <p:cNvPicPr>
+            <a:picLocks noChangeAspect="1"/>
+          </p:cNvPicPr>
+          <p:nvPr/>
+        </p:nvPicPr>
+        <p:blipFill>
+          <a:blip r:embed="rId2"/>
+          <a:stretch>
+            <a:fillRect/>
+          </a:stretch>
+        </p:blipFill>
+        <p:spPr>
+          <a:xfrm>
+            <a:off x="338369" y="2957512"/>
+            <a:ext cx="3631465" cy="2651191"/>
+          </a:xfrm>
+          <a:prstGeom prst="rect">
+            <a:avLst/>
+          </a:prstGeom>
+        </p:spPr>
+      </p:pic>
+      <p:pic>
+        <p:nvPicPr>
+          <p:cNvPr id="8" name="Рисунок 7">
+            <a:extLst>
+              <a:ext uri="{FF2B5EF4-FFF2-40B4-BE49-F238E27FC236}">
+                <a16:creationId xmlns:a16="http://schemas.microsoft.com/office/drawing/2014/main" id="{54874718-2403-843D-AC89-BA4E5482313F}"/>
+              </a:ext>
+            </a:extLst>
+          </p:cNvPr>
+          <p:cNvPicPr>
+            <a:picLocks noChangeAspect="1"/>
+          </p:cNvPicPr>
+          <p:nvPr/>
+        </p:nvPicPr>
+        <p:blipFill>
+          <a:blip r:embed="rId3"/>
+          <a:stretch>
+            <a:fillRect/>
+          </a:stretch>
+        </p:blipFill>
+        <p:spPr>
+          <a:xfrm>
+            <a:off x="4225381" y="2967153"/>
+            <a:ext cx="3502413" cy="2653343"/>
+          </a:xfrm>
+          <a:prstGeom prst="rect">
+            <a:avLst/>
+          </a:prstGeom>
+        </p:spPr>
+      </p:pic>
+      <p:pic>
+        <p:nvPicPr>
+          <p:cNvPr id="11" name="Рисунок 10">
+            <a:extLst>
+              <a:ext uri="{FF2B5EF4-FFF2-40B4-BE49-F238E27FC236}">
+                <a16:creationId xmlns:a16="http://schemas.microsoft.com/office/drawing/2014/main" id="{811E58E6-15A8-7AC9-6CF2-6444BBFAD3A5}"/>
+              </a:ext>
+            </a:extLst>
+          </p:cNvPr>
+          <p:cNvPicPr>
+            <a:picLocks noChangeAspect="1"/>
+          </p:cNvPicPr>
+          <p:nvPr/>
+        </p:nvPicPr>
+        <p:blipFill>
+          <a:blip r:embed="rId4"/>
+          <a:stretch>
+            <a:fillRect/>
+          </a:stretch>
+        </p:blipFill>
+        <p:spPr>
+          <a:xfrm>
+            <a:off x="7981717" y="2954375"/>
+            <a:ext cx="3526341" cy="2664945"/>
+          </a:xfrm>
+          <a:prstGeom prst="rect">
+            <a:avLst/>
+          </a:prstGeom>
+        </p:spPr>
+      </p:pic>
+    </p:spTree>
+    <p:extLst>
+      <p:ext uri="{BB962C8B-B14F-4D97-AF65-F5344CB8AC3E}">
+        <p14:creationId xmlns:p14="http://schemas.microsoft.com/office/powerpoint/2010/main" val="2952275365"/>
+      </p:ext>
+    </p:extLst>
+  </p:cSld>
+  <p:clrMapOvr>
+    <a:masterClrMapping/>
+  </p:clrMapOvr>
+</p:sld>
+</file>
+
+<file path=ppt/slides/slide38.xml><?xml version="1.0" encoding="utf-8"?>
+<p:sld xmlns:a="http://schemas.openxmlformats.org/drawingml/2006/main" xmlns:r="http://schemas.openxmlformats.org/officeDocument/2006/relationships" xmlns:p="http://schemas.openxmlformats.org/presentationml/2006/main">
+  <p:cSld>
+    <p:spTree>
+      <p:nvGrpSpPr>
+        <p:cNvPr id="1" name="">
+          <a:extLst>
+            <a:ext uri="{FF2B5EF4-FFF2-40B4-BE49-F238E27FC236}">
+              <a16:creationId xmlns:a16="http://schemas.microsoft.com/office/drawing/2014/main" id="{AC64382F-53B0-8CBD-ED2A-E760FB92531E}"/>
+            </a:ext>
+          </a:extLst>
+        </p:cNvPr>
+        <p:cNvGrpSpPr/>
+        <p:nvPr/>
+      </p:nvGrpSpPr>
+      <p:grpSpPr>
+        <a:xfrm>
+          <a:off x="0" y="0"/>
+          <a:ext cx="0" cy="0"/>
+          <a:chOff x="0" y="0"/>
+          <a:chExt cx="0" cy="0"/>
+        </a:xfrm>
+      </p:grpSpPr>
+      <p:sp>
+        <p:nvSpPr>
+          <p:cNvPr id="2" name="Заголовок 1">
+            <a:extLst>
+              <a:ext uri="{FF2B5EF4-FFF2-40B4-BE49-F238E27FC236}">
+                <a16:creationId xmlns:a16="http://schemas.microsoft.com/office/drawing/2014/main" id="{11C640C5-F34D-2297-38EB-16410C84D763}"/>
+              </a:ext>
+            </a:extLst>
+          </p:cNvPr>
+          <p:cNvSpPr>
+            <a:spLocks noGrp="1"/>
+          </p:cNvSpPr>
+          <p:nvPr>
+            <p:ph type="title"/>
+          </p:nvPr>
+        </p:nvSpPr>
+        <p:spPr>
+          <a:xfrm>
+            <a:off x="1414740" y="648402"/>
+            <a:ext cx="9310255" cy="1049235"/>
+          </a:xfrm>
+        </p:spPr>
+        <p:txBody>
+          <a:bodyPr>
+            <a:noAutofit/>
+          </a:bodyPr>
+          <a:lstStyle/>
+          <a:p>
+            <a:pPr algn="l"/>
+            <a:r>
+              <a:rPr lang="ru-RU" sz="4400" cap="none" dirty="0"/>
+              <a:t>Итоговые пороговые значения с наибольшей точностью</a:t>
+            </a:r>
+            <a:endParaRPr lang="ru-RU" sz="4400" dirty="0"/>
+          </a:p>
+        </p:txBody>
+      </p:sp>
+      <p:graphicFrame>
+        <p:nvGraphicFramePr>
+          <p:cNvPr id="4" name="Объект 3">
+            <a:extLst>
+              <a:ext uri="{FF2B5EF4-FFF2-40B4-BE49-F238E27FC236}">
+                <a16:creationId xmlns:a16="http://schemas.microsoft.com/office/drawing/2014/main" id="{439ABA42-6BB2-3D7E-A1B4-1E1F5F7EB39B}"/>
+              </a:ext>
+            </a:extLst>
+          </p:cNvPr>
+          <p:cNvGraphicFramePr>
+            <a:graphicFrameLocks/>
+          </p:cNvGraphicFramePr>
+          <p:nvPr>
+            <p:extLst>
+              <p:ext uri="{D42A27DB-BD31-4B8C-83A1-F6EECF244321}">
+                <p14:modId xmlns:p14="http://schemas.microsoft.com/office/powerpoint/2010/main" val="3552034983"/>
+              </p:ext>
+            </p:extLst>
+          </p:nvPr>
+        </p:nvGraphicFramePr>
+        <p:xfrm>
+          <a:off x="1423265" y="1831396"/>
+          <a:ext cx="8635135" cy="4152660"/>
+        </p:xfrm>
+        <a:graphic>
+          <a:graphicData uri="http://schemas.openxmlformats.org/drawingml/2006/table">
+            <a:tbl>
+              <a:tblPr firstRow="1" bandRow="1">
+                <a:tableStyleId>{5C22544A-7EE6-4342-B048-85BDC9FD1C3A}</a:tableStyleId>
+              </a:tblPr>
+              <a:tblGrid>
+                <a:gridCol w="1710228">
+                  <a:extLst>
+                    <a:ext uri="{9D8B030D-6E8A-4147-A177-3AD203B41FA5}">
+                      <a16:colId xmlns:a16="http://schemas.microsoft.com/office/drawing/2014/main" val="1670820282"/>
+                    </a:ext>
+                  </a:extLst>
+                </a:gridCol>
+                <a:gridCol w="1683834">
+                  <a:extLst>
+                    <a:ext uri="{9D8B030D-6E8A-4147-A177-3AD203B41FA5}">
+                      <a16:colId xmlns:a16="http://schemas.microsoft.com/office/drawing/2014/main" val="3621433772"/>
+                    </a:ext>
+                  </a:extLst>
+                </a:gridCol>
+                <a:gridCol w="1683834">
+                  <a:extLst>
+                    <a:ext uri="{9D8B030D-6E8A-4147-A177-3AD203B41FA5}">
+                      <a16:colId xmlns:a16="http://schemas.microsoft.com/office/drawing/2014/main" val="796691448"/>
+                    </a:ext>
+                  </a:extLst>
+                </a:gridCol>
+                <a:gridCol w="1830212">
+                  <a:extLst>
+                    <a:ext uri="{9D8B030D-6E8A-4147-A177-3AD203B41FA5}">
+                      <a16:colId xmlns:a16="http://schemas.microsoft.com/office/drawing/2014/main" val="1662342609"/>
+                    </a:ext>
+                  </a:extLst>
+                </a:gridCol>
+                <a:gridCol w="1727027">
+                  <a:extLst>
+                    <a:ext uri="{9D8B030D-6E8A-4147-A177-3AD203B41FA5}">
+                      <a16:colId xmlns:a16="http://schemas.microsoft.com/office/drawing/2014/main" val="2227705505"/>
+                    </a:ext>
+                  </a:extLst>
+                </a:gridCol>
+              </a:tblGrid>
+              <a:tr h="647652">
+                <a:tc>
+                  <a:txBody>
+                    <a:bodyPr/>
+                    <a:lstStyle/>
+                    <a:p>
+                      <a:r>
+                        <a:rPr lang="ru-RU" dirty="0"/>
+                        <a:t>Изображение</a:t>
+                      </a:r>
+                    </a:p>
+                  </a:txBody>
+                  <a:tcPr/>
+                </a:tc>
+                <a:tc>
+                  <a:txBody>
+                    <a:bodyPr/>
+                    <a:lstStyle/>
+                    <a:p>
+                      <a:r>
+                        <a:rPr lang="ru-RU" dirty="0"/>
+                        <a:t>Пороговое значение для </a:t>
+                      </a:r>
+                      <a:r>
+                        <a:rPr lang="ru-RU" dirty="0" err="1"/>
+                        <a:t>Собеля</a:t>
+                      </a:r>
+                      <a:endParaRPr lang="ru-RU" dirty="0"/>
+                    </a:p>
+                  </a:txBody>
+                  <a:tcPr/>
+                </a:tc>
+                <a:tc>
+                  <a:txBody>
+                    <a:bodyPr/>
+                    <a:lstStyle/>
+                    <a:p>
+                      <a:r>
+                        <a:rPr lang="ru-RU" dirty="0"/>
+                        <a:t>Пороговое значение для </a:t>
+                      </a:r>
+                      <a:r>
+                        <a:rPr lang="ru-RU" dirty="0" err="1"/>
+                        <a:t>Щарра</a:t>
+                      </a:r>
+                      <a:endParaRPr lang="ru-RU" dirty="0"/>
+                    </a:p>
+                  </a:txBody>
+                  <a:tcPr/>
+                </a:tc>
+                <a:tc>
+                  <a:txBody>
+                    <a:bodyPr/>
+                    <a:lstStyle/>
+                    <a:p>
+                      <a:r>
+                        <a:rPr lang="ru-RU" dirty="0"/>
+                        <a:t>Пороговое значение для </a:t>
+                      </a:r>
+                      <a:r>
+                        <a:rPr lang="ru-RU" dirty="0" err="1"/>
+                        <a:t>Приютта</a:t>
+                      </a:r>
+                      <a:endParaRPr lang="ru-RU" dirty="0"/>
+                    </a:p>
+                  </a:txBody>
+                  <a:tcPr/>
+                </a:tc>
+                <a:tc>
+                  <a:txBody>
+                    <a:bodyPr/>
+                    <a:lstStyle/>
+                    <a:p>
+                      <a:r>
+                        <a:rPr lang="ru-RU" dirty="0"/>
+                        <a:t>Пороговое значение для Кирша</a:t>
+                      </a:r>
+                    </a:p>
+                  </a:txBody>
+                  <a:tcPr/>
+                </a:tc>
+                <a:extLst>
+                  <a:ext uri="{0D108BD9-81ED-4DB2-BD59-A6C34878D82A}">
+                    <a16:rowId xmlns:a16="http://schemas.microsoft.com/office/drawing/2014/main" val="377884934"/>
+                  </a:ext>
+                </a:extLst>
+              </a:tr>
+              <a:tr h="647652">
+                <a:tc>
+                  <a:txBody>
+                    <a:bodyPr/>
+                    <a:lstStyle/>
+                    <a:p>
+                      <a:r>
+                        <a:rPr lang="en-US" dirty="0"/>
+                        <a:t>testImage1</a:t>
+                      </a:r>
+                      <a:endParaRPr lang="ru-RU" dirty="0"/>
+                    </a:p>
+                  </a:txBody>
+                  <a:tcPr/>
+                </a:tc>
+                <a:tc>
+                  <a:txBody>
+                    <a:bodyPr/>
+                    <a:lstStyle/>
+                    <a:p>
+                      <a:r>
+                        <a:rPr lang="en-US" dirty="0"/>
+                        <a:t>(140,270)</a:t>
+                      </a:r>
+                      <a:endParaRPr lang="ru-RU" dirty="0"/>
+                    </a:p>
+                  </a:txBody>
+                  <a:tcPr/>
+                </a:tc>
+                <a:tc>
+                  <a:txBody>
+                    <a:bodyPr/>
+                    <a:lstStyle/>
+                    <a:p>
+                      <a:pPr marL="0" marR="0" lvl="0" indent="0" algn="l" defTabSz="914400" rtl="0" eaLnBrk="1" fontAlgn="auto" latinLnBrk="0" hangingPunct="1">
+                        <a:lnSpc>
+                          <a:spcPct val="100000"/>
+                        </a:lnSpc>
+                        <a:spcBef>
+                          <a:spcPts val="0"/>
+                        </a:spcBef>
+                        <a:spcAft>
+                          <a:spcPts val="0"/>
+                        </a:spcAft>
+                        <a:buClrTx/>
+                        <a:buSzTx/>
+                        <a:buFontTx/>
+                        <a:buNone/>
+                        <a:tabLst/>
+                        <a:defRPr/>
+                      </a:pPr>
+                      <a:r>
+                        <a:rPr lang="ru-RU" dirty="0"/>
+                        <a:t>(</a:t>
+                      </a:r>
+                      <a:r>
+                        <a:rPr lang="en-US" dirty="0"/>
+                        <a:t>850,1000)</a:t>
+                      </a:r>
+                      <a:endParaRPr lang="ru-RU" dirty="0"/>
+                    </a:p>
+                    <a:p>
+                      <a:endParaRPr lang="ru-RU" dirty="0"/>
+                    </a:p>
+                  </a:txBody>
+                  <a:tcPr/>
+                </a:tc>
+                <a:tc>
+                  <a:txBody>
+                    <a:bodyPr/>
+                    <a:lstStyle/>
+                    <a:p>
+                      <a:r>
+                        <a:rPr lang="en-US" dirty="0"/>
+                        <a:t>(140,200)</a:t>
+                      </a:r>
+                      <a:endParaRPr lang="ru-RU" dirty="0"/>
+                    </a:p>
+                  </a:txBody>
+                  <a:tcPr/>
+                </a:tc>
+                <a:tc>
+                  <a:txBody>
+                    <a:bodyPr/>
+                    <a:lstStyle/>
+                    <a:p>
+                      <a:r>
+                        <a:rPr lang="ru-RU" dirty="0"/>
+                        <a:t>120</a:t>
+                      </a:r>
+                    </a:p>
+                  </a:txBody>
+                  <a:tcPr/>
+                </a:tc>
+                <a:extLst>
+                  <a:ext uri="{0D108BD9-81ED-4DB2-BD59-A6C34878D82A}">
+                    <a16:rowId xmlns:a16="http://schemas.microsoft.com/office/drawing/2014/main" val="4115670497"/>
+                  </a:ext>
+                </a:extLst>
+              </a:tr>
+              <a:tr h="647652">
+                <a:tc>
+                  <a:txBody>
+                    <a:bodyPr/>
+                    <a:lstStyle/>
+                    <a:p>
+                      <a:r>
+                        <a:rPr lang="en-US" dirty="0"/>
+                        <a:t>testImage2</a:t>
+                      </a:r>
+                      <a:endParaRPr lang="ru-RU" dirty="0"/>
+                    </a:p>
+                  </a:txBody>
+                  <a:tcPr/>
+                </a:tc>
+                <a:tc>
+                  <a:txBody>
+                    <a:bodyPr/>
+                    <a:lstStyle/>
+                    <a:p>
+                      <a:pPr marL="0" marR="0" lvl="0" indent="0" algn="l" defTabSz="914400" rtl="0" eaLnBrk="1" fontAlgn="auto" latinLnBrk="0" hangingPunct="1">
+                        <a:lnSpc>
+                          <a:spcPct val="100000"/>
+                        </a:lnSpc>
+                        <a:spcBef>
+                          <a:spcPts val="0"/>
+                        </a:spcBef>
+                        <a:spcAft>
+                          <a:spcPts val="0"/>
+                        </a:spcAft>
+                        <a:buClrTx/>
+                        <a:buSzTx/>
+                        <a:buFontTx/>
+                        <a:buNone/>
+                        <a:tabLst/>
+                        <a:defRPr/>
+                      </a:pPr>
+                      <a:r>
+                        <a:rPr lang="en-US" dirty="0"/>
+                        <a:t>(80,110)</a:t>
+                      </a:r>
+                      <a:endParaRPr lang="ru-RU" dirty="0"/>
+                    </a:p>
+                    <a:p>
+                      <a:endParaRPr lang="ru-RU" dirty="0"/>
+                    </a:p>
+                  </a:txBody>
+                  <a:tcPr/>
+                </a:tc>
+                <a:tc>
+                  <a:txBody>
+                    <a:bodyPr/>
+                    <a:lstStyle/>
+                    <a:p>
+                      <a:pPr marL="0" marR="0" lvl="0" indent="0" algn="l" defTabSz="914400" rtl="0" eaLnBrk="1" fontAlgn="auto" latinLnBrk="0" hangingPunct="1">
+                        <a:lnSpc>
+                          <a:spcPct val="100000"/>
+                        </a:lnSpc>
+                        <a:spcBef>
+                          <a:spcPts val="0"/>
+                        </a:spcBef>
+                        <a:spcAft>
+                          <a:spcPts val="0"/>
+                        </a:spcAft>
+                        <a:buClrTx/>
+                        <a:buSzTx/>
+                        <a:buFontTx/>
+                        <a:buNone/>
+                        <a:tabLst/>
+                        <a:defRPr/>
+                      </a:pPr>
+                      <a:r>
+                        <a:rPr lang="en-US" dirty="0"/>
+                        <a:t>(400,450)</a:t>
+                      </a:r>
+                      <a:endParaRPr lang="ru-RU" dirty="0"/>
+                    </a:p>
+                    <a:p>
+                      <a:endParaRPr lang="ru-RU" dirty="0"/>
+                    </a:p>
+                  </a:txBody>
+                  <a:tcPr/>
+                </a:tc>
+                <a:tc>
+                  <a:txBody>
+                    <a:bodyPr/>
+                    <a:lstStyle/>
+                    <a:p>
+                      <a:pPr marL="0" marR="0" lvl="0" indent="0" algn="l" defTabSz="914400" rtl="0" eaLnBrk="1" fontAlgn="auto" latinLnBrk="0" hangingPunct="1">
+                        <a:lnSpc>
+                          <a:spcPct val="100000"/>
+                        </a:lnSpc>
+                        <a:spcBef>
+                          <a:spcPts val="0"/>
+                        </a:spcBef>
+                        <a:spcAft>
+                          <a:spcPts val="0"/>
+                        </a:spcAft>
+                        <a:buClrTx/>
+                        <a:buSzTx/>
+                        <a:buFontTx/>
+                        <a:buNone/>
+                        <a:tabLst/>
+                        <a:defRPr/>
+                      </a:pPr>
+                      <a:r>
+                        <a:rPr lang="en-US" dirty="0"/>
+                        <a:t>(50,80)</a:t>
+                      </a:r>
+                      <a:endParaRPr lang="ru-RU" dirty="0"/>
+                    </a:p>
+                    <a:p>
+                      <a:endParaRPr lang="ru-RU" dirty="0"/>
+                    </a:p>
+                  </a:txBody>
+                  <a:tcPr/>
+                </a:tc>
+                <a:tc>
+                  <a:txBody>
+                    <a:bodyPr/>
+                    <a:lstStyle/>
+                    <a:p>
+                      <a:r>
+                        <a:rPr lang="ru-RU" dirty="0"/>
+                        <a:t>70</a:t>
+                      </a:r>
+                    </a:p>
+                  </a:txBody>
+                  <a:tcPr/>
+                </a:tc>
+                <a:extLst>
+                  <a:ext uri="{0D108BD9-81ED-4DB2-BD59-A6C34878D82A}">
+                    <a16:rowId xmlns:a16="http://schemas.microsoft.com/office/drawing/2014/main" val="941241545"/>
+                  </a:ext>
+                </a:extLst>
+              </a:tr>
+              <a:tr h="647652">
+                <a:tc>
+                  <a:txBody>
+                    <a:bodyPr/>
+                    <a:lstStyle/>
+                    <a:p>
+                      <a:r>
+                        <a:rPr lang="en-US" dirty="0"/>
+                        <a:t>testImage3</a:t>
+                      </a:r>
+                      <a:endParaRPr lang="ru-RU" dirty="0"/>
+                    </a:p>
+                  </a:txBody>
+                  <a:tcPr/>
+                </a:tc>
+                <a:tc>
+                  <a:txBody>
+                    <a:bodyPr/>
+                    <a:lstStyle/>
+                    <a:p>
+                      <a:r>
+                        <a:rPr lang="ru-RU" dirty="0"/>
+                        <a:t>(80</a:t>
+                      </a:r>
+                      <a:r>
+                        <a:rPr lang="en-US" dirty="0"/>
+                        <a:t>,110)</a:t>
+                      </a:r>
+                      <a:endParaRPr lang="ru-RU" dirty="0"/>
+                    </a:p>
+                  </a:txBody>
+                  <a:tcPr/>
+                </a:tc>
+                <a:tc>
+                  <a:txBody>
+                    <a:bodyPr/>
+                    <a:lstStyle/>
+                    <a:p>
+                      <a:pPr marL="0" marR="0" lvl="0" indent="0" algn="l" defTabSz="914400" rtl="0" eaLnBrk="1" fontAlgn="auto" latinLnBrk="0" hangingPunct="1">
+                        <a:lnSpc>
+                          <a:spcPct val="100000"/>
+                        </a:lnSpc>
+                        <a:spcBef>
+                          <a:spcPts val="0"/>
+                        </a:spcBef>
+                        <a:spcAft>
+                          <a:spcPts val="0"/>
+                        </a:spcAft>
+                        <a:buClrTx/>
+                        <a:buSzTx/>
+                        <a:buFontTx/>
+                        <a:buNone/>
+                        <a:tabLst/>
+                        <a:defRPr/>
+                      </a:pPr>
+                      <a:r>
+                        <a:rPr lang="en-US" dirty="0"/>
+                        <a:t>(250,300)</a:t>
+                      </a:r>
+                      <a:endParaRPr lang="ru-RU" dirty="0"/>
+                    </a:p>
+                    <a:p>
+                      <a:endParaRPr lang="ru-RU" dirty="0"/>
+                    </a:p>
+                  </a:txBody>
+                  <a:tcPr/>
+                </a:tc>
+                <a:tc>
+                  <a:txBody>
+                    <a:bodyPr/>
+                    <a:lstStyle/>
+                    <a:p>
+                      <a:pPr marL="0" marR="0" lvl="0" indent="0" algn="l" defTabSz="914400" rtl="0" eaLnBrk="1" fontAlgn="auto" latinLnBrk="0" hangingPunct="1">
+                        <a:lnSpc>
+                          <a:spcPct val="100000"/>
+                        </a:lnSpc>
+                        <a:spcBef>
+                          <a:spcPts val="0"/>
+                        </a:spcBef>
+                        <a:spcAft>
+                          <a:spcPts val="0"/>
+                        </a:spcAft>
+                        <a:buClrTx/>
+                        <a:buSzTx/>
+                        <a:buFontTx/>
+                        <a:buNone/>
+                        <a:tabLst/>
+                        <a:defRPr/>
+                      </a:pPr>
+                      <a:r>
+                        <a:rPr lang="en-US" dirty="0"/>
+                        <a:t>(250,300)</a:t>
+                      </a:r>
+                      <a:endParaRPr lang="ru-RU" dirty="0"/>
+                    </a:p>
+                    <a:p>
+                      <a:endParaRPr lang="ru-RU" dirty="0"/>
+                    </a:p>
+                  </a:txBody>
+                  <a:tcPr/>
+                </a:tc>
+                <a:tc>
+                  <a:txBody>
+                    <a:bodyPr/>
+                    <a:lstStyle/>
+                    <a:p>
+                      <a:r>
+                        <a:rPr lang="ru-RU" dirty="0"/>
+                        <a:t>60</a:t>
+                      </a:r>
+                    </a:p>
+                  </a:txBody>
+                  <a:tcPr/>
+                </a:tc>
+                <a:extLst>
+                  <a:ext uri="{0D108BD9-81ED-4DB2-BD59-A6C34878D82A}">
+                    <a16:rowId xmlns:a16="http://schemas.microsoft.com/office/drawing/2014/main" val="2034160746"/>
+                  </a:ext>
+                </a:extLst>
+              </a:tr>
+              <a:tr h="647652">
+                <a:tc>
+                  <a:txBody>
+                    <a:bodyPr/>
+                    <a:lstStyle/>
+                    <a:p>
+                      <a:r>
+                        <a:rPr lang="en-US" dirty="0"/>
+                        <a:t>testImage4</a:t>
+                      </a:r>
+                      <a:endParaRPr lang="ru-RU" dirty="0"/>
+                    </a:p>
+                  </a:txBody>
+                  <a:tcPr/>
+                </a:tc>
+                <a:tc>
+                  <a:txBody>
+                    <a:bodyPr/>
+                    <a:lstStyle/>
+                    <a:p>
+                      <a:pPr marL="0" marR="0" lvl="0" indent="0" algn="l" defTabSz="914400" rtl="0" eaLnBrk="1" fontAlgn="auto" latinLnBrk="0" hangingPunct="1">
+                        <a:lnSpc>
+                          <a:spcPct val="100000"/>
+                        </a:lnSpc>
+                        <a:spcBef>
+                          <a:spcPts val="0"/>
+                        </a:spcBef>
+                        <a:spcAft>
+                          <a:spcPts val="0"/>
+                        </a:spcAft>
+                        <a:buClrTx/>
+                        <a:buSzTx/>
+                        <a:buFontTx/>
+                        <a:buNone/>
+                        <a:tabLst/>
+                        <a:defRPr/>
+                      </a:pPr>
+                      <a:r>
+                        <a:rPr lang="en-US" dirty="0"/>
+                        <a:t>(100,140)</a:t>
+                      </a:r>
+                      <a:endParaRPr lang="ru-RU" dirty="0"/>
+                    </a:p>
+                    <a:p>
+                      <a:endParaRPr lang="ru-RU" dirty="0"/>
+                    </a:p>
+                  </a:txBody>
+                  <a:tcPr/>
+                </a:tc>
+                <a:tc>
+                  <a:txBody>
+                    <a:bodyPr/>
+                    <a:lstStyle/>
+                    <a:p>
+                      <a:pPr marL="0" marR="0" lvl="0" indent="0" algn="l" defTabSz="914400" rtl="0" eaLnBrk="1" fontAlgn="auto" latinLnBrk="0" hangingPunct="1">
+                        <a:lnSpc>
+                          <a:spcPct val="100000"/>
+                        </a:lnSpc>
+                        <a:spcBef>
+                          <a:spcPts val="0"/>
+                        </a:spcBef>
+                        <a:spcAft>
+                          <a:spcPts val="0"/>
+                        </a:spcAft>
+                        <a:buClrTx/>
+                        <a:buSzTx/>
+                        <a:buFontTx/>
+                        <a:buNone/>
+                        <a:tabLst/>
+                        <a:defRPr/>
+                      </a:pPr>
+                      <a:r>
+                        <a:rPr lang="en-US" dirty="0"/>
+                        <a:t>(300,450)</a:t>
+                      </a:r>
+                      <a:endParaRPr lang="ru-RU" dirty="0"/>
+                    </a:p>
+                    <a:p>
+                      <a:endParaRPr lang="ru-RU" dirty="0"/>
+                    </a:p>
+                  </a:txBody>
+                  <a:tcPr/>
+                </a:tc>
+                <a:tc>
+                  <a:txBody>
+                    <a:bodyPr/>
+                    <a:lstStyle/>
+                    <a:p>
+                      <a:r>
+                        <a:rPr lang="en-US" dirty="0"/>
+                        <a:t>(300,450)</a:t>
+                      </a:r>
+                      <a:endParaRPr lang="ru-RU" dirty="0"/>
+                    </a:p>
+                  </a:txBody>
+                  <a:tcPr/>
+                </a:tc>
+                <a:tc>
+                  <a:txBody>
+                    <a:bodyPr/>
+                    <a:lstStyle/>
+                    <a:p>
+                      <a:r>
+                        <a:rPr lang="ru-RU" dirty="0"/>
+                        <a:t>150</a:t>
+                      </a:r>
+                    </a:p>
+                  </a:txBody>
+                  <a:tcPr/>
+                </a:tc>
+                <a:extLst>
+                  <a:ext uri="{0D108BD9-81ED-4DB2-BD59-A6C34878D82A}">
+                    <a16:rowId xmlns:a16="http://schemas.microsoft.com/office/drawing/2014/main" val="1757122455"/>
+                  </a:ext>
+                </a:extLst>
+              </a:tr>
+              <a:tr h="647652">
+                <a:tc>
+                  <a:txBody>
+                    <a:bodyPr/>
+                    <a:lstStyle/>
+                    <a:p>
+                      <a:r>
+                        <a:rPr lang="en-US" dirty="0"/>
+                        <a:t>testImage5</a:t>
+                      </a:r>
+                      <a:endParaRPr lang="ru-RU" dirty="0"/>
+                    </a:p>
+                  </a:txBody>
+                  <a:tcPr/>
+                </a:tc>
+                <a:tc>
+                  <a:txBody>
+                    <a:bodyPr/>
+                    <a:lstStyle/>
+                    <a:p>
+                      <a:pPr marL="0" marR="0" lvl="0" indent="0" algn="l" defTabSz="914400" rtl="0" eaLnBrk="1" fontAlgn="auto" latinLnBrk="0" hangingPunct="1">
+                        <a:lnSpc>
+                          <a:spcPct val="100000"/>
+                        </a:lnSpc>
+                        <a:spcBef>
+                          <a:spcPts val="0"/>
+                        </a:spcBef>
+                        <a:spcAft>
+                          <a:spcPts val="0"/>
+                        </a:spcAft>
+                        <a:buClrTx/>
+                        <a:buSzTx/>
+                        <a:buFontTx/>
+                        <a:buNone/>
+                        <a:tabLst/>
+                        <a:defRPr/>
+                      </a:pPr>
+                      <a:r>
+                        <a:rPr lang="en-US" dirty="0"/>
+                        <a:t>(170,210)</a:t>
+                      </a:r>
+                      <a:endParaRPr lang="ru-RU" dirty="0"/>
+                    </a:p>
+                    <a:p>
+                      <a:endParaRPr lang="ru-RU" dirty="0"/>
+                    </a:p>
+                  </a:txBody>
+                  <a:tcPr/>
+                </a:tc>
+                <a:tc>
+                  <a:txBody>
+                    <a:bodyPr/>
+                    <a:lstStyle/>
+                    <a:p>
+                      <a:pPr marL="0" marR="0" lvl="0" indent="0" algn="l" defTabSz="914400" rtl="0" eaLnBrk="1" fontAlgn="auto" latinLnBrk="0" hangingPunct="1">
+                        <a:lnSpc>
+                          <a:spcPct val="100000"/>
+                        </a:lnSpc>
+                        <a:spcBef>
+                          <a:spcPts val="0"/>
+                        </a:spcBef>
+                        <a:spcAft>
+                          <a:spcPts val="0"/>
+                        </a:spcAft>
+                        <a:buClrTx/>
+                        <a:buSzTx/>
+                        <a:buFontTx/>
+                        <a:buNone/>
+                        <a:tabLst/>
+                        <a:defRPr/>
+                      </a:pPr>
+                      <a:r>
+                        <a:rPr lang="en-US" dirty="0"/>
+                        <a:t>(500,600)</a:t>
+                      </a:r>
+                      <a:endParaRPr lang="ru-RU" dirty="0"/>
+                    </a:p>
+                    <a:p>
+                      <a:endParaRPr lang="ru-RU" dirty="0"/>
+                    </a:p>
+                  </a:txBody>
+                  <a:tcPr/>
+                </a:tc>
+                <a:tc>
+                  <a:txBody>
+                    <a:bodyPr/>
+                    <a:lstStyle/>
+                    <a:p>
+                      <a:pPr marL="0" marR="0" lvl="0" indent="0" algn="l" defTabSz="914400" rtl="0" eaLnBrk="1" fontAlgn="auto" latinLnBrk="0" hangingPunct="1">
+                        <a:lnSpc>
+                          <a:spcPct val="100000"/>
+                        </a:lnSpc>
+                        <a:spcBef>
+                          <a:spcPts val="0"/>
+                        </a:spcBef>
+                        <a:spcAft>
+                          <a:spcPts val="0"/>
+                        </a:spcAft>
+                        <a:buClrTx/>
+                        <a:buSzTx/>
+                        <a:buFontTx/>
+                        <a:buNone/>
+                        <a:tabLst/>
+                        <a:defRPr/>
+                      </a:pPr>
+                      <a:r>
+                        <a:rPr lang="en-US" dirty="0"/>
+                        <a:t>(70,120)</a:t>
+                      </a:r>
+                      <a:endParaRPr lang="ru-RU" dirty="0"/>
+                    </a:p>
+                    <a:p>
+                      <a:endParaRPr lang="ru-RU" dirty="0"/>
+                    </a:p>
+                  </a:txBody>
+                  <a:tcPr/>
+                </a:tc>
+                <a:tc>
+                  <a:txBody>
+                    <a:bodyPr/>
+                    <a:lstStyle/>
+                    <a:p>
+                      <a:r>
+                        <a:rPr lang="ru-RU" dirty="0"/>
+                        <a:t>100</a:t>
+                      </a:r>
+                    </a:p>
+                  </a:txBody>
+                  <a:tcPr/>
+                </a:tc>
+                <a:extLst>
+                  <a:ext uri="{0D108BD9-81ED-4DB2-BD59-A6C34878D82A}">
+                    <a16:rowId xmlns:a16="http://schemas.microsoft.com/office/drawing/2014/main" val="3005754936"/>
+                  </a:ext>
+                </a:extLst>
+              </a:tr>
+            </a:tbl>
+          </a:graphicData>
+        </a:graphic>
+      </p:graphicFrame>
+    </p:spTree>
+    <p:extLst>
+      <p:ext uri="{BB962C8B-B14F-4D97-AF65-F5344CB8AC3E}">
+        <p14:creationId xmlns:p14="http://schemas.microsoft.com/office/powerpoint/2010/main" val="2276802186"/>
+      </p:ext>
+    </p:extLst>
+  </p:cSld>
+  <p:clrMapOvr>
+    <a:masterClrMapping/>
+  </p:clrMapOvr>
+</p:sld>
+</file>
+
+<file path=ppt/slides/slide39.xml><?xml version="1.0" encoding="utf-8"?>
+<p:sld xmlns:a="http://schemas.openxmlformats.org/drawingml/2006/main" xmlns:r="http://schemas.openxmlformats.org/officeDocument/2006/relationships" xmlns:p="http://schemas.openxmlformats.org/presentationml/2006/main">
+  <p:cSld>
+    <p:spTree>
+      <p:nvGrpSpPr>
+        <p:cNvPr id="1" name="">
+          <a:extLst>
+            <a:ext uri="{FF2B5EF4-FFF2-40B4-BE49-F238E27FC236}">
+              <a16:creationId xmlns:a16="http://schemas.microsoft.com/office/drawing/2014/main" id="{622F433F-C0D8-E47A-2D2D-886FC5834F0D}"/>
+            </a:ext>
+          </a:extLst>
+        </p:cNvPr>
+        <p:cNvGrpSpPr/>
+        <p:nvPr/>
+      </p:nvGrpSpPr>
+      <p:grpSpPr>
+        <a:xfrm>
+          <a:off x="0" y="0"/>
+          <a:ext cx="0" cy="0"/>
+          <a:chOff x="0" y="0"/>
+          <a:chExt cx="0" cy="0"/>
+        </a:xfrm>
+      </p:grpSpPr>
+      <p:sp>
+        <p:nvSpPr>
+          <p:cNvPr id="9" name="Заголовок 8">
+            <a:extLst>
+              <a:ext uri="{FF2B5EF4-FFF2-40B4-BE49-F238E27FC236}">
+                <a16:creationId xmlns:a16="http://schemas.microsoft.com/office/drawing/2014/main" id="{856CFEE2-949A-1C74-7FA7-C77C13442774}"/>
+              </a:ext>
+            </a:extLst>
+          </p:cNvPr>
+          <p:cNvSpPr>
+            <a:spLocks noGrp="1"/>
+          </p:cNvSpPr>
+          <p:nvPr>
+            <p:ph type="ctrTitle"/>
+          </p:nvPr>
+        </p:nvSpPr>
+        <p:spPr>
+          <a:xfrm>
+            <a:off x="1887120" y="2165683"/>
+            <a:ext cx="8636000" cy="1829720"/>
+          </a:xfrm>
+        </p:spPr>
+        <p:txBody>
+          <a:bodyPr>
+            <a:normAutofit fontScale="90000"/>
+          </a:bodyPr>
+          <a:lstStyle/>
+          <a:p>
+            <a:r>
+              <a:rPr lang="ru-RU" dirty="0"/>
+              <a:t>Спасибо за внимание</a:t>
+            </a:r>
+          </a:p>
+        </p:txBody>
+      </p:sp>
+    </p:spTree>
+    <p:extLst>
+      <p:ext uri="{BB962C8B-B14F-4D97-AF65-F5344CB8AC3E}">
+        <p14:creationId xmlns:p14="http://schemas.microsoft.com/office/powerpoint/2010/main" val="2517531988"/>
       </p:ext>
     </p:extLst>
   </p:cSld>
@@ -4788,7 +13162,7 @@
             <p:ph idx="1"/>
             <p:extLst>
               <p:ext uri="{D42A27DB-BD31-4B8C-83A1-F6EECF244321}">
-                <p14:modId xmlns:p14="http://schemas.microsoft.com/office/powerpoint/2010/main" val="3082843109"/>
+                <p14:modId xmlns:p14="http://schemas.microsoft.com/office/powerpoint/2010/main" val="1705149180"/>
               </p:ext>
             </p:extLst>
           </p:nvPr>
@@ -5103,27 +13477,36 @@
                     <a:bodyPr/>
                     <a:lstStyle/>
                     <a:p>
-                      <a:endParaRPr lang="ru-RU" dirty="0"/>
-                    </a:p>
-                  </a:txBody>
-                  <a:tcPr/>
-                </a:tc>
-                <a:tc>
-                  <a:txBody>
-                    <a:bodyPr/>
-                    <a:lstStyle/>
-                    <a:p>
-                      <a:endParaRPr lang="ru-RU"/>
-                    </a:p>
-                  </a:txBody>
-                  <a:tcPr/>
-                </a:tc>
-                <a:tc>
-                  <a:txBody>
-                    <a:bodyPr/>
-                    <a:lstStyle/>
-                    <a:p>
-                      <a:endParaRPr lang="ru-RU" dirty="0"/>
+                      <a:r>
+                        <a:rPr lang="ru-RU" dirty="0"/>
+                        <a:t>5</a:t>
+                      </a:r>
+                    </a:p>
+                  </a:txBody>
+                  <a:tcPr/>
+                </a:tc>
+                <a:tc>
+                  <a:txBody>
+                    <a:bodyPr/>
+                    <a:lstStyle/>
+                    <a:p>
+                      <a:r>
+                        <a:rPr lang="ru-RU" dirty="0"/>
+                        <a:t>10</a:t>
+                      </a:r>
+                    </a:p>
+                  </a:txBody>
+                  <a:tcPr/>
+                </a:tc>
+                <a:tc>
+                  <a:txBody>
+                    <a:bodyPr/>
+                    <a:lstStyle/>
+                    <a:p>
+                      <a:r>
+                        <a:rPr lang="ru-RU" dirty="0"/>
+                        <a:t>10</a:t>
+                      </a:r>
                     </a:p>
                   </a:txBody>
                   <a:tcPr/>
@@ -5154,26 +13537,38 @@
                     <a:bodyPr/>
                     <a:lstStyle/>
                     <a:p>
-                      <a:endParaRPr lang="ru-RU"/>
-                    </a:p>
-                  </a:txBody>
-                  <a:tcPr/>
-                </a:tc>
-                <a:tc>
-                  <a:txBody>
-                    <a:bodyPr/>
-                    <a:lstStyle/>
-                    <a:p>
-                      <a:endParaRPr lang="ru-RU"/>
-                    </a:p>
-                  </a:txBody>
-                  <a:tcPr/>
-                </a:tc>
-                <a:tc>
-                  <a:txBody>
-                    <a:bodyPr/>
-                    <a:lstStyle/>
-                    <a:p>
+                      <a:r>
+                        <a:rPr lang="en-US" dirty="0"/>
+                        <a:t>5</a:t>
+                      </a:r>
+                      <a:endParaRPr lang="ru-RU" dirty="0"/>
+                    </a:p>
+                  </a:txBody>
+                  <a:tcPr/>
+                </a:tc>
+                <a:tc>
+                  <a:txBody>
+                    <a:bodyPr/>
+                    <a:lstStyle/>
+                    <a:p>
+                      <a:r>
+                        <a:rPr lang="en-US" dirty="0"/>
+                        <a:t>10</a:t>
+                      </a:r>
+                      <a:endParaRPr lang="ru-RU" dirty="0"/>
+                    </a:p>
+                  </a:txBody>
+                  <a:tcPr/>
+                </a:tc>
+                <a:tc>
+                  <a:txBody>
+                    <a:bodyPr/>
+                    <a:lstStyle/>
+                    <a:p>
+                      <a:r>
+                        <a:rPr lang="en-US" dirty="0"/>
+                        <a:t>10</a:t>
+                      </a:r>
                       <a:endParaRPr lang="ru-RU" dirty="0"/>
                     </a:p>
                   </a:txBody>
@@ -5271,7 +13666,7 @@
           <p:nvPr>
             <p:extLst>
               <p:ext uri="{D42A27DB-BD31-4B8C-83A1-F6EECF244321}">
-                <p14:modId xmlns:p14="http://schemas.microsoft.com/office/powerpoint/2010/main" val="2834612906"/>
+                <p14:modId xmlns:p14="http://schemas.microsoft.com/office/powerpoint/2010/main" val="1733622905"/>
               </p:ext>
             </p:extLst>
           </p:nvPr>
@@ -5525,26 +13920,42 @@
                     <a:bodyPr/>
                     <a:lstStyle/>
                     <a:p>
-                      <a:endParaRPr lang="ru-RU" dirty="0"/>
-                    </a:p>
-                  </a:txBody>
-                  <a:tcPr/>
-                </a:tc>
-                <a:tc>
-                  <a:txBody>
-                    <a:bodyPr/>
-                    <a:lstStyle/>
-                    <a:p>
-                      <a:endParaRPr lang="ru-RU" dirty="0"/>
-                    </a:p>
-                  </a:txBody>
-                  <a:tcPr/>
-                </a:tc>
-                <a:tc>
-                  <a:txBody>
-                    <a:bodyPr/>
-                    <a:lstStyle/>
-                    <a:p>
+                      <a:r>
+                        <a:rPr lang="ru-RU" dirty="0"/>
+                        <a:t>(80</a:t>
+                      </a:r>
+                      <a:r>
+                        <a:rPr lang="en-US" dirty="0"/>
+                        <a:t>,110)</a:t>
+                      </a:r>
+                      <a:endParaRPr lang="ru-RU" dirty="0"/>
+                    </a:p>
+                  </a:txBody>
+                  <a:tcPr/>
+                </a:tc>
+                <a:tc>
+                  <a:txBody>
+                    <a:bodyPr/>
+                    <a:lstStyle/>
+                    <a:p>
+                      <a:r>
+                        <a:rPr lang="en-US" dirty="0"/>
+                        <a:t>(90,120)</a:t>
+                      </a:r>
+                      <a:endParaRPr lang="ru-RU" dirty="0"/>
+                    </a:p>
+                  </a:txBody>
+                  <a:tcPr/>
+                </a:tc>
+                <a:tc>
+                  <a:txBody>
+                    <a:bodyPr/>
+                    <a:lstStyle/>
+                    <a:p>
+                      <a:r>
+                        <a:rPr lang="en-US" dirty="0"/>
+                        <a:t>(100,130)</a:t>
+                      </a:r>
                       <a:endParaRPr lang="ru-RU" dirty="0"/>
                     </a:p>
                   </a:txBody>
@@ -5576,26 +13987,38 @@
                     <a:bodyPr/>
                     <a:lstStyle/>
                     <a:p>
-                      <a:endParaRPr lang="ru-RU" dirty="0"/>
-                    </a:p>
-                  </a:txBody>
-                  <a:tcPr/>
-                </a:tc>
-                <a:tc>
-                  <a:txBody>
-                    <a:bodyPr/>
-                    <a:lstStyle/>
-                    <a:p>
-                      <a:endParaRPr lang="ru-RU" dirty="0"/>
-                    </a:p>
-                  </a:txBody>
-                  <a:tcPr/>
-                </a:tc>
-                <a:tc>
-                  <a:txBody>
-                    <a:bodyPr/>
-                    <a:lstStyle/>
-                    <a:p>
+                      <a:r>
+                        <a:rPr lang="en-US" dirty="0"/>
+                        <a:t>(80,110)</a:t>
+                      </a:r>
+                      <a:endParaRPr lang="ru-RU" dirty="0"/>
+                    </a:p>
+                  </a:txBody>
+                  <a:tcPr/>
+                </a:tc>
+                <a:tc>
+                  <a:txBody>
+                    <a:bodyPr/>
+                    <a:lstStyle/>
+                    <a:p>
+                      <a:r>
+                        <a:rPr lang="en-US" dirty="0"/>
+                        <a:t>(100,120)</a:t>
+                      </a:r>
+                      <a:endParaRPr lang="ru-RU" dirty="0"/>
+                    </a:p>
+                  </a:txBody>
+                  <a:tcPr/>
+                </a:tc>
+                <a:tc>
+                  <a:txBody>
+                    <a:bodyPr/>
+                    <a:lstStyle/>
+                    <a:p>
+                      <a:r>
+                        <a:rPr lang="en-US" dirty="0"/>
+                        <a:t>(100,140)</a:t>
+                      </a:r>
                       <a:endParaRPr lang="ru-RU" dirty="0"/>
                     </a:p>
                   </a:txBody>
@@ -5627,26 +14050,38 @@
                     <a:bodyPr/>
                     <a:lstStyle/>
                     <a:p>
-                      <a:endParaRPr lang="ru-RU"/>
-                    </a:p>
-                  </a:txBody>
-                  <a:tcPr/>
-                </a:tc>
-                <a:tc>
-                  <a:txBody>
-                    <a:bodyPr/>
-                    <a:lstStyle/>
-                    <a:p>
-                      <a:endParaRPr lang="ru-RU"/>
-                    </a:p>
-                  </a:txBody>
-                  <a:tcPr/>
-                </a:tc>
-                <a:tc>
-                  <a:txBody>
-                    <a:bodyPr/>
-                    <a:lstStyle/>
-                    <a:p>
+                      <a:r>
+                        <a:rPr lang="en-US" dirty="0"/>
+                        <a:t>(80,110)</a:t>
+                      </a:r>
+                      <a:endParaRPr lang="ru-RU" dirty="0"/>
+                    </a:p>
+                  </a:txBody>
+                  <a:tcPr/>
+                </a:tc>
+                <a:tc>
+                  <a:txBody>
+                    <a:bodyPr/>
+                    <a:lstStyle/>
+                    <a:p>
+                      <a:r>
+                        <a:rPr lang="en-US" dirty="0"/>
+                        <a:t>(100,140)</a:t>
+                      </a:r>
+                      <a:endParaRPr lang="ru-RU" dirty="0"/>
+                    </a:p>
+                  </a:txBody>
+                  <a:tcPr/>
+                </a:tc>
+                <a:tc>
+                  <a:txBody>
+                    <a:bodyPr/>
+                    <a:lstStyle/>
+                    <a:p>
+                      <a:r>
+                        <a:rPr lang="en-US" dirty="0"/>
+                        <a:t>(170,210)</a:t>
+                      </a:r>
                       <a:endParaRPr lang="ru-RU" dirty="0"/>
                     </a:p>
                   </a:txBody>
@@ -5666,6 +14101,205 @@
     <p:extLst>
       <p:ext uri="{BB962C8B-B14F-4D97-AF65-F5344CB8AC3E}">
         <p14:creationId xmlns:p14="http://schemas.microsoft.com/office/powerpoint/2010/main" val="4233804001"/>
+      </p:ext>
+    </p:extLst>
+  </p:cSld>
+  <p:clrMapOvr>
+    <a:masterClrMapping/>
+  </p:clrMapOvr>
+</p:sld>
+</file>
+
+<file path=ppt/slides/slide9.xml><?xml version="1.0" encoding="utf-8"?>
+<p:sld xmlns:a="http://schemas.openxmlformats.org/drawingml/2006/main" xmlns:r="http://schemas.openxmlformats.org/officeDocument/2006/relationships" xmlns:p="http://schemas.openxmlformats.org/presentationml/2006/main">
+  <p:cSld>
+    <p:spTree>
+      <p:nvGrpSpPr>
+        <p:cNvPr id="1" name="">
+          <a:extLst>
+            <a:ext uri="{FF2B5EF4-FFF2-40B4-BE49-F238E27FC236}">
+              <a16:creationId xmlns:a16="http://schemas.microsoft.com/office/drawing/2014/main" id="{73747E8C-A90C-F749-6472-9A5BC4BA2404}"/>
+            </a:ext>
+          </a:extLst>
+        </p:cNvPr>
+        <p:cNvGrpSpPr/>
+        <p:nvPr/>
+      </p:nvGrpSpPr>
+      <p:grpSpPr>
+        <a:xfrm>
+          <a:off x="0" y="0"/>
+          <a:ext cx="0" cy="0"/>
+          <a:chOff x="0" y="0"/>
+          <a:chExt cx="0" cy="0"/>
+        </a:xfrm>
+      </p:grpSpPr>
+      <p:sp>
+        <p:nvSpPr>
+          <p:cNvPr id="2" name="Заголовок 1">
+            <a:extLst>
+              <a:ext uri="{FF2B5EF4-FFF2-40B4-BE49-F238E27FC236}">
+                <a16:creationId xmlns:a16="http://schemas.microsoft.com/office/drawing/2014/main" id="{E8DCD51A-B1CA-9395-32F1-6C6E05C40E1C}"/>
+              </a:ext>
+            </a:extLst>
+          </p:cNvPr>
+          <p:cNvSpPr>
+            <a:spLocks noGrp="1"/>
+          </p:cNvSpPr>
+          <p:nvPr>
+            <p:ph type="title"/>
+          </p:nvPr>
+        </p:nvSpPr>
+        <p:spPr/>
+        <p:txBody>
+          <a:bodyPr>
+            <a:noAutofit/>
+          </a:bodyPr>
+          <a:lstStyle/>
+          <a:p>
+            <a:pPr algn="l"/>
+            <a:r>
+              <a:rPr lang="ru-RU" sz="4400" cap="none" dirty="0"/>
+              <a:t>Результаты работа алгоритма</a:t>
+            </a:r>
+            <a:endParaRPr lang="ru-RU" sz="4400" dirty="0"/>
+          </a:p>
+        </p:txBody>
+      </p:sp>
+      <p:sp>
+        <p:nvSpPr>
+          <p:cNvPr id="3" name="Объект 2">
+            <a:extLst>
+              <a:ext uri="{FF2B5EF4-FFF2-40B4-BE49-F238E27FC236}">
+                <a16:creationId xmlns:a16="http://schemas.microsoft.com/office/drawing/2014/main" id="{79AAA56E-8B0C-AD71-86D2-0E3644CFEB8C}"/>
+              </a:ext>
+            </a:extLst>
+          </p:cNvPr>
+          <p:cNvSpPr>
+            <a:spLocks noGrp="1"/>
+          </p:cNvSpPr>
+          <p:nvPr>
+            <p:ph idx="1"/>
+          </p:nvPr>
+        </p:nvSpPr>
+        <p:spPr>
+          <a:xfrm>
+            <a:off x="1081668" y="2015732"/>
+            <a:ext cx="10069551" cy="3450613"/>
+          </a:xfrm>
+        </p:spPr>
+        <p:txBody>
+          <a:bodyPr/>
+          <a:lstStyle/>
+          <a:p>
+            <a:r>
+              <a:rPr lang="ru-RU" dirty="0"/>
+              <a:t>Результаты работы алгоритма </a:t>
+            </a:r>
+            <a:r>
+              <a:rPr lang="ru-RU" dirty="0" err="1"/>
+              <a:t>Канни</a:t>
+            </a:r>
+            <a:r>
+              <a:rPr lang="ru-RU" dirty="0"/>
+              <a:t> для 3-х пороговых значений на изображении 1</a:t>
+            </a:r>
+          </a:p>
+        </p:txBody>
+      </p:sp>
+      <p:pic>
+        <p:nvPicPr>
+          <p:cNvPr id="12" name="Рисунок 11">
+            <a:extLst>
+              <a:ext uri="{FF2B5EF4-FFF2-40B4-BE49-F238E27FC236}">
+                <a16:creationId xmlns:a16="http://schemas.microsoft.com/office/drawing/2014/main" id="{F35937A4-4FC6-455A-330D-197BDB97175B}"/>
+              </a:ext>
+            </a:extLst>
+          </p:cNvPr>
+          <p:cNvPicPr>
+            <a:picLocks noChangeAspect="1"/>
+          </p:cNvPicPr>
+          <p:nvPr/>
+        </p:nvPicPr>
+        <p:blipFill>
+          <a:blip r:embed="rId2"/>
+          <a:stretch>
+            <a:fillRect/>
+          </a:stretch>
+        </p:blipFill>
+        <p:spPr>
+          <a:xfrm>
+            <a:off x="543158" y="2867023"/>
+            <a:ext cx="3571470" cy="2920459"/>
+          </a:xfrm>
+          <a:prstGeom prst="rect">
+            <a:avLst/>
+          </a:prstGeom>
+        </p:spPr>
+      </p:pic>
+      <p:pic>
+        <p:nvPicPr>
+          <p:cNvPr id="14" name="Рисунок 13">
+            <a:extLst>
+              <a:ext uri="{FF2B5EF4-FFF2-40B4-BE49-F238E27FC236}">
+                <a16:creationId xmlns:a16="http://schemas.microsoft.com/office/drawing/2014/main" id="{20A8E6FB-C449-A5FA-ED25-FA2C9417457E}"/>
+              </a:ext>
+            </a:extLst>
+          </p:cNvPr>
+          <p:cNvPicPr>
+            <a:picLocks noChangeAspect="1"/>
+          </p:cNvPicPr>
+          <p:nvPr/>
+        </p:nvPicPr>
+        <p:blipFill>
+          <a:blip r:embed="rId3"/>
+          <a:stretch>
+            <a:fillRect/>
+          </a:stretch>
+        </p:blipFill>
+        <p:spPr>
+          <a:xfrm>
+            <a:off x="4379060" y="2883287"/>
+            <a:ext cx="3540522" cy="2926498"/>
+          </a:xfrm>
+          <a:prstGeom prst="rect">
+            <a:avLst/>
+          </a:prstGeom>
+        </p:spPr>
+      </p:pic>
+      <p:pic>
+        <p:nvPicPr>
+          <p:cNvPr id="16" name="Рисунок 15">
+            <a:extLst>
+              <a:ext uri="{FF2B5EF4-FFF2-40B4-BE49-F238E27FC236}">
+                <a16:creationId xmlns:a16="http://schemas.microsoft.com/office/drawing/2014/main" id="{7961A088-C8CE-E00D-458F-162616600BD0}"/>
+              </a:ext>
+            </a:extLst>
+          </p:cNvPr>
+          <p:cNvPicPr>
+            <a:picLocks noChangeAspect="1"/>
+          </p:cNvPicPr>
+          <p:nvPr/>
+        </p:nvPicPr>
+        <p:blipFill>
+          <a:blip r:embed="rId4"/>
+          <a:stretch>
+            <a:fillRect/>
+          </a:stretch>
+        </p:blipFill>
+        <p:spPr>
+          <a:xfrm>
+            <a:off x="8203696" y="2910120"/>
+            <a:ext cx="3482782" cy="2910817"/>
+          </a:xfrm>
+          <a:prstGeom prst="rect">
+            <a:avLst/>
+          </a:prstGeom>
+        </p:spPr>
+      </p:pic>
+    </p:spTree>
+    <p:extLst>
+      <p:ext uri="{BB962C8B-B14F-4D97-AF65-F5344CB8AC3E}">
+        <p14:creationId xmlns:p14="http://schemas.microsoft.com/office/powerpoint/2010/main" val="773909645"/>
       </p:ext>
     </p:extLst>
   </p:cSld>
